--- a/docs/presentation.pptx
+++ b/docs/presentation.pptx
@@ -1,13 +1,32 @@
 
 <file path=ppt/presentation.xml><?xml version="1.0" encoding="utf-8"?>
-<p:presentation xmlns:a="http://schemas.openxmlformats.org/drawingml/2006/main" xmlns:r="http://schemas.openxmlformats.org/officeDocument/2006/relationships" xmlns:p="http://schemas.openxmlformats.org/presentationml/2006/main" saveSubsetFonts="1">
+<p:presentation xmlns:a="http://schemas.openxmlformats.org/drawingml/2006/main" xmlns:r="http://schemas.openxmlformats.org/officeDocument/2006/relationships" xmlns:p="http://schemas.openxmlformats.org/presentationml/2006/main" showSpecialPlsOnTitleSld="0" saveSubsetFonts="1">
   <p:sldMasterIdLst>
     <p:sldMasterId id="2147483648" r:id="rId1"/>
   </p:sldMasterIdLst>
+  <p:notesMasterIdLst>
+    <p:notesMasterId r:id="rId21"/>
+  </p:notesMasterIdLst>
   <p:sldIdLst>
     <p:sldId id="256" r:id="rId2"/>
     <p:sldId id="257" r:id="rId3"/>
     <p:sldId id="258" r:id="rId4"/>
+    <p:sldId id="260" r:id="rId5"/>
+    <p:sldId id="259" r:id="rId6"/>
+    <p:sldId id="261" r:id="rId7"/>
+    <p:sldId id="264" r:id="rId8"/>
+    <p:sldId id="265" r:id="rId9"/>
+    <p:sldId id="263" r:id="rId10"/>
+    <p:sldId id="272" r:id="rId11"/>
+    <p:sldId id="273" r:id="rId12"/>
+    <p:sldId id="274" r:id="rId13"/>
+    <p:sldId id="262" r:id="rId14"/>
+    <p:sldId id="266" r:id="rId15"/>
+    <p:sldId id="267" r:id="rId16"/>
+    <p:sldId id="269" r:id="rId17"/>
+    <p:sldId id="271" r:id="rId18"/>
+    <p:sldId id="270" r:id="rId19"/>
+    <p:sldId id="268" r:id="rId20"/>
   </p:sldIdLst>
   <p:sldSz cx="9144000" cy="6858000" type="screen4x3"/>
   <p:notesSz cx="6858000" cy="9144000"/>
@@ -109,6 +128,440 @@
 </p:presentation>
 </file>
 
+<file path=ppt/notesMasters/notesMaster1.xml><?xml version="1.0" encoding="utf-8"?>
+<p:notesMaster xmlns:a="http://schemas.openxmlformats.org/drawingml/2006/main" xmlns:r="http://schemas.openxmlformats.org/officeDocument/2006/relationships" xmlns:p="http://schemas.openxmlformats.org/presentationml/2006/main">
+  <p:cSld>
+    <p:bg>
+      <p:bgRef idx="1001">
+        <a:schemeClr val="bg1"/>
+      </p:bgRef>
+    </p:bg>
+    <p:spTree>
+      <p:nvGrpSpPr>
+        <p:cNvPr id="1" name=""/>
+        <p:cNvGrpSpPr/>
+        <p:nvPr/>
+      </p:nvGrpSpPr>
+      <p:grpSpPr>
+        <a:xfrm>
+          <a:off x="0" y="0"/>
+          <a:ext cx="0" cy="0"/>
+          <a:chOff x="0" y="0"/>
+          <a:chExt cx="0" cy="0"/>
+        </a:xfrm>
+      </p:grpSpPr>
+      <p:sp>
+        <p:nvSpPr>
+          <p:cNvPr id="2" name="Header Placeholder 1"/>
+          <p:cNvSpPr>
+            <a:spLocks noGrp="1"/>
+          </p:cNvSpPr>
+          <p:nvPr>
+            <p:ph type="hdr" sz="quarter"/>
+          </p:nvPr>
+        </p:nvSpPr>
+        <p:spPr>
+          <a:xfrm>
+            <a:off x="0" y="0"/>
+            <a:ext cx="2971800" cy="457200"/>
+          </a:xfrm>
+          <a:prstGeom prst="rect">
+            <a:avLst/>
+          </a:prstGeom>
+        </p:spPr>
+        <p:txBody>
+          <a:bodyPr vert="horz" lIns="91440" tIns="45720" rIns="91440" bIns="45720" rtlCol="0"/>
+          <a:lstStyle>
+            <a:lvl1pPr algn="l">
+              <a:defRPr sz="1200"/>
+            </a:lvl1pPr>
+          </a:lstStyle>
+          <a:p>
+            <a:endParaRPr lang="en-US"/>
+          </a:p>
+        </p:txBody>
+      </p:sp>
+      <p:sp>
+        <p:nvSpPr>
+          <p:cNvPr id="3" name="Date Placeholder 2"/>
+          <p:cNvSpPr>
+            <a:spLocks noGrp="1"/>
+          </p:cNvSpPr>
+          <p:nvPr>
+            <p:ph type="dt" idx="1"/>
+          </p:nvPr>
+        </p:nvSpPr>
+        <p:spPr>
+          <a:xfrm>
+            <a:off x="3884613" y="0"/>
+            <a:ext cx="2971800" cy="457200"/>
+          </a:xfrm>
+          <a:prstGeom prst="rect">
+            <a:avLst/>
+          </a:prstGeom>
+        </p:spPr>
+        <p:txBody>
+          <a:bodyPr vert="horz" lIns="91440" tIns="45720" rIns="91440" bIns="45720" rtlCol="0"/>
+          <a:lstStyle>
+            <a:lvl1pPr algn="r">
+              <a:defRPr sz="1200"/>
+            </a:lvl1pPr>
+          </a:lstStyle>
+          <a:p>
+            <a:fld id="{A77D5F35-EE2A-48DA-9491-311FB110B4F9}" type="datetimeFigureOut">
+              <a:rPr lang="en-US" smtClean="0"/>
+              <a:t>3/24/2018</a:t>
+            </a:fld>
+            <a:endParaRPr lang="en-US"/>
+          </a:p>
+        </p:txBody>
+      </p:sp>
+      <p:sp>
+        <p:nvSpPr>
+          <p:cNvPr id="4" name="Slide Image Placeholder 3"/>
+          <p:cNvSpPr>
+            <a:spLocks noGrp="1" noRot="1" noChangeAspect="1"/>
+          </p:cNvSpPr>
+          <p:nvPr>
+            <p:ph type="sldImg" idx="2"/>
+          </p:nvPr>
+        </p:nvSpPr>
+        <p:spPr>
+          <a:xfrm>
+            <a:off x="1143000" y="685800"/>
+            <a:ext cx="4572000" cy="3429000"/>
+          </a:xfrm>
+          <a:prstGeom prst="rect">
+            <a:avLst/>
+          </a:prstGeom>
+          <a:noFill/>
+          <a:ln w="12700">
+            <a:solidFill>
+              <a:prstClr val="black"/>
+            </a:solidFill>
+          </a:ln>
+        </p:spPr>
+        <p:txBody>
+          <a:bodyPr vert="horz" lIns="91440" tIns="45720" rIns="91440" bIns="45720" rtlCol="0" anchor="ctr"/>
+          <a:lstStyle/>
+          <a:p>
+            <a:endParaRPr lang="en-US"/>
+          </a:p>
+        </p:txBody>
+      </p:sp>
+      <p:sp>
+        <p:nvSpPr>
+          <p:cNvPr id="5" name="Notes Placeholder 4"/>
+          <p:cNvSpPr>
+            <a:spLocks noGrp="1"/>
+          </p:cNvSpPr>
+          <p:nvPr>
+            <p:ph type="body" sz="quarter" idx="3"/>
+          </p:nvPr>
+        </p:nvSpPr>
+        <p:spPr>
+          <a:xfrm>
+            <a:off x="685800" y="4343400"/>
+            <a:ext cx="5486400" cy="4114800"/>
+          </a:xfrm>
+          <a:prstGeom prst="rect">
+            <a:avLst/>
+          </a:prstGeom>
+        </p:spPr>
+        <p:txBody>
+          <a:bodyPr vert="horz" lIns="91440" tIns="45720" rIns="91440" bIns="45720" rtlCol="0"/>
+          <a:lstStyle/>
+          <a:p>
+            <a:pPr lvl="0"/>
+            <a:r>
+              <a:rPr lang="en-US" smtClean="0"/>
+              <a:t>Click to edit Master text styles</a:t>
+            </a:r>
+          </a:p>
+          <a:p>
+            <a:pPr lvl="1"/>
+            <a:r>
+              <a:rPr lang="en-US" smtClean="0"/>
+              <a:t>Second level</a:t>
+            </a:r>
+          </a:p>
+          <a:p>
+            <a:pPr lvl="2"/>
+            <a:r>
+              <a:rPr lang="en-US" smtClean="0"/>
+              <a:t>Third level</a:t>
+            </a:r>
+          </a:p>
+          <a:p>
+            <a:pPr lvl="3"/>
+            <a:r>
+              <a:rPr lang="en-US" smtClean="0"/>
+              <a:t>Fourth level</a:t>
+            </a:r>
+          </a:p>
+          <a:p>
+            <a:pPr lvl="4"/>
+            <a:r>
+              <a:rPr lang="en-US" smtClean="0"/>
+              <a:t>Fifth level</a:t>
+            </a:r>
+            <a:endParaRPr lang="en-US"/>
+          </a:p>
+        </p:txBody>
+      </p:sp>
+      <p:sp>
+        <p:nvSpPr>
+          <p:cNvPr id="6" name="Footer Placeholder 5"/>
+          <p:cNvSpPr>
+            <a:spLocks noGrp="1"/>
+          </p:cNvSpPr>
+          <p:nvPr>
+            <p:ph type="ftr" sz="quarter" idx="4"/>
+          </p:nvPr>
+        </p:nvSpPr>
+        <p:spPr>
+          <a:xfrm>
+            <a:off x="0" y="8685213"/>
+            <a:ext cx="2971800" cy="457200"/>
+          </a:xfrm>
+          <a:prstGeom prst="rect">
+            <a:avLst/>
+          </a:prstGeom>
+        </p:spPr>
+        <p:txBody>
+          <a:bodyPr vert="horz" lIns="91440" tIns="45720" rIns="91440" bIns="45720" rtlCol="0" anchor="b"/>
+          <a:lstStyle>
+            <a:lvl1pPr algn="l">
+              <a:defRPr sz="1200"/>
+            </a:lvl1pPr>
+          </a:lstStyle>
+          <a:p>
+            <a:endParaRPr lang="en-US"/>
+          </a:p>
+        </p:txBody>
+      </p:sp>
+      <p:sp>
+        <p:nvSpPr>
+          <p:cNvPr id="7" name="Slide Number Placeholder 6"/>
+          <p:cNvSpPr>
+            <a:spLocks noGrp="1"/>
+          </p:cNvSpPr>
+          <p:nvPr>
+            <p:ph type="sldNum" sz="quarter" idx="5"/>
+          </p:nvPr>
+        </p:nvSpPr>
+        <p:spPr>
+          <a:xfrm>
+            <a:off x="3884613" y="8685213"/>
+            <a:ext cx="2971800" cy="457200"/>
+          </a:xfrm>
+          <a:prstGeom prst="rect">
+            <a:avLst/>
+          </a:prstGeom>
+        </p:spPr>
+        <p:txBody>
+          <a:bodyPr vert="horz" lIns="91440" tIns="45720" rIns="91440" bIns="45720" rtlCol="0" anchor="b"/>
+          <a:lstStyle>
+            <a:lvl1pPr algn="r">
+              <a:defRPr sz="1200"/>
+            </a:lvl1pPr>
+          </a:lstStyle>
+          <a:p>
+            <a:fld id="{84FD1BFB-A98C-4D51-9D65-3DE3CDBC9FB3}" type="slidenum">
+              <a:rPr lang="en-US" smtClean="0"/>
+              <a:t>‹#›</a:t>
+            </a:fld>
+            <a:endParaRPr lang="en-US"/>
+          </a:p>
+        </p:txBody>
+      </p:sp>
+    </p:spTree>
+    <p:extLst>
+      <p:ext uri="{BB962C8B-B14F-4D97-AF65-F5344CB8AC3E}">
+        <p14:creationId xmlns:p14="http://schemas.microsoft.com/office/powerpoint/2010/main" val="2684154281"/>
+      </p:ext>
+    </p:extLst>
+  </p:cSld>
+  <p:clrMap bg1="lt1" tx1="dk1" bg2="lt2" tx2="dk2" accent1="accent1" accent2="accent2" accent3="accent3" accent4="accent4" accent5="accent5" accent6="accent6" hlink="hlink" folHlink="folHlink"/>
+  <p:notesStyle>
+    <a:lvl1pPr marL="0" algn="l" defTabSz="914400" rtl="0" eaLnBrk="1" latinLnBrk="0" hangingPunct="1">
+      <a:defRPr sz="1200" kern="1200">
+        <a:solidFill>
+          <a:schemeClr val="tx1"/>
+        </a:solidFill>
+        <a:latin typeface="+mn-lt"/>
+        <a:ea typeface="+mn-ea"/>
+        <a:cs typeface="+mn-cs"/>
+      </a:defRPr>
+    </a:lvl1pPr>
+    <a:lvl2pPr marL="457200" algn="l" defTabSz="914400" rtl="0" eaLnBrk="1" latinLnBrk="0" hangingPunct="1">
+      <a:defRPr sz="1200" kern="1200">
+        <a:solidFill>
+          <a:schemeClr val="tx1"/>
+        </a:solidFill>
+        <a:latin typeface="+mn-lt"/>
+        <a:ea typeface="+mn-ea"/>
+        <a:cs typeface="+mn-cs"/>
+      </a:defRPr>
+    </a:lvl2pPr>
+    <a:lvl3pPr marL="914400" algn="l" defTabSz="914400" rtl="0" eaLnBrk="1" latinLnBrk="0" hangingPunct="1">
+      <a:defRPr sz="1200" kern="1200">
+        <a:solidFill>
+          <a:schemeClr val="tx1"/>
+        </a:solidFill>
+        <a:latin typeface="+mn-lt"/>
+        <a:ea typeface="+mn-ea"/>
+        <a:cs typeface="+mn-cs"/>
+      </a:defRPr>
+    </a:lvl3pPr>
+    <a:lvl4pPr marL="1371600" algn="l" defTabSz="914400" rtl="0" eaLnBrk="1" latinLnBrk="0" hangingPunct="1">
+      <a:defRPr sz="1200" kern="1200">
+        <a:solidFill>
+          <a:schemeClr val="tx1"/>
+        </a:solidFill>
+        <a:latin typeface="+mn-lt"/>
+        <a:ea typeface="+mn-ea"/>
+        <a:cs typeface="+mn-cs"/>
+      </a:defRPr>
+    </a:lvl4pPr>
+    <a:lvl5pPr marL="1828800" algn="l" defTabSz="914400" rtl="0" eaLnBrk="1" latinLnBrk="0" hangingPunct="1">
+      <a:defRPr sz="1200" kern="1200">
+        <a:solidFill>
+          <a:schemeClr val="tx1"/>
+        </a:solidFill>
+        <a:latin typeface="+mn-lt"/>
+        <a:ea typeface="+mn-ea"/>
+        <a:cs typeface="+mn-cs"/>
+      </a:defRPr>
+    </a:lvl5pPr>
+    <a:lvl6pPr marL="2286000" algn="l" defTabSz="914400" rtl="0" eaLnBrk="1" latinLnBrk="0" hangingPunct="1">
+      <a:defRPr sz="1200" kern="1200">
+        <a:solidFill>
+          <a:schemeClr val="tx1"/>
+        </a:solidFill>
+        <a:latin typeface="+mn-lt"/>
+        <a:ea typeface="+mn-ea"/>
+        <a:cs typeface="+mn-cs"/>
+      </a:defRPr>
+    </a:lvl6pPr>
+    <a:lvl7pPr marL="2743200" algn="l" defTabSz="914400" rtl="0" eaLnBrk="1" latinLnBrk="0" hangingPunct="1">
+      <a:defRPr sz="1200" kern="1200">
+        <a:solidFill>
+          <a:schemeClr val="tx1"/>
+        </a:solidFill>
+        <a:latin typeface="+mn-lt"/>
+        <a:ea typeface="+mn-ea"/>
+        <a:cs typeface="+mn-cs"/>
+      </a:defRPr>
+    </a:lvl7pPr>
+    <a:lvl8pPr marL="3200400" algn="l" defTabSz="914400" rtl="0" eaLnBrk="1" latinLnBrk="0" hangingPunct="1">
+      <a:defRPr sz="1200" kern="1200">
+        <a:solidFill>
+          <a:schemeClr val="tx1"/>
+        </a:solidFill>
+        <a:latin typeface="+mn-lt"/>
+        <a:ea typeface="+mn-ea"/>
+        <a:cs typeface="+mn-cs"/>
+      </a:defRPr>
+    </a:lvl8pPr>
+    <a:lvl9pPr marL="3657600" algn="l" defTabSz="914400" rtl="0" eaLnBrk="1" latinLnBrk="0" hangingPunct="1">
+      <a:defRPr sz="1200" kern="1200">
+        <a:solidFill>
+          <a:schemeClr val="tx1"/>
+        </a:solidFill>
+        <a:latin typeface="+mn-lt"/>
+        <a:ea typeface="+mn-ea"/>
+        <a:cs typeface="+mn-cs"/>
+      </a:defRPr>
+    </a:lvl9pPr>
+  </p:notesStyle>
+</p:notesMaster>
+</file>
+
+<file path=ppt/notesSlides/notesSlide1.xml><?xml version="1.0" encoding="utf-8"?>
+<p:notes xmlns:a="http://schemas.openxmlformats.org/drawingml/2006/main" xmlns:r="http://schemas.openxmlformats.org/officeDocument/2006/relationships" xmlns:p="http://schemas.openxmlformats.org/presentationml/2006/main">
+  <p:cSld>
+    <p:spTree>
+      <p:nvGrpSpPr>
+        <p:cNvPr id="1" name=""/>
+        <p:cNvGrpSpPr/>
+        <p:nvPr/>
+      </p:nvGrpSpPr>
+      <p:grpSpPr>
+        <a:xfrm>
+          <a:off x="0" y="0"/>
+          <a:ext cx="0" cy="0"/>
+          <a:chOff x="0" y="0"/>
+          <a:chExt cx="0" cy="0"/>
+        </a:xfrm>
+      </p:grpSpPr>
+      <p:sp>
+        <p:nvSpPr>
+          <p:cNvPr id="2" name="Slide Image Placeholder 1"/>
+          <p:cNvSpPr>
+            <a:spLocks noGrp="1" noRot="1" noChangeAspect="1"/>
+          </p:cNvSpPr>
+          <p:nvPr>
+            <p:ph type="sldImg"/>
+          </p:nvPr>
+        </p:nvSpPr>
+        <p:spPr/>
+      </p:sp>
+      <p:sp>
+        <p:nvSpPr>
+          <p:cNvPr id="3" name="Notes Placeholder 2"/>
+          <p:cNvSpPr>
+            <a:spLocks noGrp="1"/>
+          </p:cNvSpPr>
+          <p:nvPr>
+            <p:ph type="body" idx="1"/>
+          </p:nvPr>
+        </p:nvSpPr>
+        <p:spPr/>
+        <p:txBody>
+          <a:bodyPr/>
+          <a:lstStyle/>
+          <a:p>
+            <a:endParaRPr lang="en-US" dirty="0"/>
+          </a:p>
+        </p:txBody>
+      </p:sp>
+      <p:sp>
+        <p:nvSpPr>
+          <p:cNvPr id="4" name="Slide Number Placeholder 3"/>
+          <p:cNvSpPr>
+            <a:spLocks noGrp="1"/>
+          </p:cNvSpPr>
+          <p:nvPr>
+            <p:ph type="sldNum" sz="quarter" idx="10"/>
+          </p:nvPr>
+        </p:nvSpPr>
+        <p:spPr/>
+        <p:txBody>
+          <a:bodyPr/>
+          <a:lstStyle/>
+          <a:p>
+            <a:fld id="{84FD1BFB-A98C-4D51-9D65-3DE3CDBC9FB3}" type="slidenum">
+              <a:rPr lang="en-US" smtClean="0"/>
+              <a:t>14</a:t>
+            </a:fld>
+            <a:endParaRPr lang="en-US"/>
+          </a:p>
+        </p:txBody>
+      </p:sp>
+    </p:spTree>
+    <p:extLst>
+      <p:ext uri="{BB962C8B-B14F-4D97-AF65-F5344CB8AC3E}">
+        <p14:creationId xmlns:p14="http://schemas.microsoft.com/office/powerpoint/2010/main" val="2540575863"/>
+      </p:ext>
+    </p:extLst>
+  </p:cSld>
+  <p:clrMapOvr>
+    <a:masterClrMapping/>
+  </p:clrMapOvr>
+</p:notes>
+</file>
+
 <file path=ppt/slideLayouts/slideLayout1.xml><?xml version="1.0" encoding="utf-8"?>
 <p:sldLayout xmlns:a="http://schemas.openxmlformats.org/drawingml/2006/main" xmlns:r="http://schemas.openxmlformats.org/officeDocument/2006/relationships" xmlns:p="http://schemas.openxmlformats.org/presentationml/2006/main" type="title" preserve="1">
   <p:cSld name="Title Slide">
@@ -288,9 +741,9 @@
           <a:bodyPr/>
           <a:lstStyle/>
           <a:p>
-            <a:fld id="{EC5E6AC5-9101-40F2-9544-3873A2E131B3}" type="datetimeFigureOut">
-              <a:rPr lang="en-US" smtClean="0"/>
-              <a:t>3/9/2018</a:t>
+            <a:fld id="{7B241AAE-5014-4638-B95F-01709B574918}" type="datetime1">
+              <a:rPr lang="en-US" smtClean="0"/>
+              <a:t>3/24/2018</a:t>
             </a:fld>
             <a:endParaRPr lang="en-US"/>
           </a:p>
@@ -458,9 +911,9 @@
           <a:bodyPr/>
           <a:lstStyle/>
           <a:p>
-            <a:fld id="{EC5E6AC5-9101-40F2-9544-3873A2E131B3}" type="datetimeFigureOut">
-              <a:rPr lang="en-US" smtClean="0"/>
-              <a:t>3/9/2018</a:t>
+            <a:fld id="{49666D8E-B9E6-46FC-A680-5C704C50BE58}" type="datetime1">
+              <a:rPr lang="en-US" smtClean="0"/>
+              <a:t>3/24/2018</a:t>
             </a:fld>
             <a:endParaRPr lang="en-US"/>
           </a:p>
@@ -638,9 +1091,9 @@
           <a:bodyPr/>
           <a:lstStyle/>
           <a:p>
-            <a:fld id="{EC5E6AC5-9101-40F2-9544-3873A2E131B3}" type="datetimeFigureOut">
-              <a:rPr lang="en-US" smtClean="0"/>
-              <a:t>3/9/2018</a:t>
+            <a:fld id="{F0C29595-4315-4268-8703-402FDFA0E0B1}" type="datetime1">
+              <a:rPr lang="en-US" smtClean="0"/>
+              <a:t>3/24/2018</a:t>
             </a:fld>
             <a:endParaRPr lang="en-US"/>
           </a:p>
@@ -808,9 +1261,9 @@
           <a:bodyPr/>
           <a:lstStyle/>
           <a:p>
-            <a:fld id="{EC5E6AC5-9101-40F2-9544-3873A2E131B3}" type="datetimeFigureOut">
-              <a:rPr lang="en-US" smtClean="0"/>
-              <a:t>3/9/2018</a:t>
+            <a:fld id="{5FA941FC-F816-4C22-8AD3-4D621070B2A8}" type="datetime1">
+              <a:rPr lang="en-US" smtClean="0"/>
+              <a:t>3/24/2018</a:t>
             </a:fld>
             <a:endParaRPr lang="en-US"/>
           </a:p>
@@ -1054,9 +1507,9 @@
           <a:bodyPr/>
           <a:lstStyle/>
           <a:p>
-            <a:fld id="{EC5E6AC5-9101-40F2-9544-3873A2E131B3}" type="datetimeFigureOut">
-              <a:rPr lang="en-US" smtClean="0"/>
-              <a:t>3/9/2018</a:t>
+            <a:fld id="{8F08F2D0-93B7-4893-8BFF-446F1699E222}" type="datetime1">
+              <a:rPr lang="en-US" smtClean="0"/>
+              <a:t>3/24/2018</a:t>
             </a:fld>
             <a:endParaRPr lang="en-US"/>
           </a:p>
@@ -1342,9 +1795,9 @@
           <a:bodyPr/>
           <a:lstStyle/>
           <a:p>
-            <a:fld id="{EC5E6AC5-9101-40F2-9544-3873A2E131B3}" type="datetimeFigureOut">
-              <a:rPr lang="en-US" smtClean="0"/>
-              <a:t>3/9/2018</a:t>
+            <a:fld id="{AAA4F724-7D73-4E9C-A1FE-76556599C818}" type="datetime1">
+              <a:rPr lang="en-US" smtClean="0"/>
+              <a:t>3/24/2018</a:t>
             </a:fld>
             <a:endParaRPr lang="en-US"/>
           </a:p>
@@ -1764,9 +2217,9 @@
           <a:bodyPr/>
           <a:lstStyle/>
           <a:p>
-            <a:fld id="{EC5E6AC5-9101-40F2-9544-3873A2E131B3}" type="datetimeFigureOut">
-              <a:rPr lang="en-US" smtClean="0"/>
-              <a:t>3/9/2018</a:t>
+            <a:fld id="{9B2EF830-E690-4779-829B-E547FC5FBA4D}" type="datetime1">
+              <a:rPr lang="en-US" smtClean="0"/>
+              <a:t>3/24/2018</a:t>
             </a:fld>
             <a:endParaRPr lang="en-US"/>
           </a:p>
@@ -1882,9 +2335,9 @@
           <a:bodyPr/>
           <a:lstStyle/>
           <a:p>
-            <a:fld id="{EC5E6AC5-9101-40F2-9544-3873A2E131B3}" type="datetimeFigureOut">
-              <a:rPr lang="en-US" smtClean="0"/>
-              <a:t>3/9/2018</a:t>
+            <a:fld id="{124A5970-2886-48A8-AC31-EC0541C1DB6E}" type="datetime1">
+              <a:rPr lang="en-US" smtClean="0"/>
+              <a:t>3/24/2018</a:t>
             </a:fld>
             <a:endParaRPr lang="en-US"/>
           </a:p>
@@ -1977,9 +2430,9 @@
           <a:bodyPr/>
           <a:lstStyle/>
           <a:p>
-            <a:fld id="{EC5E6AC5-9101-40F2-9544-3873A2E131B3}" type="datetimeFigureOut">
-              <a:rPr lang="en-US" smtClean="0"/>
-              <a:t>3/9/2018</a:t>
+            <a:fld id="{725F3C7E-9DA5-451A-8ABF-C976BD29F211}" type="datetime1">
+              <a:rPr lang="en-US" smtClean="0"/>
+              <a:t>3/24/2018</a:t>
             </a:fld>
             <a:endParaRPr lang="en-US"/>
           </a:p>
@@ -2254,9 +2707,9 @@
           <a:bodyPr/>
           <a:lstStyle/>
           <a:p>
-            <a:fld id="{EC5E6AC5-9101-40F2-9544-3873A2E131B3}" type="datetimeFigureOut">
-              <a:rPr lang="en-US" smtClean="0"/>
-              <a:t>3/9/2018</a:t>
+            <a:fld id="{30B9AE5A-A853-4E65-B185-0B4F908028C1}" type="datetime1">
+              <a:rPr lang="en-US" smtClean="0"/>
+              <a:t>3/24/2018</a:t>
             </a:fld>
             <a:endParaRPr lang="en-US"/>
           </a:p>
@@ -2507,9 +2960,9 @@
           <a:bodyPr/>
           <a:lstStyle/>
           <a:p>
-            <a:fld id="{EC5E6AC5-9101-40F2-9544-3873A2E131B3}" type="datetimeFigureOut">
-              <a:rPr lang="en-US" smtClean="0"/>
-              <a:t>3/9/2018</a:t>
+            <a:fld id="{06CD4A55-D142-47D5-917D-D192C5718F02}" type="datetime1">
+              <a:rPr lang="en-US" smtClean="0"/>
+              <a:t>3/24/2018</a:t>
             </a:fld>
             <a:endParaRPr lang="en-US"/>
           </a:p>
@@ -2720,9 +3173,9 @@
             </a:lvl1pPr>
           </a:lstStyle>
           <a:p>
-            <a:fld id="{EC5E6AC5-9101-40F2-9544-3873A2E131B3}" type="datetimeFigureOut">
-              <a:rPr lang="en-US" smtClean="0"/>
-              <a:t>3/9/2018</a:t>
+            <a:fld id="{02BC663F-6A7E-4ACF-A938-E31D9F8B0D9E}" type="datetime1">
+              <a:rPr lang="en-US" smtClean="0"/>
+              <a:t>3/24/2018</a:t>
             </a:fld>
             <a:endParaRPr lang="en-US"/>
           </a:p>
@@ -2827,6 +3280,7 @@
     <p:sldLayoutId id="2147483658" r:id="rId10"/>
     <p:sldLayoutId id="2147483659" r:id="rId11"/>
   </p:sldLayoutIdLst>
+  <p:hf hdr="0" ftr="0" dt="0"/>
   <p:txStyles>
     <p:titleStyle>
       <a:lvl1pPr algn="ctr" defTabSz="914400" rtl="0" eaLnBrk="1" latinLnBrk="0" hangingPunct="1">
@@ -3107,41 +3561,10 @@
             <p:ph type="ctrTitle"/>
           </p:nvPr>
         </p:nvSpPr>
-        <p:spPr/>
-        <p:txBody>
-          <a:bodyPr/>
-          <a:lstStyle/>
-          <a:p>
-            <a:r>
-              <a:rPr lang="en-US" dirty="0" smtClean="0"/>
-              <a:t>Fire Calculator (</a:t>
-            </a:r>
-            <a:r>
-              <a:rPr lang="en-US" dirty="0" err="1" smtClean="0"/>
-              <a:t>FireCalc</a:t>
-            </a:r>
-            <a:r>
-              <a:rPr lang="en-US" dirty="0" smtClean="0"/>
-              <a:t>)</a:t>
-            </a:r>
-            <a:endParaRPr lang="en-US" dirty="0"/>
-          </a:p>
-        </p:txBody>
-      </p:sp>
-      <p:sp>
-        <p:nvSpPr>
-          <p:cNvPr id="3" name="Subtitle 2"/>
-          <p:cNvSpPr>
-            <a:spLocks noGrp="1"/>
-          </p:cNvSpPr>
-          <p:nvPr>
-            <p:ph type="subTitle" idx="1"/>
-          </p:nvPr>
-        </p:nvSpPr>
         <p:spPr>
           <a:xfrm>
-            <a:off x="2667000" y="5638800"/>
-            <a:ext cx="6400800" cy="533400"/>
+            <a:off x="762000" y="3276600"/>
+            <a:ext cx="7772400" cy="1470025"/>
           </a:xfrm>
         </p:spPr>
         <p:txBody>
@@ -3150,15 +3573,130 @@
           </a:bodyPr>
           <a:lstStyle/>
           <a:p>
+            <a:r>
+              <a:rPr lang="en-US" dirty="0" smtClean="0"/>
+              <a:t>Orange Fire Dynamics </a:t>
+            </a:r>
+            <a:r>
+              <a:rPr lang="en-US" dirty="0" smtClean="0"/>
+              <a:t>Calculator</a:t>
+            </a:r>
+            <a:r>
+              <a:rPr lang="en-US" dirty="0" smtClean="0"/>
+              <a:t/>
+            </a:r>
+            <a:br>
+              <a:rPr lang="en-US" dirty="0" smtClean="0"/>
+            </a:br>
+            <a:r>
+              <a:rPr lang="en-US" sz="1800" dirty="0" err="1" smtClean="0"/>
+              <a:t>teamLanka</a:t>
+            </a:r>
+            <a:r>
+              <a:rPr lang="en-US" sz="1800" dirty="0" smtClean="0"/>
+              <a:t>- </a:t>
+            </a:r>
+            <a:r>
+              <a:rPr lang="en-US" sz="1800" dirty="0" err="1" smtClean="0"/>
+              <a:t>Charmal</a:t>
+            </a:r>
+            <a:r>
+              <a:rPr lang="en-US" sz="1800" dirty="0" smtClean="0"/>
+              <a:t> Damith P. </a:t>
+            </a:r>
+            <a:r>
+              <a:rPr lang="en-US" sz="1800" dirty="0" err="1" smtClean="0"/>
+              <a:t>Mahapatabendige</a:t>
+            </a:r>
+            <a:endParaRPr lang="en-US" sz="3600" dirty="0"/>
+          </a:p>
+        </p:txBody>
+      </p:sp>
+      <p:sp>
+        <p:nvSpPr>
+          <p:cNvPr id="3" name="Subtitle 2"/>
+          <p:cNvSpPr>
+            <a:spLocks noGrp="1"/>
+          </p:cNvSpPr>
+          <p:nvPr>
+            <p:ph type="subTitle" idx="1"/>
+          </p:nvPr>
+        </p:nvSpPr>
+        <p:spPr>
+          <a:xfrm>
+            <a:off x="2743200" y="6524625"/>
+            <a:ext cx="6400800" cy="314325"/>
+          </a:xfrm>
+        </p:spPr>
+        <p:txBody>
+          <a:bodyPr>
+            <a:normAutofit/>
+          </a:bodyPr>
+          <a:lstStyle/>
+          <a:p>
             <a:pPr algn="r"/>
             <a:r>
-              <a:rPr lang="en-US" sz="2400" dirty="0" smtClean="0"/>
-              <a:t>Damith Perera</a:t>
-            </a:r>
-            <a:endParaRPr lang="en-US" sz="2400" dirty="0"/>
-          </a:p>
-        </p:txBody>
-      </p:sp>
+              <a:rPr lang="en-US" sz="1400" dirty="0" smtClean="0"/>
+              <a:t>03/26/2018</a:t>
+            </a:r>
+            <a:endParaRPr lang="en-US" sz="1400" dirty="0"/>
+          </a:p>
+        </p:txBody>
+      </p:sp>
+      <p:pic>
+        <p:nvPicPr>
+          <p:cNvPr id="2050" name="Picture 2"/>
+          <p:cNvPicPr>
+            <a:picLocks noChangeAspect="1" noChangeArrowheads="1"/>
+          </p:cNvPicPr>
+          <p:nvPr/>
+        </p:nvPicPr>
+        <p:blipFill>
+          <a:blip r:embed="rId2">
+            <a:extLst>
+              <a:ext uri="{28A0092B-C50C-407E-A947-70E740481C1C}">
+                <a14:useLocalDpi xmlns:a14="http://schemas.microsoft.com/office/drawing/2010/main" val="0"/>
+              </a:ext>
+            </a:extLst>
+          </a:blip>
+          <a:srcRect/>
+          <a:stretch>
+            <a:fillRect/>
+          </a:stretch>
+        </p:blipFill>
+        <p:spPr bwMode="auto">
+          <a:xfrm>
+            <a:off x="2590801" y="373671"/>
+            <a:ext cx="3505200" cy="2626704"/>
+          </a:xfrm>
+          <a:prstGeom prst="rect">
+            <a:avLst/>
+          </a:prstGeom>
+          <a:ln w="38100" cap="sq">
+            <a:solidFill>
+              <a:srgbClr val="000000"/>
+            </a:solidFill>
+            <a:prstDash val="solid"/>
+            <a:miter lim="800000"/>
+          </a:ln>
+          <a:effectLst>
+            <a:outerShdw blurRad="50800" dist="38100" dir="2700000" algn="tl" rotWithShape="0">
+              <a:srgbClr val="000000">
+                <a:alpha val="43000"/>
+              </a:srgbClr>
+            </a:outerShdw>
+          </a:effectLst>
+          <a:extLst>
+            <a:ext uri="{909E8E84-426E-40DD-AFC4-6F175D3DCCD1}">
+              <a14:hiddenFill xmlns:a14="http://schemas.microsoft.com/office/drawing/2010/main">
+                <a:solidFill>
+                  <a:schemeClr val="accent1"/>
+                </a:solidFill>
+              </a14:hiddenFill>
+            </a:ext>
+          </a:extLst>
+        </p:spPr>
+      </p:pic>
     </p:spTree>
     <p:extLst>
       <p:ext uri="{BB962C8B-B14F-4D97-AF65-F5344CB8AC3E}">
@@ -3169,6 +3707,2341 @@
   <p:clrMapOvr>
     <a:masterClrMapping/>
   </p:clrMapOvr>
+  <p:timing>
+    <p:tnLst>
+      <p:par>
+        <p:cTn id="1" dur="indefinite" restart="never" nodeType="tmRoot"/>
+      </p:par>
+    </p:tnLst>
+  </p:timing>
+</p:sld>
+</file>
+
+<file path=ppt/slides/slide10.xml><?xml version="1.0" encoding="utf-8"?>
+<p:sld xmlns:a="http://schemas.openxmlformats.org/drawingml/2006/main" xmlns:r="http://schemas.openxmlformats.org/officeDocument/2006/relationships" xmlns:p="http://schemas.openxmlformats.org/presentationml/2006/main">
+  <p:cSld>
+    <p:spTree>
+      <p:nvGrpSpPr>
+        <p:cNvPr id="1" name=""/>
+        <p:cNvGrpSpPr/>
+        <p:nvPr/>
+      </p:nvGrpSpPr>
+      <p:grpSpPr>
+        <a:xfrm>
+          <a:off x="0" y="0"/>
+          <a:ext cx="0" cy="0"/>
+          <a:chOff x="0" y="0"/>
+          <a:chExt cx="0" cy="0"/>
+        </a:xfrm>
+      </p:grpSpPr>
+      <p:sp>
+        <p:nvSpPr>
+          <p:cNvPr id="2" name="Title 1"/>
+          <p:cNvSpPr>
+            <a:spLocks noGrp="1"/>
+          </p:cNvSpPr>
+          <p:nvPr>
+            <p:ph type="title"/>
+          </p:nvPr>
+        </p:nvSpPr>
+        <p:spPr/>
+        <p:txBody>
+          <a:bodyPr/>
+          <a:lstStyle/>
+          <a:p>
+            <a:endParaRPr lang="en-US"/>
+          </a:p>
+        </p:txBody>
+      </p:sp>
+      <p:sp>
+        <p:nvSpPr>
+          <p:cNvPr id="4" name="Slide Number Placeholder 3"/>
+          <p:cNvSpPr>
+            <a:spLocks noGrp="1"/>
+          </p:cNvSpPr>
+          <p:nvPr>
+            <p:ph type="sldNum" sz="quarter" idx="12"/>
+          </p:nvPr>
+        </p:nvSpPr>
+        <p:spPr/>
+        <p:txBody>
+          <a:bodyPr/>
+          <a:lstStyle/>
+          <a:p>
+            <a:fld id="{20DB21FD-4A02-4528-9F81-32550AF98AA0}" type="slidenum">
+              <a:rPr lang="en-US" smtClean="0"/>
+              <a:t>10</a:t>
+            </a:fld>
+            <a:endParaRPr lang="en-US"/>
+          </a:p>
+        </p:txBody>
+      </p:sp>
+      <p:pic>
+        <p:nvPicPr>
+          <p:cNvPr id="2050" name="Picture 2" descr="G:\My Drive\Master\7.Spring 2018\App\Screen Shot 2018-03-23 at 3.58.30 PM.png"/>
+          <p:cNvPicPr>
+            <a:picLocks noChangeAspect="1" noChangeArrowheads="1"/>
+          </p:cNvPicPr>
+          <p:nvPr/>
+        </p:nvPicPr>
+        <p:blipFill>
+          <a:blip r:embed="rId2" cstate="print">
+            <a:extLst>
+              <a:ext uri="{28A0092B-C50C-407E-A947-70E740481C1C}">
+                <a14:useLocalDpi xmlns:a14="http://schemas.microsoft.com/office/drawing/2010/main" val="0"/>
+              </a:ext>
+            </a:extLst>
+          </a:blip>
+          <a:srcRect/>
+          <a:stretch>
+            <a:fillRect/>
+          </a:stretch>
+        </p:blipFill>
+        <p:spPr bwMode="auto">
+          <a:xfrm>
+            <a:off x="762000" y="1501140"/>
+            <a:ext cx="2023422" cy="4069080"/>
+          </a:xfrm>
+          <a:prstGeom prst="rect">
+            <a:avLst/>
+          </a:prstGeom>
+          <a:noFill/>
+          <a:extLst>
+            <a:ext uri="{909E8E84-426E-40DD-AFC4-6F175D3DCCD1}">
+              <a14:hiddenFill xmlns:a14="http://schemas.microsoft.com/office/drawing/2010/main">
+                <a:solidFill>
+                  <a:srgbClr val="FFFFFF"/>
+                </a:solidFill>
+              </a14:hiddenFill>
+            </a:ext>
+          </a:extLst>
+        </p:spPr>
+      </p:pic>
+      <p:pic>
+        <p:nvPicPr>
+          <p:cNvPr id="2051" name="Picture 3" descr="G:\My Drive\Master\7.Spring 2018\App\Screen Shot 2018-03-23 at 3.58.44 PM.png"/>
+          <p:cNvPicPr>
+            <a:picLocks noChangeAspect="1" noChangeArrowheads="1"/>
+          </p:cNvPicPr>
+          <p:nvPr/>
+        </p:nvPicPr>
+        <p:blipFill>
+          <a:blip r:embed="rId3" cstate="print">
+            <a:extLst>
+              <a:ext uri="{28A0092B-C50C-407E-A947-70E740481C1C}">
+                <a14:useLocalDpi xmlns:a14="http://schemas.microsoft.com/office/drawing/2010/main" val="0"/>
+              </a:ext>
+            </a:extLst>
+          </a:blip>
+          <a:srcRect/>
+          <a:stretch>
+            <a:fillRect/>
+          </a:stretch>
+        </p:blipFill>
+        <p:spPr bwMode="auto">
+          <a:xfrm>
+            <a:off x="3657600" y="1501140"/>
+            <a:ext cx="2049072" cy="4069080"/>
+          </a:xfrm>
+          <a:prstGeom prst="rect">
+            <a:avLst/>
+          </a:prstGeom>
+          <a:noFill/>
+          <a:extLst>
+            <a:ext uri="{909E8E84-426E-40DD-AFC4-6F175D3DCCD1}">
+              <a14:hiddenFill xmlns:a14="http://schemas.microsoft.com/office/drawing/2010/main">
+                <a:solidFill>
+                  <a:srgbClr val="FFFFFF"/>
+                </a:solidFill>
+              </a14:hiddenFill>
+            </a:ext>
+          </a:extLst>
+        </p:spPr>
+      </p:pic>
+      <p:pic>
+        <p:nvPicPr>
+          <p:cNvPr id="2052" name="Picture 4" descr="G:\My Drive\Master\7.Spring 2018\App\Screen Shot 2018-03-23 at 3.59.35 PM.png"/>
+          <p:cNvPicPr>
+            <a:picLocks noChangeAspect="1" noChangeArrowheads="1"/>
+          </p:cNvPicPr>
+          <p:nvPr/>
+        </p:nvPicPr>
+        <p:blipFill>
+          <a:blip r:embed="rId4" cstate="print">
+            <a:extLst>
+              <a:ext uri="{28A0092B-C50C-407E-A947-70E740481C1C}">
+                <a14:useLocalDpi xmlns:a14="http://schemas.microsoft.com/office/drawing/2010/main" val="0"/>
+              </a:ext>
+            </a:extLst>
+          </a:blip>
+          <a:srcRect/>
+          <a:stretch>
+            <a:fillRect/>
+          </a:stretch>
+        </p:blipFill>
+        <p:spPr bwMode="auto">
+          <a:xfrm>
+            <a:off x="6705600" y="1526540"/>
+            <a:ext cx="2016535" cy="4069080"/>
+          </a:xfrm>
+          <a:prstGeom prst="rect">
+            <a:avLst/>
+          </a:prstGeom>
+          <a:noFill/>
+          <a:extLst>
+            <a:ext uri="{909E8E84-426E-40DD-AFC4-6F175D3DCCD1}">
+              <a14:hiddenFill xmlns:a14="http://schemas.microsoft.com/office/drawing/2010/main">
+                <a:solidFill>
+                  <a:srgbClr val="FFFFFF"/>
+                </a:solidFill>
+              </a14:hiddenFill>
+            </a:ext>
+          </a:extLst>
+        </p:spPr>
+      </p:pic>
+    </p:spTree>
+    <p:extLst>
+      <p:ext uri="{BB962C8B-B14F-4D97-AF65-F5344CB8AC3E}">
+        <p14:creationId xmlns:p14="http://schemas.microsoft.com/office/powerpoint/2010/main" val="590677607"/>
+      </p:ext>
+    </p:extLst>
+  </p:cSld>
+  <p:clrMapOvr>
+    <a:masterClrMapping/>
+  </p:clrMapOvr>
+  <p:timing>
+    <p:tnLst>
+      <p:par>
+        <p:cTn id="1" dur="indefinite" restart="never" nodeType="tmRoot"/>
+      </p:par>
+    </p:tnLst>
+  </p:timing>
+</p:sld>
+</file>
+
+<file path=ppt/slides/slide11.xml><?xml version="1.0" encoding="utf-8"?>
+<p:sld xmlns:a="http://schemas.openxmlformats.org/drawingml/2006/main" xmlns:r="http://schemas.openxmlformats.org/officeDocument/2006/relationships" xmlns:p="http://schemas.openxmlformats.org/presentationml/2006/main">
+  <p:cSld>
+    <p:spTree>
+      <p:nvGrpSpPr>
+        <p:cNvPr id="1" name=""/>
+        <p:cNvGrpSpPr/>
+        <p:nvPr/>
+      </p:nvGrpSpPr>
+      <p:grpSpPr>
+        <a:xfrm>
+          <a:off x="0" y="0"/>
+          <a:ext cx="0" cy="0"/>
+          <a:chOff x="0" y="0"/>
+          <a:chExt cx="0" cy="0"/>
+        </a:xfrm>
+      </p:grpSpPr>
+      <p:sp>
+        <p:nvSpPr>
+          <p:cNvPr id="2" name="Title 1"/>
+          <p:cNvSpPr>
+            <a:spLocks noGrp="1"/>
+          </p:cNvSpPr>
+          <p:nvPr>
+            <p:ph type="title"/>
+          </p:nvPr>
+        </p:nvSpPr>
+        <p:spPr/>
+        <p:txBody>
+          <a:bodyPr/>
+          <a:lstStyle/>
+          <a:p>
+            <a:endParaRPr lang="en-US" dirty="0"/>
+          </a:p>
+        </p:txBody>
+      </p:sp>
+      <p:sp>
+        <p:nvSpPr>
+          <p:cNvPr id="3" name="Content Placeholder 2"/>
+          <p:cNvSpPr>
+            <a:spLocks noGrp="1"/>
+          </p:cNvSpPr>
+          <p:nvPr>
+            <p:ph idx="1"/>
+          </p:nvPr>
+        </p:nvSpPr>
+        <p:spPr/>
+        <p:txBody>
+          <a:bodyPr/>
+          <a:lstStyle/>
+          <a:p>
+            <a:endParaRPr lang="en-US" dirty="0"/>
+          </a:p>
+        </p:txBody>
+      </p:sp>
+      <p:sp>
+        <p:nvSpPr>
+          <p:cNvPr id="4" name="Slide Number Placeholder 3"/>
+          <p:cNvSpPr>
+            <a:spLocks noGrp="1"/>
+          </p:cNvSpPr>
+          <p:nvPr>
+            <p:ph type="sldNum" sz="quarter" idx="12"/>
+          </p:nvPr>
+        </p:nvSpPr>
+        <p:spPr/>
+        <p:txBody>
+          <a:bodyPr/>
+          <a:lstStyle/>
+          <a:p>
+            <a:fld id="{20DB21FD-4A02-4528-9F81-32550AF98AA0}" type="slidenum">
+              <a:rPr lang="en-US" smtClean="0"/>
+              <a:t>11</a:t>
+            </a:fld>
+            <a:endParaRPr lang="en-US"/>
+          </a:p>
+        </p:txBody>
+      </p:sp>
+      <p:pic>
+        <p:nvPicPr>
+          <p:cNvPr id="4100" name="Picture 4" descr="G:\My Drive\Master\7.Spring 2018\App\Screen Shot 2018-03-23 at 4.01.42 PM.png"/>
+          <p:cNvPicPr>
+            <a:picLocks noChangeAspect="1" noChangeArrowheads="1"/>
+          </p:cNvPicPr>
+          <p:nvPr/>
+        </p:nvPicPr>
+        <p:blipFill>
+          <a:blip r:embed="rId2" cstate="print">
+            <a:extLst>
+              <a:ext uri="{28A0092B-C50C-407E-A947-70E740481C1C}">
+                <a14:useLocalDpi xmlns:a14="http://schemas.microsoft.com/office/drawing/2010/main" val="0"/>
+              </a:ext>
+            </a:extLst>
+          </a:blip>
+          <a:srcRect/>
+          <a:stretch>
+            <a:fillRect/>
+          </a:stretch>
+        </p:blipFill>
+        <p:spPr bwMode="auto">
+          <a:xfrm>
+            <a:off x="4876800" y="1905000"/>
+            <a:ext cx="2007592" cy="4069080"/>
+          </a:xfrm>
+          <a:prstGeom prst="rect">
+            <a:avLst/>
+          </a:prstGeom>
+          <a:noFill/>
+          <a:extLst>
+            <a:ext uri="{909E8E84-426E-40DD-AFC4-6F175D3DCCD1}">
+              <a14:hiddenFill xmlns:a14="http://schemas.microsoft.com/office/drawing/2010/main">
+                <a:solidFill>
+                  <a:srgbClr val="FFFFFF"/>
+                </a:solidFill>
+              </a14:hiddenFill>
+            </a:ext>
+          </a:extLst>
+        </p:spPr>
+      </p:pic>
+      <p:pic>
+        <p:nvPicPr>
+          <p:cNvPr id="4101" name="Picture 5" descr="G:\My Drive\Master\7.Spring 2018\App\Screen Shot 2018-03-23 at 4.01.49 PM.png"/>
+          <p:cNvPicPr>
+            <a:picLocks noChangeAspect="1" noChangeArrowheads="1"/>
+          </p:cNvPicPr>
+          <p:nvPr/>
+        </p:nvPicPr>
+        <p:blipFill>
+          <a:blip r:embed="rId3" cstate="print">
+            <a:extLst>
+              <a:ext uri="{28A0092B-C50C-407E-A947-70E740481C1C}">
+                <a14:useLocalDpi xmlns:a14="http://schemas.microsoft.com/office/drawing/2010/main" val="0"/>
+              </a:ext>
+            </a:extLst>
+          </a:blip>
+          <a:srcRect/>
+          <a:stretch>
+            <a:fillRect/>
+          </a:stretch>
+        </p:blipFill>
+        <p:spPr bwMode="auto">
+          <a:xfrm>
+            <a:off x="7010400" y="1905000"/>
+            <a:ext cx="2010027" cy="4069080"/>
+          </a:xfrm>
+          <a:prstGeom prst="rect">
+            <a:avLst/>
+          </a:prstGeom>
+          <a:noFill/>
+          <a:extLst>
+            <a:ext uri="{909E8E84-426E-40DD-AFC4-6F175D3DCCD1}">
+              <a14:hiddenFill xmlns:a14="http://schemas.microsoft.com/office/drawing/2010/main">
+                <a:solidFill>
+                  <a:srgbClr val="FFFFFF"/>
+                </a:solidFill>
+              </a14:hiddenFill>
+            </a:ext>
+          </a:extLst>
+        </p:spPr>
+      </p:pic>
+      <p:pic>
+        <p:nvPicPr>
+          <p:cNvPr id="9" name="Picture 2" descr="G:\My Drive\Master\7.Spring 2018\App\Screen Shot 2018-03-23 at 4.01.31 PM.png"/>
+          <p:cNvPicPr>
+            <a:picLocks noChangeAspect="1" noChangeArrowheads="1"/>
+          </p:cNvPicPr>
+          <p:nvPr/>
+        </p:nvPicPr>
+        <p:blipFill>
+          <a:blip r:embed="rId4" cstate="print">
+            <a:extLst>
+              <a:ext uri="{28A0092B-C50C-407E-A947-70E740481C1C}">
+                <a14:useLocalDpi xmlns:a14="http://schemas.microsoft.com/office/drawing/2010/main" val="0"/>
+              </a:ext>
+            </a:extLst>
+          </a:blip>
+          <a:srcRect/>
+          <a:stretch>
+            <a:fillRect/>
+          </a:stretch>
+        </p:blipFill>
+        <p:spPr bwMode="auto">
+          <a:xfrm>
+            <a:off x="2590800" y="596900"/>
+            <a:ext cx="1992200" cy="4069080"/>
+          </a:xfrm>
+          <a:prstGeom prst="rect">
+            <a:avLst/>
+          </a:prstGeom>
+          <a:noFill/>
+          <a:extLst>
+            <a:ext uri="{909E8E84-426E-40DD-AFC4-6F175D3DCCD1}">
+              <a14:hiddenFill xmlns:a14="http://schemas.microsoft.com/office/drawing/2010/main">
+                <a:solidFill>
+                  <a:srgbClr val="FFFFFF"/>
+                </a:solidFill>
+              </a14:hiddenFill>
+            </a:ext>
+          </a:extLst>
+        </p:spPr>
+      </p:pic>
+      <p:pic>
+        <p:nvPicPr>
+          <p:cNvPr id="10" name="Picture 3" descr="G:\My Drive\Master\7.Spring 2018\App\Screen Shot 2018-03-23 at 4.01.23 PM.png"/>
+          <p:cNvPicPr>
+            <a:picLocks noChangeAspect="1" noChangeArrowheads="1"/>
+          </p:cNvPicPr>
+          <p:nvPr/>
+        </p:nvPicPr>
+        <p:blipFill>
+          <a:blip r:embed="rId5" cstate="print">
+            <a:extLst>
+              <a:ext uri="{28A0092B-C50C-407E-A947-70E740481C1C}">
+                <a14:useLocalDpi xmlns:a14="http://schemas.microsoft.com/office/drawing/2010/main" val="0"/>
+              </a:ext>
+            </a:extLst>
+          </a:blip>
+          <a:srcRect/>
+          <a:stretch>
+            <a:fillRect/>
+          </a:stretch>
+        </p:blipFill>
+        <p:spPr bwMode="auto">
+          <a:xfrm>
+            <a:off x="457200" y="609600"/>
+            <a:ext cx="2001040" cy="4069080"/>
+          </a:xfrm>
+          <a:prstGeom prst="rect">
+            <a:avLst/>
+          </a:prstGeom>
+          <a:noFill/>
+          <a:extLst>
+            <a:ext uri="{909E8E84-426E-40DD-AFC4-6F175D3DCCD1}">
+              <a14:hiddenFill xmlns:a14="http://schemas.microsoft.com/office/drawing/2010/main">
+                <a:solidFill>
+                  <a:srgbClr val="FFFFFF"/>
+                </a:solidFill>
+              </a14:hiddenFill>
+            </a:ext>
+          </a:extLst>
+        </p:spPr>
+      </p:pic>
+    </p:spTree>
+    <p:extLst>
+      <p:ext uri="{BB962C8B-B14F-4D97-AF65-F5344CB8AC3E}">
+        <p14:creationId xmlns:p14="http://schemas.microsoft.com/office/powerpoint/2010/main" val="2023670544"/>
+      </p:ext>
+    </p:extLst>
+  </p:cSld>
+  <p:clrMapOvr>
+    <a:masterClrMapping/>
+  </p:clrMapOvr>
+  <p:timing>
+    <p:tnLst>
+      <p:par>
+        <p:cTn id="1" dur="indefinite" restart="never" nodeType="tmRoot"/>
+      </p:par>
+    </p:tnLst>
+  </p:timing>
+</p:sld>
+</file>
+
+<file path=ppt/slides/slide12.xml><?xml version="1.0" encoding="utf-8"?>
+<p:sld xmlns:a="http://schemas.openxmlformats.org/drawingml/2006/main" xmlns:r="http://schemas.openxmlformats.org/officeDocument/2006/relationships" xmlns:p="http://schemas.openxmlformats.org/presentationml/2006/main">
+  <p:cSld>
+    <p:spTree>
+      <p:nvGrpSpPr>
+        <p:cNvPr id="1" name=""/>
+        <p:cNvGrpSpPr/>
+        <p:nvPr/>
+      </p:nvGrpSpPr>
+      <p:grpSpPr>
+        <a:xfrm>
+          <a:off x="0" y="0"/>
+          <a:ext cx="0" cy="0"/>
+          <a:chOff x="0" y="0"/>
+          <a:chExt cx="0" cy="0"/>
+        </a:xfrm>
+      </p:grpSpPr>
+      <p:sp>
+        <p:nvSpPr>
+          <p:cNvPr id="2" name="Title 1"/>
+          <p:cNvSpPr>
+            <a:spLocks noGrp="1"/>
+          </p:cNvSpPr>
+          <p:nvPr>
+            <p:ph type="title"/>
+          </p:nvPr>
+        </p:nvSpPr>
+        <p:spPr/>
+        <p:txBody>
+          <a:bodyPr/>
+          <a:lstStyle/>
+          <a:p>
+            <a:endParaRPr lang="en-US"/>
+          </a:p>
+        </p:txBody>
+      </p:sp>
+      <p:sp>
+        <p:nvSpPr>
+          <p:cNvPr id="3" name="Content Placeholder 2"/>
+          <p:cNvSpPr>
+            <a:spLocks noGrp="1"/>
+          </p:cNvSpPr>
+          <p:nvPr>
+            <p:ph idx="1"/>
+          </p:nvPr>
+        </p:nvSpPr>
+        <p:spPr/>
+        <p:txBody>
+          <a:bodyPr/>
+          <a:lstStyle/>
+          <a:p>
+            <a:endParaRPr lang="en-US" dirty="0"/>
+          </a:p>
+        </p:txBody>
+      </p:sp>
+      <p:sp>
+        <p:nvSpPr>
+          <p:cNvPr id="4" name="Slide Number Placeholder 3"/>
+          <p:cNvSpPr>
+            <a:spLocks noGrp="1"/>
+          </p:cNvSpPr>
+          <p:nvPr>
+            <p:ph type="sldNum" sz="quarter" idx="12"/>
+          </p:nvPr>
+        </p:nvSpPr>
+        <p:spPr/>
+        <p:txBody>
+          <a:bodyPr/>
+          <a:lstStyle/>
+          <a:p>
+            <a:fld id="{20DB21FD-4A02-4528-9F81-32550AF98AA0}" type="slidenum">
+              <a:rPr lang="en-US" smtClean="0"/>
+              <a:t>12</a:t>
+            </a:fld>
+            <a:endParaRPr lang="en-US"/>
+          </a:p>
+        </p:txBody>
+      </p:sp>
+      <p:pic>
+        <p:nvPicPr>
+          <p:cNvPr id="3074" name="Picture 2" descr="G:\My Drive\Master\7.Spring 2018\App\Screen Shot 2018-03-23 at 4.00.41 PM.png"/>
+          <p:cNvPicPr>
+            <a:picLocks noChangeAspect="1" noChangeArrowheads="1"/>
+          </p:cNvPicPr>
+          <p:nvPr/>
+        </p:nvPicPr>
+        <p:blipFill>
+          <a:blip r:embed="rId2" cstate="print">
+            <a:extLst>
+              <a:ext uri="{28A0092B-C50C-407E-A947-70E740481C1C}">
+                <a14:useLocalDpi xmlns:a14="http://schemas.microsoft.com/office/drawing/2010/main" val="0"/>
+              </a:ext>
+            </a:extLst>
+          </a:blip>
+          <a:srcRect/>
+          <a:stretch>
+            <a:fillRect/>
+          </a:stretch>
+        </p:blipFill>
+        <p:spPr bwMode="auto">
+          <a:xfrm>
+            <a:off x="1733550" y="1694180"/>
+            <a:ext cx="1998924" cy="4069080"/>
+          </a:xfrm>
+          <a:prstGeom prst="rect">
+            <a:avLst/>
+          </a:prstGeom>
+          <a:noFill/>
+          <a:extLst>
+            <a:ext uri="{909E8E84-426E-40DD-AFC4-6F175D3DCCD1}">
+              <a14:hiddenFill xmlns:a14="http://schemas.microsoft.com/office/drawing/2010/main">
+                <a:solidFill>
+                  <a:srgbClr val="FFFFFF"/>
+                </a:solidFill>
+              </a14:hiddenFill>
+            </a:ext>
+          </a:extLst>
+        </p:spPr>
+      </p:pic>
+      <p:pic>
+        <p:nvPicPr>
+          <p:cNvPr id="3075" name="Picture 3" descr="G:\My Drive\Master\7.Spring 2018\App\Screen Shot 2018-03-23 at 4.00.19 PM.png"/>
+          <p:cNvPicPr>
+            <a:picLocks noChangeAspect="1" noChangeArrowheads="1"/>
+          </p:cNvPicPr>
+          <p:nvPr/>
+        </p:nvPicPr>
+        <p:blipFill>
+          <a:blip r:embed="rId3" cstate="print">
+            <a:extLst>
+              <a:ext uri="{28A0092B-C50C-407E-A947-70E740481C1C}">
+                <a14:useLocalDpi xmlns:a14="http://schemas.microsoft.com/office/drawing/2010/main" val="0"/>
+              </a:ext>
+            </a:extLst>
+          </a:blip>
+          <a:srcRect/>
+          <a:stretch>
+            <a:fillRect/>
+          </a:stretch>
+        </p:blipFill>
+        <p:spPr bwMode="auto">
+          <a:xfrm>
+            <a:off x="5029200" y="1694180"/>
+            <a:ext cx="1983174" cy="4069080"/>
+          </a:xfrm>
+          <a:prstGeom prst="rect">
+            <a:avLst/>
+          </a:prstGeom>
+          <a:noFill/>
+          <a:extLst>
+            <a:ext uri="{909E8E84-426E-40DD-AFC4-6F175D3DCCD1}">
+              <a14:hiddenFill xmlns:a14="http://schemas.microsoft.com/office/drawing/2010/main">
+                <a:solidFill>
+                  <a:srgbClr val="FFFFFF"/>
+                </a:solidFill>
+              </a14:hiddenFill>
+            </a:ext>
+          </a:extLst>
+        </p:spPr>
+      </p:pic>
+    </p:spTree>
+    <p:extLst>
+      <p:ext uri="{BB962C8B-B14F-4D97-AF65-F5344CB8AC3E}">
+        <p14:creationId xmlns:p14="http://schemas.microsoft.com/office/powerpoint/2010/main" val="3192798361"/>
+      </p:ext>
+    </p:extLst>
+  </p:cSld>
+  <p:clrMapOvr>
+    <a:masterClrMapping/>
+  </p:clrMapOvr>
+  <p:timing>
+    <p:tnLst>
+      <p:par>
+        <p:cTn id="1" dur="indefinite" restart="never" nodeType="tmRoot"/>
+      </p:par>
+    </p:tnLst>
+  </p:timing>
+</p:sld>
+</file>
+
+<file path=ppt/slides/slide13.xml><?xml version="1.0" encoding="utf-8"?>
+<p:sld xmlns:a="http://schemas.openxmlformats.org/drawingml/2006/main" xmlns:r="http://schemas.openxmlformats.org/officeDocument/2006/relationships" xmlns:p="http://schemas.openxmlformats.org/presentationml/2006/main">
+  <p:cSld>
+    <p:spTree>
+      <p:nvGrpSpPr>
+        <p:cNvPr id="1" name=""/>
+        <p:cNvGrpSpPr/>
+        <p:nvPr/>
+      </p:nvGrpSpPr>
+      <p:grpSpPr>
+        <a:xfrm>
+          <a:off x="0" y="0"/>
+          <a:ext cx="0" cy="0"/>
+          <a:chOff x="0" y="0"/>
+          <a:chExt cx="0" cy="0"/>
+        </a:xfrm>
+      </p:grpSpPr>
+      <p:sp>
+        <p:nvSpPr>
+          <p:cNvPr id="2" name="Title 1"/>
+          <p:cNvSpPr>
+            <a:spLocks noGrp="1"/>
+          </p:cNvSpPr>
+          <p:nvPr>
+            <p:ph type="title"/>
+          </p:nvPr>
+        </p:nvSpPr>
+        <p:spPr/>
+        <p:txBody>
+          <a:bodyPr/>
+          <a:lstStyle/>
+          <a:p>
+            <a:r>
+              <a:rPr lang="en-US" dirty="0" smtClean="0"/>
+              <a:t>web (React.js)</a:t>
+            </a:r>
+            <a:endParaRPr lang="en-US" dirty="0"/>
+          </a:p>
+        </p:txBody>
+      </p:sp>
+      <p:sp>
+        <p:nvSpPr>
+          <p:cNvPr id="3" name="Content Placeholder 2"/>
+          <p:cNvSpPr>
+            <a:spLocks noGrp="1"/>
+          </p:cNvSpPr>
+          <p:nvPr>
+            <p:ph idx="1"/>
+          </p:nvPr>
+        </p:nvSpPr>
+        <p:spPr/>
+        <p:txBody>
+          <a:bodyPr/>
+          <a:lstStyle/>
+          <a:p>
+            <a:r>
+              <a:rPr lang="en-US" dirty="0" smtClean="0"/>
+              <a:t>Mainly web app can use for administrative usage</a:t>
+            </a:r>
+            <a:r>
+              <a:rPr lang="en-US" dirty="0" smtClean="0"/>
+              <a:t>.</a:t>
+            </a:r>
+          </a:p>
+          <a:p>
+            <a:pPr lvl="1"/>
+            <a:r>
+              <a:rPr lang="en-US" dirty="0" smtClean="0"/>
+              <a:t>User list</a:t>
+            </a:r>
+          </a:p>
+          <a:p>
+            <a:pPr lvl="1"/>
+            <a:r>
+              <a:rPr lang="en-US" dirty="0" smtClean="0"/>
+              <a:t>Feedback list</a:t>
+            </a:r>
+            <a:endParaRPr lang="en-US" dirty="0" smtClean="0"/>
+          </a:p>
+          <a:p>
+            <a:endParaRPr lang="en-US" dirty="0"/>
+          </a:p>
+        </p:txBody>
+      </p:sp>
+      <p:sp>
+        <p:nvSpPr>
+          <p:cNvPr id="4" name="Slide Number Placeholder 3"/>
+          <p:cNvSpPr>
+            <a:spLocks noGrp="1"/>
+          </p:cNvSpPr>
+          <p:nvPr>
+            <p:ph type="sldNum" sz="quarter" idx="12"/>
+          </p:nvPr>
+        </p:nvSpPr>
+        <p:spPr/>
+        <p:txBody>
+          <a:bodyPr/>
+          <a:lstStyle/>
+          <a:p>
+            <a:fld id="{20DB21FD-4A02-4528-9F81-32550AF98AA0}" type="slidenum">
+              <a:rPr lang="en-US" smtClean="0"/>
+              <a:t>13</a:t>
+            </a:fld>
+            <a:endParaRPr lang="en-US"/>
+          </a:p>
+        </p:txBody>
+      </p:sp>
+    </p:spTree>
+    <p:extLst>
+      <p:ext uri="{BB962C8B-B14F-4D97-AF65-F5344CB8AC3E}">
+        <p14:creationId xmlns:p14="http://schemas.microsoft.com/office/powerpoint/2010/main" val="2615582810"/>
+      </p:ext>
+    </p:extLst>
+  </p:cSld>
+  <p:clrMapOvr>
+    <a:masterClrMapping/>
+  </p:clrMapOvr>
+  <p:timing>
+    <p:tnLst>
+      <p:par>
+        <p:cTn id="1" dur="indefinite" restart="never" nodeType="tmRoot"/>
+      </p:par>
+    </p:tnLst>
+  </p:timing>
+</p:sld>
+</file>
+
+<file path=ppt/slides/slide14.xml><?xml version="1.0" encoding="utf-8"?>
+<p:sld xmlns:a="http://schemas.openxmlformats.org/drawingml/2006/main" xmlns:r="http://schemas.openxmlformats.org/officeDocument/2006/relationships" xmlns:p="http://schemas.openxmlformats.org/presentationml/2006/main">
+  <p:cSld>
+    <p:spTree>
+      <p:nvGrpSpPr>
+        <p:cNvPr id="1" name=""/>
+        <p:cNvGrpSpPr/>
+        <p:nvPr/>
+      </p:nvGrpSpPr>
+      <p:grpSpPr>
+        <a:xfrm>
+          <a:off x="0" y="0"/>
+          <a:ext cx="0" cy="0"/>
+          <a:chOff x="0" y="0"/>
+          <a:chExt cx="0" cy="0"/>
+        </a:xfrm>
+      </p:grpSpPr>
+      <p:sp>
+        <p:nvSpPr>
+          <p:cNvPr id="2" name="Title 1"/>
+          <p:cNvSpPr>
+            <a:spLocks noGrp="1"/>
+          </p:cNvSpPr>
+          <p:nvPr>
+            <p:ph type="title"/>
+          </p:nvPr>
+        </p:nvSpPr>
+        <p:spPr/>
+        <p:txBody>
+          <a:bodyPr/>
+          <a:lstStyle/>
+          <a:p>
+            <a:r>
+              <a:rPr lang="en-US" dirty="0" smtClean="0"/>
+              <a:t>additional </a:t>
+            </a:r>
+            <a:r>
+              <a:rPr lang="en-US" dirty="0"/>
+              <a:t>feature</a:t>
+            </a:r>
+          </a:p>
+        </p:txBody>
+      </p:sp>
+      <p:sp>
+        <p:nvSpPr>
+          <p:cNvPr id="3" name="Content Placeholder 2"/>
+          <p:cNvSpPr>
+            <a:spLocks noGrp="1"/>
+          </p:cNvSpPr>
+          <p:nvPr>
+            <p:ph idx="1"/>
+          </p:nvPr>
+        </p:nvSpPr>
+        <p:spPr/>
+        <p:txBody>
+          <a:bodyPr>
+            <a:normAutofit/>
+          </a:bodyPr>
+          <a:lstStyle/>
+          <a:p>
+            <a:r>
+              <a:rPr lang="en-US" dirty="0" smtClean="0"/>
+              <a:t>Integrating unity 3d application</a:t>
+            </a:r>
+          </a:p>
+          <a:p>
+            <a:pPr lvl="1"/>
+            <a:r>
+              <a:rPr lang="en-US" dirty="0" smtClean="0"/>
+              <a:t>It’s not just a fire It shows that possible to integrate with it.</a:t>
+            </a:r>
+          </a:p>
+          <a:p>
+            <a:r>
+              <a:rPr lang="en-US" dirty="0" smtClean="0"/>
+              <a:t>What can we embed (virtual reality or augmented reality)with this application </a:t>
+            </a:r>
+          </a:p>
+          <a:p>
+            <a:pPr lvl="1"/>
+            <a:r>
+              <a:rPr lang="en-US" dirty="0" smtClean="0"/>
+              <a:t>Fire dynamics calculation simulations</a:t>
+            </a:r>
+          </a:p>
+          <a:p>
+            <a:pPr lvl="1"/>
+            <a:r>
+              <a:rPr lang="en-US" dirty="0" smtClean="0"/>
+              <a:t>Fireman </a:t>
+            </a:r>
+            <a:r>
+              <a:rPr lang="en-US" dirty="0"/>
+              <a:t>trainings </a:t>
+            </a:r>
+            <a:r>
+              <a:rPr lang="en-US" sz="1400" dirty="0"/>
+              <a:t>(https://www.youtube.com/watch?v=cRpn9ohsMd4</a:t>
+            </a:r>
+            <a:r>
+              <a:rPr lang="en-US" sz="1400" dirty="0" smtClean="0"/>
+              <a:t>)</a:t>
+            </a:r>
+            <a:endParaRPr lang="en-US" dirty="0" smtClean="0"/>
+          </a:p>
+          <a:p>
+            <a:pPr lvl="1"/>
+            <a:endParaRPr lang="en-US" dirty="0"/>
+          </a:p>
+        </p:txBody>
+      </p:sp>
+      <p:sp>
+        <p:nvSpPr>
+          <p:cNvPr id="4" name="Slide Number Placeholder 3"/>
+          <p:cNvSpPr>
+            <a:spLocks noGrp="1"/>
+          </p:cNvSpPr>
+          <p:nvPr>
+            <p:ph type="sldNum" sz="quarter" idx="12"/>
+          </p:nvPr>
+        </p:nvSpPr>
+        <p:spPr/>
+        <p:txBody>
+          <a:bodyPr/>
+          <a:lstStyle/>
+          <a:p>
+            <a:fld id="{20DB21FD-4A02-4528-9F81-32550AF98AA0}" type="slidenum">
+              <a:rPr lang="en-US" smtClean="0"/>
+              <a:t>14</a:t>
+            </a:fld>
+            <a:endParaRPr lang="en-US"/>
+          </a:p>
+        </p:txBody>
+      </p:sp>
+      <p:pic>
+        <p:nvPicPr>
+          <p:cNvPr id="5" name="Picture 6"/>
+          <p:cNvPicPr>
+            <a:picLocks noChangeAspect="1" noChangeArrowheads="1"/>
+          </p:cNvPicPr>
+          <p:nvPr/>
+        </p:nvPicPr>
+        <p:blipFill>
+          <a:blip r:embed="rId3">
+            <a:extLst>
+              <a:ext uri="{28A0092B-C50C-407E-A947-70E740481C1C}">
+                <a14:useLocalDpi xmlns:a14="http://schemas.microsoft.com/office/drawing/2010/main" val="0"/>
+              </a:ext>
+            </a:extLst>
+          </a:blip>
+          <a:srcRect/>
+          <a:stretch>
+            <a:fillRect/>
+          </a:stretch>
+        </p:blipFill>
+        <p:spPr bwMode="auto">
+          <a:xfrm>
+            <a:off x="6629400" y="2219802"/>
+            <a:ext cx="2286000" cy="4067175"/>
+          </a:xfrm>
+          <a:prstGeom prst="rect">
+            <a:avLst/>
+          </a:prstGeom>
+          <a:noFill/>
+          <a:ln>
+            <a:noFill/>
+          </a:ln>
+          <a:effectLst/>
+          <a:extLst>
+            <a:ext uri="{909E8E84-426E-40DD-AFC4-6F175D3DCCD1}">
+              <a14:hiddenFill xmlns:a14="http://schemas.microsoft.com/office/drawing/2010/main">
+                <a:solidFill>
+                  <a:schemeClr val="accent1"/>
+                </a:solidFill>
+              </a14:hiddenFill>
+            </a:ext>
+            <a:ext uri="{91240B29-F687-4F45-9708-019B960494DF}">
+              <a14:hiddenLine xmlns:a14="http://schemas.microsoft.com/office/drawing/2010/main" w="9525">
+                <a:solidFill>
+                  <a:schemeClr val="tx1"/>
+                </a:solidFill>
+                <a:miter lim="800000"/>
+                <a:headEnd/>
+                <a:tailEnd/>
+              </a14:hiddenLine>
+            </a:ext>
+            <a:ext uri="{AF507438-7753-43E0-B8FC-AC1667EBCBE1}">
+              <a14:hiddenEffects xmlns:a14="http://schemas.microsoft.com/office/drawing/2010/main">
+                <a:effectLst>
+                  <a:outerShdw dist="35921" dir="2700000" algn="ctr" rotWithShape="0">
+                    <a:schemeClr val="bg2"/>
+                  </a:outerShdw>
+                </a:effectLst>
+              </a14:hiddenEffects>
+            </a:ext>
+          </a:extLst>
+        </p:spPr>
+      </p:pic>
+      <p:pic>
+        <p:nvPicPr>
+          <p:cNvPr id="1026" name="Picture 2"/>
+          <p:cNvPicPr>
+            <a:picLocks noChangeAspect="1" noChangeArrowheads="1"/>
+          </p:cNvPicPr>
+          <p:nvPr/>
+        </p:nvPicPr>
+        <p:blipFill>
+          <a:blip r:embed="rId4">
+            <a:extLst>
+              <a:ext uri="{28A0092B-C50C-407E-A947-70E740481C1C}">
+                <a14:useLocalDpi xmlns:a14="http://schemas.microsoft.com/office/drawing/2010/main" val="0"/>
+              </a:ext>
+            </a:extLst>
+          </a:blip>
+          <a:srcRect/>
+          <a:stretch>
+            <a:fillRect/>
+          </a:stretch>
+        </p:blipFill>
+        <p:spPr bwMode="auto">
+          <a:xfrm>
+            <a:off x="2435696" y="533400"/>
+            <a:ext cx="6727354" cy="3961923"/>
+          </a:xfrm>
+          <a:prstGeom prst="rect">
+            <a:avLst/>
+          </a:prstGeom>
+          <a:noFill/>
+          <a:ln>
+            <a:noFill/>
+          </a:ln>
+          <a:extLst>
+            <a:ext uri="{909E8E84-426E-40DD-AFC4-6F175D3DCCD1}">
+              <a14:hiddenFill xmlns:a14="http://schemas.microsoft.com/office/drawing/2010/main">
+                <a:solidFill>
+                  <a:schemeClr val="accent1"/>
+                </a:solidFill>
+              </a14:hiddenFill>
+            </a:ext>
+            <a:ext uri="{91240B29-F687-4F45-9708-019B960494DF}">
+              <a14:hiddenLine xmlns:a14="http://schemas.microsoft.com/office/drawing/2010/main" w="9525">
+                <a:solidFill>
+                  <a:schemeClr val="tx1"/>
+                </a:solidFill>
+                <a:miter lim="800000"/>
+                <a:headEnd/>
+                <a:tailEnd/>
+              </a14:hiddenLine>
+            </a:ext>
+          </a:extLst>
+        </p:spPr>
+      </p:pic>
+    </p:spTree>
+    <p:extLst>
+      <p:ext uri="{BB962C8B-B14F-4D97-AF65-F5344CB8AC3E}">
+        <p14:creationId xmlns:p14="http://schemas.microsoft.com/office/powerpoint/2010/main" val="960208366"/>
+      </p:ext>
+    </p:extLst>
+  </p:cSld>
+  <p:clrMapOvr>
+    <a:masterClrMapping/>
+  </p:clrMapOvr>
+  <p:timing>
+    <p:tnLst>
+      <p:par>
+        <p:cTn id="1" dur="indefinite" restart="never" nodeType="tmRoot">
+          <p:childTnLst>
+            <p:seq concurrent="1" nextAc="seek">
+              <p:cTn id="2" dur="indefinite" nodeType="mainSeq">
+                <p:childTnLst>
+                  <p:par>
+                    <p:cTn id="3" fill="hold">
+                      <p:stCondLst>
+                        <p:cond delay="indefinite"/>
+                      </p:stCondLst>
+                      <p:childTnLst>
+                        <p:par>
+                          <p:cTn id="4" fill="hold">
+                            <p:stCondLst>
+                              <p:cond delay="0"/>
+                            </p:stCondLst>
+                            <p:childTnLst>
+                              <p:par>
+                                <p:cTn id="5" presetID="10" presetClass="entr" presetSubtype="0" fill="hold" nodeType="clickEffect">
+                                  <p:stCondLst>
+                                    <p:cond delay="0"/>
+                                  </p:stCondLst>
+                                  <p:childTnLst>
+                                    <p:set>
+                                      <p:cBhvr>
+                                        <p:cTn id="6" dur="1" fill="hold">
+                                          <p:stCondLst>
+                                            <p:cond delay="0"/>
+                                          </p:stCondLst>
+                                        </p:cTn>
+                                        <p:tgtEl>
+                                          <p:spTgt spid="5"/>
+                                        </p:tgtEl>
+                                        <p:attrNameLst>
+                                          <p:attrName>style.visibility</p:attrName>
+                                        </p:attrNameLst>
+                                      </p:cBhvr>
+                                      <p:to>
+                                        <p:strVal val="visible"/>
+                                      </p:to>
+                                    </p:set>
+                                    <p:animEffect transition="in" filter="fade">
+                                      <p:cBhvr>
+                                        <p:cTn id="7" dur="500"/>
+                                        <p:tgtEl>
+                                          <p:spTgt spid="5"/>
+                                        </p:tgtEl>
+                                      </p:cBhvr>
+                                    </p:animEffect>
+                                  </p:childTnLst>
+                                </p:cTn>
+                              </p:par>
+                            </p:childTnLst>
+                          </p:cTn>
+                        </p:par>
+                      </p:childTnLst>
+                    </p:cTn>
+                  </p:par>
+                  <p:par>
+                    <p:cTn id="8" fill="hold">
+                      <p:stCondLst>
+                        <p:cond delay="indefinite"/>
+                      </p:stCondLst>
+                      <p:childTnLst>
+                        <p:par>
+                          <p:cTn id="9" fill="hold">
+                            <p:stCondLst>
+                              <p:cond delay="0"/>
+                            </p:stCondLst>
+                            <p:childTnLst>
+                              <p:par>
+                                <p:cTn id="10" presetID="10" presetClass="exit" presetSubtype="0" fill="hold" nodeType="clickEffect">
+                                  <p:stCondLst>
+                                    <p:cond delay="0"/>
+                                  </p:stCondLst>
+                                  <p:childTnLst>
+                                    <p:animEffect transition="out" filter="fade">
+                                      <p:cBhvr>
+                                        <p:cTn id="11" dur="500"/>
+                                        <p:tgtEl>
+                                          <p:spTgt spid="5"/>
+                                        </p:tgtEl>
+                                      </p:cBhvr>
+                                    </p:animEffect>
+                                    <p:set>
+                                      <p:cBhvr>
+                                        <p:cTn id="12" dur="1" fill="hold">
+                                          <p:stCondLst>
+                                            <p:cond delay="499"/>
+                                          </p:stCondLst>
+                                        </p:cTn>
+                                        <p:tgtEl>
+                                          <p:spTgt spid="5"/>
+                                        </p:tgtEl>
+                                        <p:attrNameLst>
+                                          <p:attrName>style.visibility</p:attrName>
+                                        </p:attrNameLst>
+                                      </p:cBhvr>
+                                      <p:to>
+                                        <p:strVal val="hidden"/>
+                                      </p:to>
+                                    </p:set>
+                                  </p:childTnLst>
+                                </p:cTn>
+                              </p:par>
+                            </p:childTnLst>
+                          </p:cTn>
+                        </p:par>
+                      </p:childTnLst>
+                    </p:cTn>
+                  </p:par>
+                  <p:par>
+                    <p:cTn id="13" fill="hold">
+                      <p:stCondLst>
+                        <p:cond delay="indefinite"/>
+                      </p:stCondLst>
+                      <p:childTnLst>
+                        <p:par>
+                          <p:cTn id="14" fill="hold">
+                            <p:stCondLst>
+                              <p:cond delay="0"/>
+                            </p:stCondLst>
+                            <p:childTnLst>
+                              <p:par>
+                                <p:cTn id="15" presetID="10" presetClass="entr" presetSubtype="0" fill="hold" nodeType="clickEffect">
+                                  <p:stCondLst>
+                                    <p:cond delay="0"/>
+                                  </p:stCondLst>
+                                  <p:childTnLst>
+                                    <p:set>
+                                      <p:cBhvr>
+                                        <p:cTn id="16" dur="1" fill="hold">
+                                          <p:stCondLst>
+                                            <p:cond delay="0"/>
+                                          </p:stCondLst>
+                                        </p:cTn>
+                                        <p:tgtEl>
+                                          <p:spTgt spid="1026"/>
+                                        </p:tgtEl>
+                                        <p:attrNameLst>
+                                          <p:attrName>style.visibility</p:attrName>
+                                        </p:attrNameLst>
+                                      </p:cBhvr>
+                                      <p:to>
+                                        <p:strVal val="visible"/>
+                                      </p:to>
+                                    </p:set>
+                                    <p:animEffect transition="in" filter="fade">
+                                      <p:cBhvr>
+                                        <p:cTn id="17" dur="500"/>
+                                        <p:tgtEl>
+                                          <p:spTgt spid="1026"/>
+                                        </p:tgtEl>
+                                      </p:cBhvr>
+                                    </p:animEffect>
+                                  </p:childTnLst>
+                                </p:cTn>
+                              </p:par>
+                            </p:childTnLst>
+                          </p:cTn>
+                        </p:par>
+                      </p:childTnLst>
+                    </p:cTn>
+                  </p:par>
+                  <p:par>
+                    <p:cTn id="18" fill="hold">
+                      <p:stCondLst>
+                        <p:cond delay="indefinite"/>
+                      </p:stCondLst>
+                      <p:childTnLst>
+                        <p:par>
+                          <p:cTn id="19" fill="hold">
+                            <p:stCondLst>
+                              <p:cond delay="0"/>
+                            </p:stCondLst>
+                            <p:childTnLst>
+                              <p:par>
+                                <p:cTn id="20" presetID="10" presetClass="exit" presetSubtype="0" fill="hold" nodeType="clickEffect">
+                                  <p:stCondLst>
+                                    <p:cond delay="0"/>
+                                  </p:stCondLst>
+                                  <p:childTnLst>
+                                    <p:animEffect transition="out" filter="fade">
+                                      <p:cBhvr>
+                                        <p:cTn id="21" dur="500"/>
+                                        <p:tgtEl>
+                                          <p:spTgt spid="1026"/>
+                                        </p:tgtEl>
+                                      </p:cBhvr>
+                                    </p:animEffect>
+                                    <p:set>
+                                      <p:cBhvr>
+                                        <p:cTn id="22" dur="1" fill="hold">
+                                          <p:stCondLst>
+                                            <p:cond delay="499"/>
+                                          </p:stCondLst>
+                                        </p:cTn>
+                                        <p:tgtEl>
+                                          <p:spTgt spid="1026"/>
+                                        </p:tgtEl>
+                                        <p:attrNameLst>
+                                          <p:attrName>style.visibility</p:attrName>
+                                        </p:attrNameLst>
+                                      </p:cBhvr>
+                                      <p:to>
+                                        <p:strVal val="hidden"/>
+                                      </p:to>
+                                    </p:set>
+                                  </p:childTnLst>
+                                </p:cTn>
+                              </p:par>
+                            </p:childTnLst>
+                          </p:cTn>
+                        </p:par>
+                      </p:childTnLst>
+                    </p:cTn>
+                  </p:par>
+                </p:childTnLst>
+              </p:cTn>
+              <p:prevCondLst>
+                <p:cond evt="onPrev" delay="0">
+                  <p:tgtEl>
+                    <p:sldTgt/>
+                  </p:tgtEl>
+                </p:cond>
+              </p:prevCondLst>
+              <p:nextCondLst>
+                <p:cond evt="onNext" delay="0">
+                  <p:tgtEl>
+                    <p:sldTgt/>
+                  </p:tgtEl>
+                </p:cond>
+              </p:nextCondLst>
+            </p:seq>
+          </p:childTnLst>
+        </p:cTn>
+      </p:par>
+    </p:tnLst>
+  </p:timing>
+</p:sld>
+</file>
+
+<file path=ppt/slides/slide15.xml><?xml version="1.0" encoding="utf-8"?>
+<p:sld xmlns:a="http://schemas.openxmlformats.org/drawingml/2006/main" xmlns:r="http://schemas.openxmlformats.org/officeDocument/2006/relationships" xmlns:p="http://schemas.openxmlformats.org/presentationml/2006/main">
+  <p:cSld>
+    <p:spTree>
+      <p:nvGrpSpPr>
+        <p:cNvPr id="1" name=""/>
+        <p:cNvGrpSpPr/>
+        <p:nvPr/>
+      </p:nvGrpSpPr>
+      <p:grpSpPr>
+        <a:xfrm>
+          <a:off x="0" y="0"/>
+          <a:ext cx="0" cy="0"/>
+          <a:chOff x="0" y="0"/>
+          <a:chExt cx="0" cy="0"/>
+        </a:xfrm>
+      </p:grpSpPr>
+      <p:sp>
+        <p:nvSpPr>
+          <p:cNvPr id="2" name="Title 1"/>
+          <p:cNvSpPr>
+            <a:spLocks noGrp="1"/>
+          </p:cNvSpPr>
+          <p:nvPr>
+            <p:ph type="title"/>
+          </p:nvPr>
+        </p:nvSpPr>
+        <p:spPr/>
+        <p:txBody>
+          <a:bodyPr>
+            <a:normAutofit fontScale="90000"/>
+          </a:bodyPr>
+          <a:lstStyle/>
+          <a:p>
+            <a:r>
+              <a:rPr lang="en-US" dirty="0"/>
+              <a:t>w</a:t>
+            </a:r>
+            <a:r>
+              <a:rPr lang="en-US" dirty="0" smtClean="0"/>
+              <a:t>hat are the </a:t>
+            </a:r>
+            <a:r>
+              <a:rPr lang="en-US" dirty="0" smtClean="0"/>
+              <a:t>benefits using mobile for VR world</a:t>
+            </a:r>
+            <a:endParaRPr lang="en-US" dirty="0"/>
+          </a:p>
+        </p:txBody>
+      </p:sp>
+      <p:sp>
+        <p:nvSpPr>
+          <p:cNvPr id="4" name="Slide Number Placeholder 3"/>
+          <p:cNvSpPr>
+            <a:spLocks noGrp="1"/>
+          </p:cNvSpPr>
+          <p:nvPr>
+            <p:ph type="sldNum" sz="quarter" idx="12"/>
+          </p:nvPr>
+        </p:nvSpPr>
+        <p:spPr/>
+        <p:txBody>
+          <a:bodyPr/>
+          <a:lstStyle/>
+          <a:p>
+            <a:fld id="{20DB21FD-4A02-4528-9F81-32550AF98AA0}" type="slidenum">
+              <a:rPr lang="en-US" smtClean="0"/>
+              <a:t>15</a:t>
+            </a:fld>
+            <a:endParaRPr lang="en-US" dirty="0"/>
+          </a:p>
+        </p:txBody>
+      </p:sp>
+      <p:pic>
+        <p:nvPicPr>
+          <p:cNvPr id="7170" name="Picture 2"/>
+          <p:cNvPicPr>
+            <a:picLocks noGrp="1" noChangeAspect="1" noChangeArrowheads="1"/>
+          </p:cNvPicPr>
+          <p:nvPr>
+            <p:ph idx="1"/>
+          </p:nvPr>
+        </p:nvPicPr>
+        <p:blipFill>
+          <a:blip r:embed="rId2" cstate="print">
+            <a:extLst>
+              <a:ext uri="{28A0092B-C50C-407E-A947-70E740481C1C}">
+                <a14:useLocalDpi xmlns:a14="http://schemas.microsoft.com/office/drawing/2010/main" val="0"/>
+              </a:ext>
+            </a:extLst>
+          </a:blip>
+          <a:srcRect/>
+          <a:stretch>
+            <a:fillRect/>
+          </a:stretch>
+        </p:blipFill>
+        <p:spPr bwMode="auto">
+          <a:xfrm>
+            <a:off x="4419600" y="2667000"/>
+            <a:ext cx="3775336" cy="1950914"/>
+          </a:xfrm>
+          <a:prstGeom prst="rect">
+            <a:avLst/>
+          </a:prstGeom>
+          <a:noFill/>
+          <a:ln>
+            <a:noFill/>
+          </a:ln>
+          <a:extLst>
+            <a:ext uri="{909E8E84-426E-40DD-AFC4-6F175D3DCCD1}">
+              <a14:hiddenFill xmlns:a14="http://schemas.microsoft.com/office/drawing/2010/main">
+                <a:solidFill>
+                  <a:schemeClr val="accent1"/>
+                </a:solidFill>
+              </a14:hiddenFill>
+            </a:ext>
+            <a:ext uri="{91240B29-F687-4F45-9708-019B960494DF}">
+              <a14:hiddenLine xmlns:a14="http://schemas.microsoft.com/office/drawing/2010/main" w="9525">
+                <a:solidFill>
+                  <a:schemeClr val="tx1"/>
+                </a:solidFill>
+                <a:miter lim="800000"/>
+                <a:headEnd/>
+                <a:tailEnd/>
+              </a14:hiddenLine>
+            </a:ext>
+          </a:extLst>
+        </p:spPr>
+      </p:pic>
+      <p:pic>
+        <p:nvPicPr>
+          <p:cNvPr id="7171" name="Picture 3"/>
+          <p:cNvPicPr>
+            <a:picLocks noChangeAspect="1" noChangeArrowheads="1"/>
+          </p:cNvPicPr>
+          <p:nvPr/>
+        </p:nvPicPr>
+        <p:blipFill>
+          <a:blip r:embed="rId3" cstate="print">
+            <a:extLst>
+              <a:ext uri="{28A0092B-C50C-407E-A947-70E740481C1C}">
+                <a14:useLocalDpi xmlns:a14="http://schemas.microsoft.com/office/drawing/2010/main" val="0"/>
+              </a:ext>
+            </a:extLst>
+          </a:blip>
+          <a:srcRect/>
+          <a:stretch>
+            <a:fillRect/>
+          </a:stretch>
+        </p:blipFill>
+        <p:spPr bwMode="auto">
+          <a:xfrm>
+            <a:off x="1295400" y="2810498"/>
+            <a:ext cx="2902994" cy="2105365"/>
+          </a:xfrm>
+          <a:prstGeom prst="rect">
+            <a:avLst/>
+          </a:prstGeom>
+          <a:noFill/>
+          <a:ln>
+            <a:noFill/>
+          </a:ln>
+          <a:extLst>
+            <a:ext uri="{909E8E84-426E-40DD-AFC4-6F175D3DCCD1}">
+              <a14:hiddenFill xmlns:a14="http://schemas.microsoft.com/office/drawing/2010/main">
+                <a:solidFill>
+                  <a:schemeClr val="accent1"/>
+                </a:solidFill>
+              </a14:hiddenFill>
+            </a:ext>
+            <a:ext uri="{91240B29-F687-4F45-9708-019B960494DF}">
+              <a14:hiddenLine xmlns:a14="http://schemas.microsoft.com/office/drawing/2010/main" w="9525">
+                <a:solidFill>
+                  <a:schemeClr val="tx1"/>
+                </a:solidFill>
+                <a:miter lim="800000"/>
+                <a:headEnd/>
+                <a:tailEnd/>
+              </a14:hiddenLine>
+            </a:ext>
+          </a:extLst>
+        </p:spPr>
+      </p:pic>
+      <p:sp>
+        <p:nvSpPr>
+          <p:cNvPr id="7" name="Content Placeholder 2"/>
+          <p:cNvSpPr txBox="1">
+            <a:spLocks/>
+          </p:cNvSpPr>
+          <p:nvPr/>
+        </p:nvSpPr>
+        <p:spPr>
+          <a:xfrm>
+            <a:off x="457200" y="1600200"/>
+            <a:ext cx="8229600" cy="4525963"/>
+          </a:xfrm>
+          <a:prstGeom prst="rect">
+            <a:avLst/>
+          </a:prstGeom>
+        </p:spPr>
+        <p:txBody>
+          <a:bodyPr vert="horz" lIns="91440" tIns="45720" rIns="91440" bIns="45720" rtlCol="0">
+            <a:normAutofit/>
+          </a:bodyPr>
+          <a:lstStyle>
+            <a:lvl1pPr marL="342900" indent="-342900" algn="l" defTabSz="914400" rtl="0" eaLnBrk="1" latinLnBrk="0" hangingPunct="1">
+              <a:spcBef>
+                <a:spcPct val="20000"/>
+              </a:spcBef>
+              <a:buFont typeface="Arial" panose="020B0604020202020204" pitchFamily="34" charset="0"/>
+              <a:buChar char="•"/>
+              <a:defRPr sz="3200" kern="1200">
+                <a:solidFill>
+                  <a:schemeClr val="tx1"/>
+                </a:solidFill>
+                <a:latin typeface="+mn-lt"/>
+                <a:ea typeface="+mn-ea"/>
+                <a:cs typeface="+mn-cs"/>
+              </a:defRPr>
+            </a:lvl1pPr>
+            <a:lvl2pPr marL="742950" indent="-285750" algn="l" defTabSz="914400" rtl="0" eaLnBrk="1" latinLnBrk="0" hangingPunct="1">
+              <a:spcBef>
+                <a:spcPct val="20000"/>
+              </a:spcBef>
+              <a:buFont typeface="Arial" panose="020B0604020202020204" pitchFamily="34" charset="0"/>
+              <a:buChar char="–"/>
+              <a:defRPr sz="2800" kern="1200">
+                <a:solidFill>
+                  <a:schemeClr val="tx1"/>
+                </a:solidFill>
+                <a:latin typeface="+mn-lt"/>
+                <a:ea typeface="+mn-ea"/>
+                <a:cs typeface="+mn-cs"/>
+              </a:defRPr>
+            </a:lvl2pPr>
+            <a:lvl3pPr marL="1143000" indent="-228600" algn="l" defTabSz="914400" rtl="0" eaLnBrk="1" latinLnBrk="0" hangingPunct="1">
+              <a:spcBef>
+                <a:spcPct val="20000"/>
+              </a:spcBef>
+              <a:buFont typeface="Arial" panose="020B0604020202020204" pitchFamily="34" charset="0"/>
+              <a:buChar char="•"/>
+              <a:defRPr sz="2400" kern="1200">
+                <a:solidFill>
+                  <a:schemeClr val="tx1"/>
+                </a:solidFill>
+                <a:latin typeface="+mn-lt"/>
+                <a:ea typeface="+mn-ea"/>
+                <a:cs typeface="+mn-cs"/>
+              </a:defRPr>
+            </a:lvl3pPr>
+            <a:lvl4pPr marL="1600200" indent="-228600" algn="l" defTabSz="914400" rtl="0" eaLnBrk="1" latinLnBrk="0" hangingPunct="1">
+              <a:spcBef>
+                <a:spcPct val="20000"/>
+              </a:spcBef>
+              <a:buFont typeface="Arial" panose="020B0604020202020204" pitchFamily="34" charset="0"/>
+              <a:buChar char="–"/>
+              <a:defRPr sz="2000" kern="1200">
+                <a:solidFill>
+                  <a:schemeClr val="tx1"/>
+                </a:solidFill>
+                <a:latin typeface="+mn-lt"/>
+                <a:ea typeface="+mn-ea"/>
+                <a:cs typeface="+mn-cs"/>
+              </a:defRPr>
+            </a:lvl4pPr>
+            <a:lvl5pPr marL="2057400" indent="-228600" algn="l" defTabSz="914400" rtl="0" eaLnBrk="1" latinLnBrk="0" hangingPunct="1">
+              <a:spcBef>
+                <a:spcPct val="20000"/>
+              </a:spcBef>
+              <a:buFont typeface="Arial" panose="020B0604020202020204" pitchFamily="34" charset="0"/>
+              <a:buChar char="»"/>
+              <a:defRPr sz="2000" kern="1200">
+                <a:solidFill>
+                  <a:schemeClr val="tx1"/>
+                </a:solidFill>
+                <a:latin typeface="+mn-lt"/>
+                <a:ea typeface="+mn-ea"/>
+                <a:cs typeface="+mn-cs"/>
+              </a:defRPr>
+            </a:lvl5pPr>
+            <a:lvl6pPr marL="2514600" indent="-228600" algn="l" defTabSz="914400" rtl="0" eaLnBrk="1" latinLnBrk="0" hangingPunct="1">
+              <a:spcBef>
+                <a:spcPct val="20000"/>
+              </a:spcBef>
+              <a:buFont typeface="Arial" panose="020B0604020202020204" pitchFamily="34" charset="0"/>
+              <a:buChar char="•"/>
+              <a:defRPr sz="2000" kern="1200">
+                <a:solidFill>
+                  <a:schemeClr val="tx1"/>
+                </a:solidFill>
+                <a:latin typeface="+mn-lt"/>
+                <a:ea typeface="+mn-ea"/>
+                <a:cs typeface="+mn-cs"/>
+              </a:defRPr>
+            </a:lvl6pPr>
+            <a:lvl7pPr marL="2971800" indent="-228600" algn="l" defTabSz="914400" rtl="0" eaLnBrk="1" latinLnBrk="0" hangingPunct="1">
+              <a:spcBef>
+                <a:spcPct val="20000"/>
+              </a:spcBef>
+              <a:buFont typeface="Arial" panose="020B0604020202020204" pitchFamily="34" charset="0"/>
+              <a:buChar char="•"/>
+              <a:defRPr sz="2000" kern="1200">
+                <a:solidFill>
+                  <a:schemeClr val="tx1"/>
+                </a:solidFill>
+                <a:latin typeface="+mn-lt"/>
+                <a:ea typeface="+mn-ea"/>
+                <a:cs typeface="+mn-cs"/>
+              </a:defRPr>
+            </a:lvl7pPr>
+            <a:lvl8pPr marL="3429000" indent="-228600" algn="l" defTabSz="914400" rtl="0" eaLnBrk="1" latinLnBrk="0" hangingPunct="1">
+              <a:spcBef>
+                <a:spcPct val="20000"/>
+              </a:spcBef>
+              <a:buFont typeface="Arial" panose="020B0604020202020204" pitchFamily="34" charset="0"/>
+              <a:buChar char="•"/>
+              <a:defRPr sz="2000" kern="1200">
+                <a:solidFill>
+                  <a:schemeClr val="tx1"/>
+                </a:solidFill>
+                <a:latin typeface="+mn-lt"/>
+                <a:ea typeface="+mn-ea"/>
+                <a:cs typeface="+mn-cs"/>
+              </a:defRPr>
+            </a:lvl8pPr>
+            <a:lvl9pPr marL="3886200" indent="-228600" algn="l" defTabSz="914400" rtl="0" eaLnBrk="1" latinLnBrk="0" hangingPunct="1">
+              <a:spcBef>
+                <a:spcPct val="20000"/>
+              </a:spcBef>
+              <a:buFont typeface="Arial" panose="020B0604020202020204" pitchFamily="34" charset="0"/>
+              <a:buChar char="•"/>
+              <a:defRPr sz="2000" kern="1200">
+                <a:solidFill>
+                  <a:schemeClr val="tx1"/>
+                </a:solidFill>
+                <a:latin typeface="+mn-lt"/>
+                <a:ea typeface="+mn-ea"/>
+                <a:cs typeface="+mn-cs"/>
+              </a:defRPr>
+            </a:lvl9pPr>
+          </a:lstStyle>
+          <a:p>
+            <a:r>
+              <a:rPr lang="en-US" dirty="0" smtClean="0"/>
+              <a:t>If we use HTC Vive </a:t>
+            </a:r>
+            <a:r>
+              <a:rPr lang="en-US" dirty="0"/>
+              <a:t>or oculus rift </a:t>
+            </a:r>
+            <a:r>
+              <a:rPr lang="en-US" dirty="0" smtClean="0"/>
+              <a:t>area is getting limited </a:t>
+            </a:r>
+          </a:p>
+          <a:p>
+            <a:endParaRPr lang="en-US" dirty="0"/>
+          </a:p>
+          <a:p>
+            <a:endParaRPr lang="en-US" dirty="0" smtClean="0"/>
+          </a:p>
+          <a:p>
+            <a:endParaRPr lang="en-US" dirty="0"/>
+          </a:p>
+          <a:p>
+            <a:endParaRPr lang="en-US" dirty="0" smtClean="0"/>
+          </a:p>
+          <a:p>
+            <a:r>
+              <a:rPr lang="en-US" dirty="0" smtClean="0"/>
+              <a:t>Microsoft HoloLens it very expensive </a:t>
+            </a:r>
+          </a:p>
+          <a:p>
+            <a:endParaRPr lang="en-US" dirty="0"/>
+          </a:p>
+        </p:txBody>
+      </p:sp>
+      <p:pic>
+        <p:nvPicPr>
+          <p:cNvPr id="7172" name="Picture 4"/>
+          <p:cNvPicPr>
+            <a:picLocks noChangeAspect="1" noChangeArrowheads="1"/>
+          </p:cNvPicPr>
+          <p:nvPr/>
+        </p:nvPicPr>
+        <p:blipFill rotWithShape="1">
+          <a:blip r:embed="rId4" cstate="print">
+            <a:extLst>
+              <a:ext uri="{28A0092B-C50C-407E-A947-70E740481C1C}">
+                <a14:useLocalDpi xmlns:a14="http://schemas.microsoft.com/office/drawing/2010/main" val="0"/>
+              </a:ext>
+            </a:extLst>
+          </a:blip>
+          <a:srcRect r="32759"/>
+          <a:stretch/>
+        </p:blipFill>
+        <p:spPr bwMode="auto">
+          <a:xfrm>
+            <a:off x="7086600" y="4915863"/>
+            <a:ext cx="1485900" cy="1392883"/>
+          </a:xfrm>
+          <a:prstGeom prst="rect">
+            <a:avLst/>
+          </a:prstGeom>
+          <a:noFill/>
+          <a:ln>
+            <a:noFill/>
+          </a:ln>
+          <a:extLst>
+            <a:ext uri="{909E8E84-426E-40DD-AFC4-6F175D3DCCD1}">
+              <a14:hiddenFill xmlns:a14="http://schemas.microsoft.com/office/drawing/2010/main">
+                <a:solidFill>
+                  <a:schemeClr val="accent1"/>
+                </a:solidFill>
+              </a14:hiddenFill>
+            </a:ext>
+            <a:ext uri="{91240B29-F687-4F45-9708-019B960494DF}">
+              <a14:hiddenLine xmlns:a14="http://schemas.microsoft.com/office/drawing/2010/main" w="9525">
+                <a:solidFill>
+                  <a:schemeClr val="tx1"/>
+                </a:solidFill>
+                <a:miter lim="800000"/>
+                <a:headEnd/>
+                <a:tailEnd/>
+              </a14:hiddenLine>
+            </a:ext>
+          </a:extLst>
+        </p:spPr>
+      </p:pic>
+    </p:spTree>
+    <p:extLst>
+      <p:ext uri="{BB962C8B-B14F-4D97-AF65-F5344CB8AC3E}">
+        <p14:creationId xmlns:p14="http://schemas.microsoft.com/office/powerpoint/2010/main" val="4252350989"/>
+      </p:ext>
+    </p:extLst>
+  </p:cSld>
+  <p:clrMapOvr>
+    <a:masterClrMapping/>
+  </p:clrMapOvr>
+  <p:timing>
+    <p:tnLst>
+      <p:par>
+        <p:cTn id="1" dur="indefinite" restart="never" nodeType="tmRoot"/>
+      </p:par>
+    </p:tnLst>
+  </p:timing>
+</p:sld>
+</file>
+
+<file path=ppt/slides/slide16.xml><?xml version="1.0" encoding="utf-8"?>
+<p:sld xmlns:a="http://schemas.openxmlformats.org/drawingml/2006/main" xmlns:r="http://schemas.openxmlformats.org/officeDocument/2006/relationships" xmlns:p="http://schemas.openxmlformats.org/presentationml/2006/main">
+  <p:cSld>
+    <p:spTree>
+      <p:nvGrpSpPr>
+        <p:cNvPr id="1" name=""/>
+        <p:cNvGrpSpPr/>
+        <p:nvPr/>
+      </p:nvGrpSpPr>
+      <p:grpSpPr>
+        <a:xfrm>
+          <a:off x="0" y="0"/>
+          <a:ext cx="0" cy="0"/>
+          <a:chOff x="0" y="0"/>
+          <a:chExt cx="0" cy="0"/>
+        </a:xfrm>
+      </p:grpSpPr>
+      <p:sp>
+        <p:nvSpPr>
+          <p:cNvPr id="2" name="Title 1"/>
+          <p:cNvSpPr>
+            <a:spLocks noGrp="1"/>
+          </p:cNvSpPr>
+          <p:nvPr>
+            <p:ph type="title"/>
+          </p:nvPr>
+        </p:nvSpPr>
+        <p:spPr/>
+        <p:txBody>
+          <a:bodyPr/>
+          <a:lstStyle/>
+          <a:p>
+            <a:r>
+              <a:rPr lang="en-US" dirty="0" smtClean="0"/>
+              <a:t>contd..</a:t>
+            </a:r>
+            <a:endParaRPr lang="en-US" dirty="0"/>
+          </a:p>
+        </p:txBody>
+      </p:sp>
+      <p:sp>
+        <p:nvSpPr>
+          <p:cNvPr id="3" name="Content Placeholder 2"/>
+          <p:cNvSpPr>
+            <a:spLocks noGrp="1"/>
+          </p:cNvSpPr>
+          <p:nvPr>
+            <p:ph idx="1"/>
+          </p:nvPr>
+        </p:nvSpPr>
+        <p:spPr/>
+        <p:txBody>
+          <a:bodyPr/>
+          <a:lstStyle/>
+          <a:p>
+            <a:r>
+              <a:rPr lang="en-US" dirty="0" smtClean="0"/>
+              <a:t>3d glass or Google cardboard  very cheap and area is not limited.</a:t>
+            </a:r>
+          </a:p>
+          <a:p>
+            <a:r>
+              <a:rPr lang="en-US" dirty="0" smtClean="0"/>
+              <a:t>Nowadays everyone have smart phone and we only need to develop a relevant application </a:t>
+            </a:r>
+            <a:endParaRPr lang="en-US" dirty="0"/>
+          </a:p>
+        </p:txBody>
+      </p:sp>
+      <p:sp>
+        <p:nvSpPr>
+          <p:cNvPr id="4" name="Slide Number Placeholder 3"/>
+          <p:cNvSpPr>
+            <a:spLocks noGrp="1"/>
+          </p:cNvSpPr>
+          <p:nvPr>
+            <p:ph type="sldNum" sz="quarter" idx="12"/>
+          </p:nvPr>
+        </p:nvSpPr>
+        <p:spPr/>
+        <p:txBody>
+          <a:bodyPr/>
+          <a:lstStyle/>
+          <a:p>
+            <a:fld id="{20DB21FD-4A02-4528-9F81-32550AF98AA0}" type="slidenum">
+              <a:rPr lang="en-US" smtClean="0"/>
+              <a:t>16</a:t>
+            </a:fld>
+            <a:endParaRPr lang="en-US"/>
+          </a:p>
+        </p:txBody>
+      </p:sp>
+      <p:pic>
+        <p:nvPicPr>
+          <p:cNvPr id="8194" name="Picture 2"/>
+          <p:cNvPicPr>
+            <a:picLocks noChangeAspect="1" noChangeArrowheads="1"/>
+          </p:cNvPicPr>
+          <p:nvPr/>
+        </p:nvPicPr>
+        <p:blipFill>
+          <a:blip r:embed="rId2" cstate="print">
+            <a:extLst>
+              <a:ext uri="{28A0092B-C50C-407E-A947-70E740481C1C}">
+                <a14:useLocalDpi xmlns:a14="http://schemas.microsoft.com/office/drawing/2010/main" val="0"/>
+              </a:ext>
+            </a:extLst>
+          </a:blip>
+          <a:srcRect/>
+          <a:stretch>
+            <a:fillRect/>
+          </a:stretch>
+        </p:blipFill>
+        <p:spPr bwMode="auto">
+          <a:xfrm>
+            <a:off x="990600" y="4114800"/>
+            <a:ext cx="2420816" cy="1738312"/>
+          </a:xfrm>
+          <a:prstGeom prst="rect">
+            <a:avLst/>
+          </a:prstGeom>
+          <a:noFill/>
+          <a:ln>
+            <a:noFill/>
+          </a:ln>
+          <a:extLst>
+            <a:ext uri="{909E8E84-426E-40DD-AFC4-6F175D3DCCD1}">
+              <a14:hiddenFill xmlns:a14="http://schemas.microsoft.com/office/drawing/2010/main">
+                <a:solidFill>
+                  <a:schemeClr val="accent1"/>
+                </a:solidFill>
+              </a14:hiddenFill>
+            </a:ext>
+            <a:ext uri="{91240B29-F687-4F45-9708-019B960494DF}">
+              <a14:hiddenLine xmlns:a14="http://schemas.microsoft.com/office/drawing/2010/main" w="9525">
+                <a:solidFill>
+                  <a:schemeClr val="tx1"/>
+                </a:solidFill>
+                <a:miter lim="800000"/>
+                <a:headEnd/>
+                <a:tailEnd/>
+              </a14:hiddenLine>
+            </a:ext>
+          </a:extLst>
+        </p:spPr>
+      </p:pic>
+      <p:pic>
+        <p:nvPicPr>
+          <p:cNvPr id="8195" name="Picture 3"/>
+          <p:cNvPicPr>
+            <a:picLocks noChangeAspect="1" noChangeArrowheads="1"/>
+          </p:cNvPicPr>
+          <p:nvPr/>
+        </p:nvPicPr>
+        <p:blipFill>
+          <a:blip r:embed="rId3">
+            <a:extLst>
+              <a:ext uri="{28A0092B-C50C-407E-A947-70E740481C1C}">
+                <a14:useLocalDpi xmlns:a14="http://schemas.microsoft.com/office/drawing/2010/main" val="0"/>
+              </a:ext>
+            </a:extLst>
+          </a:blip>
+          <a:srcRect/>
+          <a:stretch>
+            <a:fillRect/>
+          </a:stretch>
+        </p:blipFill>
+        <p:spPr bwMode="auto">
+          <a:xfrm>
+            <a:off x="6396038" y="4505324"/>
+            <a:ext cx="1862138" cy="1347788"/>
+          </a:xfrm>
+          <a:prstGeom prst="rect">
+            <a:avLst/>
+          </a:prstGeom>
+          <a:noFill/>
+          <a:ln>
+            <a:noFill/>
+          </a:ln>
+          <a:extLst>
+            <a:ext uri="{909E8E84-426E-40DD-AFC4-6F175D3DCCD1}">
+              <a14:hiddenFill xmlns:a14="http://schemas.microsoft.com/office/drawing/2010/main">
+                <a:solidFill>
+                  <a:schemeClr val="accent1"/>
+                </a:solidFill>
+              </a14:hiddenFill>
+            </a:ext>
+            <a:ext uri="{91240B29-F687-4F45-9708-019B960494DF}">
+              <a14:hiddenLine xmlns:a14="http://schemas.microsoft.com/office/drawing/2010/main" w="9525">
+                <a:solidFill>
+                  <a:schemeClr val="tx1"/>
+                </a:solidFill>
+                <a:miter lim="800000"/>
+                <a:headEnd/>
+                <a:tailEnd/>
+              </a14:hiddenLine>
+            </a:ext>
+          </a:extLst>
+        </p:spPr>
+      </p:pic>
+    </p:spTree>
+    <p:extLst>
+      <p:ext uri="{BB962C8B-B14F-4D97-AF65-F5344CB8AC3E}">
+        <p14:creationId xmlns:p14="http://schemas.microsoft.com/office/powerpoint/2010/main" val="2570129925"/>
+      </p:ext>
+    </p:extLst>
+  </p:cSld>
+  <p:clrMapOvr>
+    <a:masterClrMapping/>
+  </p:clrMapOvr>
+  <p:timing>
+    <p:tnLst>
+      <p:par>
+        <p:cTn id="1" dur="indefinite" restart="never" nodeType="tmRoot"/>
+      </p:par>
+    </p:tnLst>
+  </p:timing>
+</p:sld>
+</file>
+
+<file path=ppt/slides/slide17.xml><?xml version="1.0" encoding="utf-8"?>
+<p:sld xmlns:a="http://schemas.openxmlformats.org/drawingml/2006/main" xmlns:r="http://schemas.openxmlformats.org/officeDocument/2006/relationships" xmlns:p="http://schemas.openxmlformats.org/presentationml/2006/main">
+  <p:cSld>
+    <p:spTree>
+      <p:nvGrpSpPr>
+        <p:cNvPr id="1" name=""/>
+        <p:cNvGrpSpPr/>
+        <p:nvPr/>
+      </p:nvGrpSpPr>
+      <p:grpSpPr>
+        <a:xfrm>
+          <a:off x="0" y="0"/>
+          <a:ext cx="0" cy="0"/>
+          <a:chOff x="0" y="0"/>
+          <a:chExt cx="0" cy="0"/>
+        </a:xfrm>
+      </p:grpSpPr>
+      <p:sp>
+        <p:nvSpPr>
+          <p:cNvPr id="2" name="Title 1"/>
+          <p:cNvSpPr>
+            <a:spLocks noGrp="1"/>
+          </p:cNvSpPr>
+          <p:nvPr>
+            <p:ph type="title"/>
+          </p:nvPr>
+        </p:nvSpPr>
+        <p:spPr>
+          <a:xfrm>
+            <a:off x="533400" y="2667000"/>
+            <a:ext cx="8229600" cy="1143000"/>
+          </a:xfrm>
+        </p:spPr>
+        <p:txBody>
+          <a:bodyPr/>
+          <a:lstStyle/>
+          <a:p>
+            <a:r>
+              <a:rPr lang="en-US" dirty="0" smtClean="0"/>
+              <a:t>questions</a:t>
+            </a:r>
+            <a:endParaRPr lang="en-US" dirty="0"/>
+          </a:p>
+        </p:txBody>
+      </p:sp>
+      <p:sp>
+        <p:nvSpPr>
+          <p:cNvPr id="4" name="Slide Number Placeholder 3"/>
+          <p:cNvSpPr>
+            <a:spLocks noGrp="1"/>
+          </p:cNvSpPr>
+          <p:nvPr>
+            <p:ph type="sldNum" sz="quarter" idx="12"/>
+          </p:nvPr>
+        </p:nvSpPr>
+        <p:spPr/>
+        <p:txBody>
+          <a:bodyPr/>
+          <a:lstStyle/>
+          <a:p>
+            <a:fld id="{20DB21FD-4A02-4528-9F81-32550AF98AA0}" type="slidenum">
+              <a:rPr lang="en-US" smtClean="0"/>
+              <a:t>17</a:t>
+            </a:fld>
+            <a:endParaRPr lang="en-US" dirty="0"/>
+          </a:p>
+        </p:txBody>
+      </p:sp>
+    </p:spTree>
+    <p:extLst>
+      <p:ext uri="{BB962C8B-B14F-4D97-AF65-F5344CB8AC3E}">
+        <p14:creationId xmlns:p14="http://schemas.microsoft.com/office/powerpoint/2010/main" val="4089381214"/>
+      </p:ext>
+    </p:extLst>
+  </p:cSld>
+  <p:clrMapOvr>
+    <a:masterClrMapping/>
+  </p:clrMapOvr>
+  <p:timing>
+    <p:tnLst>
+      <p:par>
+        <p:cTn id="1" dur="indefinite" restart="never" nodeType="tmRoot"/>
+      </p:par>
+    </p:tnLst>
+  </p:timing>
+</p:sld>
+</file>
+
+<file path=ppt/slides/slide18.xml><?xml version="1.0" encoding="utf-8"?>
+<p:sld xmlns:a="http://schemas.openxmlformats.org/drawingml/2006/main" xmlns:r="http://schemas.openxmlformats.org/officeDocument/2006/relationships" xmlns:p="http://schemas.openxmlformats.org/presentationml/2006/main">
+  <p:cSld>
+    <p:spTree>
+      <p:nvGrpSpPr>
+        <p:cNvPr id="1" name=""/>
+        <p:cNvGrpSpPr/>
+        <p:nvPr/>
+      </p:nvGrpSpPr>
+      <p:grpSpPr>
+        <a:xfrm>
+          <a:off x="0" y="0"/>
+          <a:ext cx="0" cy="0"/>
+          <a:chOff x="0" y="0"/>
+          <a:chExt cx="0" cy="0"/>
+        </a:xfrm>
+      </p:grpSpPr>
+      <p:sp>
+        <p:nvSpPr>
+          <p:cNvPr id="2" name="Title 1"/>
+          <p:cNvSpPr>
+            <a:spLocks noGrp="1"/>
+          </p:cNvSpPr>
+          <p:nvPr>
+            <p:ph type="title"/>
+          </p:nvPr>
+        </p:nvSpPr>
+        <p:spPr>
+          <a:xfrm>
+            <a:off x="533400" y="2971800"/>
+            <a:ext cx="8229600" cy="1143000"/>
+          </a:xfrm>
+        </p:spPr>
+        <p:txBody>
+          <a:bodyPr/>
+          <a:lstStyle/>
+          <a:p>
+            <a:r>
+              <a:rPr lang="en-US" dirty="0" smtClean="0"/>
+              <a:t>thanks</a:t>
+            </a:r>
+            <a:endParaRPr lang="en-US" dirty="0"/>
+          </a:p>
+        </p:txBody>
+      </p:sp>
+      <p:sp>
+        <p:nvSpPr>
+          <p:cNvPr id="4" name="Slide Number Placeholder 3"/>
+          <p:cNvSpPr>
+            <a:spLocks noGrp="1"/>
+          </p:cNvSpPr>
+          <p:nvPr>
+            <p:ph type="sldNum" sz="quarter" idx="12"/>
+          </p:nvPr>
+        </p:nvSpPr>
+        <p:spPr/>
+        <p:txBody>
+          <a:bodyPr/>
+          <a:lstStyle/>
+          <a:p>
+            <a:fld id="{20DB21FD-4A02-4528-9F81-32550AF98AA0}" type="slidenum">
+              <a:rPr lang="en-US" smtClean="0"/>
+              <a:t>18</a:t>
+            </a:fld>
+            <a:endParaRPr lang="en-US"/>
+          </a:p>
+        </p:txBody>
+      </p:sp>
+    </p:spTree>
+    <p:extLst>
+      <p:ext uri="{BB962C8B-B14F-4D97-AF65-F5344CB8AC3E}">
+        <p14:creationId xmlns:p14="http://schemas.microsoft.com/office/powerpoint/2010/main" val="3908538114"/>
+      </p:ext>
+    </p:extLst>
+  </p:cSld>
+  <p:clrMapOvr>
+    <a:masterClrMapping/>
+  </p:clrMapOvr>
+  <p:timing>
+    <p:tnLst>
+      <p:par>
+        <p:cTn id="1" dur="indefinite" restart="never" nodeType="tmRoot"/>
+      </p:par>
+    </p:tnLst>
+  </p:timing>
+</p:sld>
+</file>
+
+<file path=ppt/slides/slide19.xml><?xml version="1.0" encoding="utf-8"?>
+<p:sld xmlns:a="http://schemas.openxmlformats.org/drawingml/2006/main" xmlns:r="http://schemas.openxmlformats.org/officeDocument/2006/relationships" xmlns:p="http://schemas.openxmlformats.org/presentationml/2006/main">
+  <p:cSld>
+    <p:spTree>
+      <p:nvGrpSpPr>
+        <p:cNvPr id="1" name=""/>
+        <p:cNvGrpSpPr/>
+        <p:nvPr/>
+      </p:nvGrpSpPr>
+      <p:grpSpPr>
+        <a:xfrm>
+          <a:off x="0" y="0"/>
+          <a:ext cx="0" cy="0"/>
+          <a:chOff x="0" y="0"/>
+          <a:chExt cx="0" cy="0"/>
+        </a:xfrm>
+      </p:grpSpPr>
+      <p:sp>
+        <p:nvSpPr>
+          <p:cNvPr id="2" name="Title 1"/>
+          <p:cNvSpPr>
+            <a:spLocks noGrp="1"/>
+          </p:cNvSpPr>
+          <p:nvPr>
+            <p:ph type="title"/>
+          </p:nvPr>
+        </p:nvSpPr>
+        <p:spPr/>
+        <p:txBody>
+          <a:bodyPr/>
+          <a:lstStyle/>
+          <a:p>
+            <a:r>
+              <a:rPr lang="en-US" dirty="0" smtClean="0"/>
+              <a:t>reference</a:t>
+            </a:r>
+            <a:endParaRPr lang="en-US" dirty="0"/>
+          </a:p>
+        </p:txBody>
+      </p:sp>
+      <p:sp>
+        <p:nvSpPr>
+          <p:cNvPr id="3" name="Content Placeholder 2"/>
+          <p:cNvSpPr>
+            <a:spLocks noGrp="1"/>
+          </p:cNvSpPr>
+          <p:nvPr>
+            <p:ph idx="1"/>
+          </p:nvPr>
+        </p:nvSpPr>
+        <p:spPr/>
+        <p:txBody>
+          <a:bodyPr>
+            <a:normAutofit/>
+          </a:bodyPr>
+          <a:lstStyle/>
+          <a:p>
+            <a:r>
+              <a:rPr lang="en-US" sz="2000" dirty="0">
+                <a:hlinkClick r:id="rId2"/>
+              </a:rPr>
+              <a:t>http://www.digitalspy.com/tech/virtual-reality/news/a814426/htc-vive-really-is-the-best-gadget-in-the-world-right-now</a:t>
+            </a:r>
+            <a:r>
+              <a:rPr lang="en-US" sz="2000" dirty="0" smtClean="0">
+                <a:hlinkClick r:id="rId2"/>
+              </a:rPr>
+              <a:t>/</a:t>
+            </a:r>
+            <a:endParaRPr lang="en-US" sz="2000" dirty="0" smtClean="0"/>
+          </a:p>
+          <a:p>
+            <a:r>
+              <a:rPr lang="en-US" sz="2000" dirty="0">
+                <a:hlinkClick r:id="rId3"/>
+              </a:rPr>
+              <a:t>https://www.vrfocus.com/2017/11/7-most-wanted-virtual-reality-videogames-for-oculus-rift</a:t>
+            </a:r>
+            <a:r>
+              <a:rPr lang="en-US" sz="2000" dirty="0" smtClean="0">
+                <a:hlinkClick r:id="rId3"/>
+              </a:rPr>
+              <a:t>/</a:t>
+            </a:r>
+            <a:endParaRPr lang="en-US" sz="2000" dirty="0" smtClean="0"/>
+          </a:p>
+          <a:p>
+            <a:r>
+              <a:rPr lang="en-US" sz="2000" dirty="0">
+                <a:hlinkClick r:id="rId4"/>
+              </a:rPr>
+              <a:t>https://</a:t>
+            </a:r>
+            <a:r>
+              <a:rPr lang="en-US" sz="2000" dirty="0" smtClean="0">
+                <a:hlinkClick r:id="rId4"/>
+              </a:rPr>
+              <a:t>tech.blorge.com/2017/05/08/microsoft-hololens-vs-playstation-vr-one-get</a:t>
+            </a:r>
+            <a:r>
+              <a:rPr lang="en-US" sz="2000" dirty="0" smtClean="0"/>
+              <a:t> </a:t>
+            </a:r>
+          </a:p>
+          <a:p>
+            <a:r>
+              <a:rPr lang="en-US" sz="2000" dirty="0">
+                <a:hlinkClick r:id="rId5"/>
+              </a:rPr>
+              <a:t>https://</a:t>
+            </a:r>
+            <a:r>
+              <a:rPr lang="en-US" sz="2000" dirty="0" smtClean="0">
+                <a:hlinkClick r:id="rId5"/>
+              </a:rPr>
+              <a:t>store.google.com/product/google_cardboard</a:t>
+            </a:r>
+            <a:r>
+              <a:rPr lang="en-US" sz="2000" dirty="0" smtClean="0"/>
+              <a:t> </a:t>
+            </a:r>
+          </a:p>
+          <a:p>
+            <a:r>
+              <a:rPr lang="en-US" sz="2000" dirty="0">
+                <a:hlinkClick r:id="rId6"/>
+              </a:rPr>
+              <a:t>https://uae.souq.com/ae-en/vr-box-virtual-reality-3d-glass-for-3d-games-and-3d-movies-for-smartphone-white-9568165/i</a:t>
+            </a:r>
+            <a:r>
+              <a:rPr lang="en-US" sz="2000" dirty="0" smtClean="0">
+                <a:hlinkClick r:id="rId6"/>
+              </a:rPr>
+              <a:t>/</a:t>
+            </a:r>
+            <a:r>
+              <a:rPr lang="en-US" sz="2000" dirty="0" smtClean="0"/>
+              <a:t> </a:t>
+            </a:r>
+          </a:p>
+          <a:p>
+            <a:r>
+              <a:rPr lang="en-US" sz="2000" dirty="0">
+                <a:hlinkClick r:id="rId7"/>
+              </a:rPr>
+              <a:t>https://</a:t>
+            </a:r>
+            <a:r>
+              <a:rPr lang="en-US" sz="2000" dirty="0" smtClean="0">
+                <a:hlinkClick r:id="rId7"/>
+              </a:rPr>
+              <a:t>www.youtube.com/watch?v=cRpn9ohsMd4</a:t>
+            </a:r>
+            <a:r>
+              <a:rPr lang="en-US" sz="2000" dirty="0" smtClean="0"/>
+              <a:t> </a:t>
+            </a:r>
+            <a:endParaRPr lang="en-US" sz="2000" dirty="0"/>
+          </a:p>
+        </p:txBody>
+      </p:sp>
+      <p:sp>
+        <p:nvSpPr>
+          <p:cNvPr id="4" name="Slide Number Placeholder 3"/>
+          <p:cNvSpPr>
+            <a:spLocks noGrp="1"/>
+          </p:cNvSpPr>
+          <p:nvPr>
+            <p:ph type="sldNum" sz="quarter" idx="12"/>
+          </p:nvPr>
+        </p:nvSpPr>
+        <p:spPr/>
+        <p:txBody>
+          <a:bodyPr/>
+          <a:lstStyle/>
+          <a:p>
+            <a:fld id="{20DB21FD-4A02-4528-9F81-32550AF98AA0}" type="slidenum">
+              <a:rPr lang="en-US" smtClean="0"/>
+              <a:t>19</a:t>
+            </a:fld>
+            <a:endParaRPr lang="en-US"/>
+          </a:p>
+        </p:txBody>
+      </p:sp>
+    </p:spTree>
+    <p:extLst>
+      <p:ext uri="{BB962C8B-B14F-4D97-AF65-F5344CB8AC3E}">
+        <p14:creationId xmlns:p14="http://schemas.microsoft.com/office/powerpoint/2010/main" val="25255194"/>
+      </p:ext>
+    </p:extLst>
+  </p:cSld>
+  <p:clrMapOvr>
+    <a:masterClrMapping/>
+  </p:clrMapOvr>
+  <p:timing>
+    <p:tnLst>
+      <p:par>
+        <p:cTn id="1" dur="indefinite" restart="never" nodeType="tmRoot"/>
+      </p:par>
+    </p:tnLst>
+  </p:timing>
 </p:sld>
 </file>
 
@@ -3206,7 +6079,7 @@
           <a:p>
             <a:r>
               <a:rPr lang="en-US" dirty="0" smtClean="0"/>
-              <a:t>Agenda</a:t>
+              <a:t>agenda</a:t>
             </a:r>
             <a:endParaRPr lang="en-US" dirty="0"/>
           </a:p>
@@ -3241,7 +6114,7 @@
           <a:p>
             <a:r>
               <a:rPr lang="en-US" dirty="0" smtClean="0"/>
-              <a:t>Web </a:t>
+              <a:t>Android </a:t>
             </a:r>
           </a:p>
           <a:p>
@@ -3253,8 +6126,20 @@
           <a:p>
             <a:r>
               <a:rPr lang="en-US" dirty="0" smtClean="0"/>
-              <a:t>New features</a:t>
-            </a:r>
+              <a:t>Web</a:t>
+            </a:r>
+            <a:endParaRPr lang="en-US" dirty="0" smtClean="0"/>
+          </a:p>
+          <a:p>
+            <a:r>
+              <a:rPr lang="en-US" dirty="0" smtClean="0"/>
+              <a:t>Additional </a:t>
+            </a:r>
+            <a:r>
+              <a:rPr lang="en-US" dirty="0" smtClean="0"/>
+              <a:t>feature – proof of concept</a:t>
+            </a:r>
+            <a:endParaRPr lang="en-US" dirty="0" smtClean="0"/>
           </a:p>
           <a:p>
             <a:r>
@@ -3264,6 +6149,29 @@
           </a:p>
           <a:p>
             <a:endParaRPr lang="en-US" dirty="0"/>
+          </a:p>
+        </p:txBody>
+      </p:sp>
+      <p:sp>
+        <p:nvSpPr>
+          <p:cNvPr id="4" name="Slide Number Placeholder 3"/>
+          <p:cNvSpPr>
+            <a:spLocks noGrp="1"/>
+          </p:cNvSpPr>
+          <p:nvPr>
+            <p:ph type="sldNum" sz="quarter" idx="12"/>
+          </p:nvPr>
+        </p:nvSpPr>
+        <p:spPr/>
+        <p:txBody>
+          <a:bodyPr/>
+          <a:lstStyle/>
+          <a:p>
+            <a:fld id="{20DB21FD-4A02-4528-9F81-32550AF98AA0}" type="slidenum">
+              <a:rPr lang="en-US" smtClean="0"/>
+              <a:t>2</a:t>
+            </a:fld>
+            <a:endParaRPr lang="en-US"/>
           </a:p>
         </p:txBody>
       </p:sp>
@@ -3277,6 +6185,13 @@
   <p:clrMapOvr>
     <a:masterClrMapping/>
   </p:clrMapOvr>
+  <p:timing>
+    <p:tnLst>
+      <p:par>
+        <p:cTn id="1" dur="indefinite" restart="never" nodeType="tmRoot"/>
+      </p:par>
+    </p:tnLst>
+  </p:timing>
 </p:sld>
 </file>
 
@@ -3313,8 +6228,12 @@
           <a:lstStyle/>
           <a:p>
             <a:r>
+              <a:rPr lang="en-US" dirty="0"/>
+              <a:t>f</a:t>
+            </a:r>
+            <a:r>
               <a:rPr lang="en-US" dirty="0" smtClean="0"/>
-              <a:t>Android</a:t>
+              <a:t>eatures</a:t>
             </a:r>
             <a:endParaRPr lang="en-US" dirty="0"/>
           </a:p>
@@ -3332,13 +6251,16 @@
         </p:nvSpPr>
         <p:spPr/>
         <p:txBody>
-          <a:bodyPr/>
+          <a:bodyPr>
+            <a:normAutofit/>
+          </a:bodyPr>
           <a:lstStyle/>
           <a:p>
             <a:r>
               <a:rPr lang="en-US" dirty="0" smtClean="0"/>
-              <a:t>Dashboard</a:t>
-            </a:r>
+              <a:t>Home</a:t>
+            </a:r>
+            <a:endParaRPr lang="en-US" dirty="0" smtClean="0"/>
           </a:p>
           <a:p>
             <a:pPr lvl="1"/>
@@ -3349,12 +6271,8 @@
           </a:p>
           <a:p>
             <a:r>
-              <a:rPr lang="en-US" smtClean="0"/>
-              <a:t>Sign </a:t>
-            </a:r>
-            <a:r>
               <a:rPr lang="en-US" dirty="0" smtClean="0"/>
-              <a:t>in </a:t>
+              <a:t>Sign in </a:t>
             </a:r>
           </a:p>
           <a:p>
@@ -3366,11 +6284,57 @@
           <a:p>
             <a:r>
               <a:rPr lang="en-US" dirty="0" smtClean="0"/>
-              <a:t>Add feedback</a:t>
-            </a:r>
+              <a:t>Add </a:t>
+            </a:r>
+            <a:r>
+              <a:rPr lang="en-US" dirty="0" smtClean="0"/>
+              <a:t>feedback </a:t>
+            </a:r>
+          </a:p>
+          <a:p>
+            <a:r>
+              <a:rPr lang="en-US" dirty="0" smtClean="0"/>
+              <a:t>User </a:t>
+            </a:r>
+            <a:r>
+              <a:rPr lang="en-US" dirty="0" smtClean="0"/>
+              <a:t>list </a:t>
+            </a:r>
+          </a:p>
+          <a:p>
+            <a:r>
+              <a:rPr lang="en-US" dirty="0" smtClean="0"/>
+              <a:t>Feedback list</a:t>
+            </a:r>
+          </a:p>
+          <a:p>
+            <a:endParaRPr lang="en-US" dirty="0" smtClean="0"/>
           </a:p>
           <a:p>
             <a:endParaRPr lang="en-US" dirty="0"/>
+          </a:p>
+        </p:txBody>
+      </p:sp>
+      <p:sp>
+        <p:nvSpPr>
+          <p:cNvPr id="4" name="Slide Number Placeholder 3"/>
+          <p:cNvSpPr>
+            <a:spLocks noGrp="1"/>
+          </p:cNvSpPr>
+          <p:nvPr>
+            <p:ph type="sldNum" sz="quarter" idx="12"/>
+          </p:nvPr>
+        </p:nvSpPr>
+        <p:spPr/>
+        <p:txBody>
+          <a:bodyPr/>
+          <a:lstStyle/>
+          <a:p>
+            <a:fld id="{20DB21FD-4A02-4528-9F81-32550AF98AA0}" type="slidenum">
+              <a:rPr lang="en-US" smtClean="0"/>
+              <a:t>3</a:t>
+            </a:fld>
+            <a:endParaRPr lang="en-US"/>
           </a:p>
         </p:txBody>
       </p:sp>
@@ -3384,6 +6348,1854 @@
   <p:clrMapOvr>
     <a:masterClrMapping/>
   </p:clrMapOvr>
+  <p:timing>
+    <p:tnLst>
+      <p:par>
+        <p:cTn id="1" dur="indefinite" restart="never" nodeType="tmRoot"/>
+      </p:par>
+    </p:tnLst>
+  </p:timing>
+</p:sld>
+</file>
+
+<file path=ppt/slides/slide4.xml><?xml version="1.0" encoding="utf-8"?>
+<p:sld xmlns:a="http://schemas.openxmlformats.org/drawingml/2006/main" xmlns:r="http://schemas.openxmlformats.org/officeDocument/2006/relationships" xmlns:p="http://schemas.openxmlformats.org/presentationml/2006/main">
+  <p:cSld>
+    <p:spTree>
+      <p:nvGrpSpPr>
+        <p:cNvPr id="1" name=""/>
+        <p:cNvGrpSpPr/>
+        <p:nvPr/>
+      </p:nvGrpSpPr>
+      <p:grpSpPr>
+        <a:xfrm>
+          <a:off x="0" y="0"/>
+          <a:ext cx="0" cy="0"/>
+          <a:chOff x="0" y="0"/>
+          <a:chExt cx="0" cy="0"/>
+        </a:xfrm>
+      </p:grpSpPr>
+      <p:sp>
+        <p:nvSpPr>
+          <p:cNvPr id="2" name="Title 1"/>
+          <p:cNvSpPr>
+            <a:spLocks noGrp="1"/>
+          </p:cNvSpPr>
+          <p:nvPr>
+            <p:ph type="title"/>
+          </p:nvPr>
+        </p:nvSpPr>
+        <p:spPr>
+          <a:ln>
+            <a:noFill/>
+          </a:ln>
+        </p:spPr>
+        <p:txBody>
+          <a:bodyPr/>
+          <a:lstStyle/>
+          <a:p>
+            <a:r>
+              <a:rPr lang="en-US" dirty="0" smtClean="0"/>
+              <a:t>technology stack</a:t>
+            </a:r>
+            <a:endParaRPr lang="en-US" dirty="0"/>
+          </a:p>
+        </p:txBody>
+      </p:sp>
+      <p:sp>
+        <p:nvSpPr>
+          <p:cNvPr id="4" name="Slide Number Placeholder 3"/>
+          <p:cNvSpPr>
+            <a:spLocks noGrp="1"/>
+          </p:cNvSpPr>
+          <p:nvPr>
+            <p:ph type="sldNum" sz="quarter" idx="12"/>
+          </p:nvPr>
+        </p:nvSpPr>
+        <p:spPr>
+          <a:ln>
+            <a:noFill/>
+          </a:ln>
+        </p:spPr>
+        <p:txBody>
+          <a:bodyPr/>
+          <a:lstStyle/>
+          <a:p>
+            <a:fld id="{20DB21FD-4A02-4528-9F81-32550AF98AA0}" type="slidenum">
+              <a:rPr lang="en-US" smtClean="0"/>
+              <a:t>4</a:t>
+            </a:fld>
+            <a:endParaRPr lang="en-US"/>
+          </a:p>
+        </p:txBody>
+      </p:sp>
+      <p:pic>
+        <p:nvPicPr>
+          <p:cNvPr id="1026" name="Picture 2"/>
+          <p:cNvPicPr>
+            <a:picLocks noGrp="1" noChangeAspect="1" noChangeArrowheads="1"/>
+          </p:cNvPicPr>
+          <p:nvPr>
+            <p:ph idx="1"/>
+          </p:nvPr>
+        </p:nvPicPr>
+        <p:blipFill>
+          <a:blip r:embed="rId2">
+            <a:extLst>
+              <a:ext uri="{28A0092B-C50C-407E-A947-70E740481C1C}">
+                <a14:useLocalDpi xmlns:a14="http://schemas.microsoft.com/office/drawing/2010/main" val="0"/>
+              </a:ext>
+            </a:extLst>
+          </a:blip>
+          <a:srcRect/>
+          <a:stretch>
+            <a:fillRect/>
+          </a:stretch>
+        </p:blipFill>
+        <p:spPr bwMode="auto">
+          <a:xfrm>
+            <a:off x="3733800" y="5486400"/>
+            <a:ext cx="1666875" cy="733425"/>
+          </a:xfrm>
+          <a:prstGeom prst="rect">
+            <a:avLst/>
+          </a:prstGeom>
+          <a:noFill/>
+          <a:ln w="9525">
+            <a:solidFill>
+              <a:schemeClr val="tx1"/>
+            </a:solidFill>
+            <a:miter lim="800000"/>
+            <a:headEnd/>
+            <a:tailEnd/>
+          </a:ln>
+          <a:extLst>
+            <a:ext uri="{909E8E84-426E-40DD-AFC4-6F175D3DCCD1}">
+              <a14:hiddenFill xmlns:a14="http://schemas.microsoft.com/office/drawing/2010/main">
+                <a:solidFill>
+                  <a:schemeClr val="accent1"/>
+                </a:solidFill>
+              </a14:hiddenFill>
+            </a:ext>
+          </a:extLst>
+        </p:spPr>
+      </p:pic>
+      <p:pic>
+        <p:nvPicPr>
+          <p:cNvPr id="1027" name="Picture 3"/>
+          <p:cNvPicPr>
+            <a:picLocks noChangeAspect="1" noChangeArrowheads="1"/>
+          </p:cNvPicPr>
+          <p:nvPr/>
+        </p:nvPicPr>
+        <p:blipFill>
+          <a:blip r:embed="rId3">
+            <a:extLst>
+              <a:ext uri="{28A0092B-C50C-407E-A947-70E740481C1C}">
+                <a14:useLocalDpi xmlns:a14="http://schemas.microsoft.com/office/drawing/2010/main" val="0"/>
+              </a:ext>
+            </a:extLst>
+          </a:blip>
+          <a:srcRect/>
+          <a:stretch>
+            <a:fillRect/>
+          </a:stretch>
+        </p:blipFill>
+        <p:spPr bwMode="auto">
+          <a:xfrm>
+            <a:off x="3733800" y="4572000"/>
+            <a:ext cx="1665023" cy="800878"/>
+          </a:xfrm>
+          <a:prstGeom prst="rect">
+            <a:avLst/>
+          </a:prstGeom>
+          <a:noFill/>
+          <a:ln w="9525">
+            <a:solidFill>
+              <a:schemeClr val="tx1"/>
+            </a:solidFill>
+            <a:miter lim="800000"/>
+            <a:headEnd/>
+            <a:tailEnd/>
+          </a:ln>
+          <a:extLst>
+            <a:ext uri="{909E8E84-426E-40DD-AFC4-6F175D3DCCD1}">
+              <a14:hiddenFill xmlns:a14="http://schemas.microsoft.com/office/drawing/2010/main">
+                <a:solidFill>
+                  <a:schemeClr val="accent1"/>
+                </a:solidFill>
+              </a14:hiddenFill>
+            </a:ext>
+          </a:extLst>
+        </p:spPr>
+      </p:pic>
+      <p:pic>
+        <p:nvPicPr>
+          <p:cNvPr id="1028" name="Picture 4"/>
+          <p:cNvPicPr>
+            <a:picLocks noChangeAspect="1" noChangeArrowheads="1"/>
+          </p:cNvPicPr>
+          <p:nvPr/>
+        </p:nvPicPr>
+        <p:blipFill>
+          <a:blip r:embed="rId4">
+            <a:extLst>
+              <a:ext uri="{28A0092B-C50C-407E-A947-70E740481C1C}">
+                <a14:useLocalDpi xmlns:a14="http://schemas.microsoft.com/office/drawing/2010/main" val="0"/>
+              </a:ext>
+            </a:extLst>
+          </a:blip>
+          <a:srcRect/>
+          <a:stretch>
+            <a:fillRect/>
+          </a:stretch>
+        </p:blipFill>
+        <p:spPr bwMode="auto">
+          <a:xfrm>
+            <a:off x="1905000" y="2187346"/>
+            <a:ext cx="1219200" cy="1076325"/>
+          </a:xfrm>
+          <a:prstGeom prst="rect">
+            <a:avLst/>
+          </a:prstGeom>
+          <a:noFill/>
+          <a:ln w="9525">
+            <a:solidFill>
+              <a:schemeClr val="tx1"/>
+            </a:solidFill>
+            <a:miter lim="800000"/>
+            <a:headEnd/>
+            <a:tailEnd/>
+          </a:ln>
+          <a:extLst>
+            <a:ext uri="{909E8E84-426E-40DD-AFC4-6F175D3DCCD1}">
+              <a14:hiddenFill xmlns:a14="http://schemas.microsoft.com/office/drawing/2010/main">
+                <a:solidFill>
+                  <a:schemeClr val="accent1"/>
+                </a:solidFill>
+              </a14:hiddenFill>
+            </a:ext>
+          </a:extLst>
+        </p:spPr>
+      </p:pic>
+      <p:pic>
+        <p:nvPicPr>
+          <p:cNvPr id="1029" name="Picture 5"/>
+          <p:cNvPicPr>
+            <a:picLocks noChangeAspect="1" noChangeArrowheads="1"/>
+          </p:cNvPicPr>
+          <p:nvPr/>
+        </p:nvPicPr>
+        <p:blipFill>
+          <a:blip r:embed="rId5">
+            <a:extLst>
+              <a:ext uri="{28A0092B-C50C-407E-A947-70E740481C1C}">
+                <a14:useLocalDpi xmlns:a14="http://schemas.microsoft.com/office/drawing/2010/main" val="0"/>
+              </a:ext>
+            </a:extLst>
+          </a:blip>
+          <a:srcRect/>
+          <a:stretch>
+            <a:fillRect/>
+          </a:stretch>
+        </p:blipFill>
+        <p:spPr bwMode="auto">
+          <a:xfrm>
+            <a:off x="3962400" y="2212823"/>
+            <a:ext cx="1371600" cy="1065439"/>
+          </a:xfrm>
+          <a:prstGeom prst="rect">
+            <a:avLst/>
+          </a:prstGeom>
+          <a:noFill/>
+          <a:ln w="9525">
+            <a:solidFill>
+              <a:schemeClr val="tx1"/>
+            </a:solidFill>
+            <a:miter lim="800000"/>
+            <a:headEnd/>
+            <a:tailEnd/>
+          </a:ln>
+          <a:extLst>
+            <a:ext uri="{909E8E84-426E-40DD-AFC4-6F175D3DCCD1}">
+              <a14:hiddenFill xmlns:a14="http://schemas.microsoft.com/office/drawing/2010/main">
+                <a:solidFill>
+                  <a:schemeClr val="accent1"/>
+                </a:solidFill>
+              </a14:hiddenFill>
+            </a:ext>
+          </a:extLst>
+        </p:spPr>
+      </p:pic>
+      <p:pic>
+        <p:nvPicPr>
+          <p:cNvPr id="1030" name="Picture 6"/>
+          <p:cNvPicPr>
+            <a:picLocks noChangeAspect="1" noChangeArrowheads="1"/>
+          </p:cNvPicPr>
+          <p:nvPr/>
+        </p:nvPicPr>
+        <p:blipFill>
+          <a:blip r:embed="rId6">
+            <a:extLst>
+              <a:ext uri="{28A0092B-C50C-407E-A947-70E740481C1C}">
+                <a14:useLocalDpi xmlns:a14="http://schemas.microsoft.com/office/drawing/2010/main" val="0"/>
+              </a:ext>
+            </a:extLst>
+          </a:blip>
+          <a:srcRect/>
+          <a:stretch>
+            <a:fillRect/>
+          </a:stretch>
+        </p:blipFill>
+        <p:spPr bwMode="auto">
+          <a:xfrm>
+            <a:off x="6345212" y="2222348"/>
+            <a:ext cx="1152525" cy="952500"/>
+          </a:xfrm>
+          <a:prstGeom prst="rect">
+            <a:avLst/>
+          </a:prstGeom>
+          <a:noFill/>
+          <a:ln w="9525">
+            <a:solidFill>
+              <a:schemeClr val="tx1"/>
+            </a:solidFill>
+            <a:miter lim="800000"/>
+            <a:headEnd/>
+            <a:tailEnd/>
+          </a:ln>
+          <a:extLst>
+            <a:ext uri="{909E8E84-426E-40DD-AFC4-6F175D3DCCD1}">
+              <a14:hiddenFill xmlns:a14="http://schemas.microsoft.com/office/drawing/2010/main">
+                <a:solidFill>
+                  <a:schemeClr val="accent1"/>
+                </a:solidFill>
+              </a14:hiddenFill>
+            </a:ext>
+          </a:extLst>
+        </p:spPr>
+      </p:pic>
+      <p:pic>
+        <p:nvPicPr>
+          <p:cNvPr id="1031" name="Picture 7"/>
+          <p:cNvPicPr>
+            <a:picLocks noChangeAspect="1" noChangeArrowheads="1"/>
+          </p:cNvPicPr>
+          <p:nvPr/>
+        </p:nvPicPr>
+        <p:blipFill>
+          <a:blip r:embed="rId7">
+            <a:extLst>
+              <a:ext uri="{28A0092B-C50C-407E-A947-70E740481C1C}">
+                <a14:useLocalDpi xmlns:a14="http://schemas.microsoft.com/office/drawing/2010/main" val="0"/>
+              </a:ext>
+            </a:extLst>
+          </a:blip>
+          <a:srcRect/>
+          <a:stretch>
+            <a:fillRect/>
+          </a:stretch>
+        </p:blipFill>
+        <p:spPr bwMode="auto">
+          <a:xfrm>
+            <a:off x="3858253" y="3710632"/>
+            <a:ext cx="1416116" cy="518882"/>
+          </a:xfrm>
+          <a:prstGeom prst="rect">
+            <a:avLst/>
+          </a:prstGeom>
+          <a:noFill/>
+          <a:ln w="9525">
+            <a:noFill/>
+            <a:miter lim="800000"/>
+            <a:headEnd/>
+            <a:tailEnd/>
+          </a:ln>
+          <a:extLst>
+            <a:ext uri="{909E8E84-426E-40DD-AFC4-6F175D3DCCD1}">
+              <a14:hiddenFill xmlns:a14="http://schemas.microsoft.com/office/drawing/2010/main">
+                <a:solidFill>
+                  <a:schemeClr val="accent1"/>
+                </a:solidFill>
+              </a14:hiddenFill>
+            </a:ext>
+          </a:extLst>
+        </p:spPr>
+      </p:pic>
+      <p:sp>
+        <p:nvSpPr>
+          <p:cNvPr id="5" name="Rectangle 4"/>
+          <p:cNvSpPr/>
+          <p:nvPr/>
+        </p:nvSpPr>
+        <p:spPr>
+          <a:xfrm>
+            <a:off x="990600" y="3581400"/>
+            <a:ext cx="6507137" cy="762000"/>
+          </a:xfrm>
+          <a:prstGeom prst="rect">
+            <a:avLst/>
+          </a:prstGeom>
+          <a:noFill/>
+          <a:ln w="3175">
+            <a:solidFill>
+              <a:schemeClr val="accent1">
+                <a:shade val="50000"/>
+              </a:schemeClr>
+            </a:solidFill>
+          </a:ln>
+        </p:spPr>
+        <p:style>
+          <a:lnRef idx="2">
+            <a:schemeClr val="accent1">
+              <a:shade val="50000"/>
+            </a:schemeClr>
+          </a:lnRef>
+          <a:fillRef idx="1">
+            <a:schemeClr val="accent1"/>
+          </a:fillRef>
+          <a:effectRef idx="0">
+            <a:schemeClr val="accent1"/>
+          </a:effectRef>
+          <a:fontRef idx="minor">
+            <a:schemeClr val="lt1"/>
+          </a:fontRef>
+        </p:style>
+        <p:txBody>
+          <a:bodyPr rtlCol="0" anchor="ctr"/>
+          <a:lstStyle/>
+          <a:p>
+            <a:pPr algn="ctr"/>
+            <a:endParaRPr lang="en-US"/>
+          </a:p>
+        </p:txBody>
+      </p:sp>
+      <p:pic>
+        <p:nvPicPr>
+          <p:cNvPr id="1032" name="Picture 8"/>
+          <p:cNvPicPr>
+            <a:picLocks noChangeAspect="1" noChangeArrowheads="1"/>
+          </p:cNvPicPr>
+          <p:nvPr/>
+        </p:nvPicPr>
+        <p:blipFill>
+          <a:blip r:embed="rId8">
+            <a:extLst>
+              <a:ext uri="{28A0092B-C50C-407E-A947-70E740481C1C}">
+                <a14:useLocalDpi xmlns:a14="http://schemas.microsoft.com/office/drawing/2010/main" val="0"/>
+              </a:ext>
+            </a:extLst>
+          </a:blip>
+          <a:srcRect/>
+          <a:stretch>
+            <a:fillRect/>
+          </a:stretch>
+        </p:blipFill>
+        <p:spPr bwMode="auto">
+          <a:xfrm>
+            <a:off x="1897600" y="1284907"/>
+            <a:ext cx="1281624" cy="611536"/>
+          </a:xfrm>
+          <a:prstGeom prst="rect">
+            <a:avLst/>
+          </a:prstGeom>
+          <a:noFill/>
+          <a:ln>
+            <a:noFill/>
+          </a:ln>
+          <a:extLst>
+            <a:ext uri="{909E8E84-426E-40DD-AFC4-6F175D3DCCD1}">
+              <a14:hiddenFill xmlns:a14="http://schemas.microsoft.com/office/drawing/2010/main">
+                <a:solidFill>
+                  <a:schemeClr val="accent1"/>
+                </a:solidFill>
+              </a14:hiddenFill>
+            </a:ext>
+            <a:ext uri="{91240B29-F687-4F45-9708-019B960494DF}">
+              <a14:hiddenLine xmlns:a14="http://schemas.microsoft.com/office/drawing/2010/main" w="9525">
+                <a:solidFill>
+                  <a:schemeClr val="tx1"/>
+                </a:solidFill>
+                <a:miter lim="800000"/>
+                <a:headEnd/>
+                <a:tailEnd/>
+              </a14:hiddenLine>
+            </a:ext>
+          </a:extLst>
+        </p:spPr>
+      </p:pic>
+      <p:sp>
+        <p:nvSpPr>
+          <p:cNvPr id="3" name="TextBox 2"/>
+          <p:cNvSpPr txBox="1"/>
+          <p:nvPr/>
+        </p:nvSpPr>
+        <p:spPr>
+          <a:xfrm>
+            <a:off x="906623" y="2889299"/>
+            <a:ext cx="990977" cy="369332"/>
+          </a:xfrm>
+          <a:prstGeom prst="rect">
+            <a:avLst/>
+          </a:prstGeom>
+          <a:noFill/>
+        </p:spPr>
+        <p:txBody>
+          <a:bodyPr wrap="none" rtlCol="0">
+            <a:spAutoFit/>
+          </a:bodyPr>
+          <a:lstStyle/>
+          <a:p>
+            <a:r>
+              <a:rPr lang="en-US" dirty="0" smtClean="0"/>
+              <a:t>Android </a:t>
+            </a:r>
+            <a:endParaRPr lang="en-US" dirty="0"/>
+          </a:p>
+        </p:txBody>
+      </p:sp>
+      <p:sp>
+        <p:nvSpPr>
+          <p:cNvPr id="13" name="TextBox 12"/>
+          <p:cNvSpPr txBox="1"/>
+          <p:nvPr/>
+        </p:nvSpPr>
+        <p:spPr>
+          <a:xfrm>
+            <a:off x="5638800" y="2895698"/>
+            <a:ext cx="706412" cy="369332"/>
+          </a:xfrm>
+          <a:prstGeom prst="rect">
+            <a:avLst/>
+          </a:prstGeom>
+          <a:noFill/>
+        </p:spPr>
+        <p:txBody>
+          <a:bodyPr wrap="none" rtlCol="0">
+            <a:spAutoFit/>
+          </a:bodyPr>
+          <a:lstStyle/>
+          <a:p>
+            <a:r>
+              <a:rPr lang="en-US" dirty="0" smtClean="0"/>
+              <a:t>React</a:t>
+            </a:r>
+            <a:endParaRPr lang="en-US" dirty="0"/>
+          </a:p>
+        </p:txBody>
+      </p:sp>
+      <p:sp>
+        <p:nvSpPr>
+          <p:cNvPr id="14" name="TextBox 13"/>
+          <p:cNvSpPr txBox="1"/>
+          <p:nvPr/>
+        </p:nvSpPr>
+        <p:spPr>
+          <a:xfrm>
+            <a:off x="3308375" y="2910756"/>
+            <a:ext cx="654025" cy="369332"/>
+          </a:xfrm>
+          <a:prstGeom prst="rect">
+            <a:avLst/>
+          </a:prstGeom>
+          <a:noFill/>
+        </p:spPr>
+        <p:txBody>
+          <a:bodyPr wrap="none" rtlCol="0">
+            <a:spAutoFit/>
+          </a:bodyPr>
+          <a:lstStyle/>
+          <a:p>
+            <a:r>
+              <a:rPr lang="en-US" dirty="0" smtClean="0"/>
+              <a:t>Swift</a:t>
+            </a:r>
+            <a:endParaRPr lang="en-US" dirty="0"/>
+          </a:p>
+        </p:txBody>
+      </p:sp>
+    </p:spTree>
+    <p:extLst>
+      <p:ext uri="{BB962C8B-B14F-4D97-AF65-F5344CB8AC3E}">
+        <p14:creationId xmlns:p14="http://schemas.microsoft.com/office/powerpoint/2010/main" val="1185270307"/>
+      </p:ext>
+    </p:extLst>
+  </p:cSld>
+  <p:clrMapOvr>
+    <a:masterClrMapping/>
+  </p:clrMapOvr>
+  <p:timing>
+    <p:tnLst>
+      <p:par>
+        <p:cTn id="1" dur="indefinite" restart="never" nodeType="tmRoot"/>
+      </p:par>
+    </p:tnLst>
+  </p:timing>
+</p:sld>
+</file>
+
+<file path=ppt/slides/slide5.xml><?xml version="1.0" encoding="utf-8"?>
+<p:sld xmlns:a="http://schemas.openxmlformats.org/drawingml/2006/main" xmlns:r="http://schemas.openxmlformats.org/officeDocument/2006/relationships" xmlns:p="http://schemas.openxmlformats.org/presentationml/2006/main">
+  <p:cSld>
+    <p:spTree>
+      <p:nvGrpSpPr>
+        <p:cNvPr id="1" name=""/>
+        <p:cNvGrpSpPr/>
+        <p:nvPr/>
+      </p:nvGrpSpPr>
+      <p:grpSpPr>
+        <a:xfrm>
+          <a:off x="0" y="0"/>
+          <a:ext cx="0" cy="0"/>
+          <a:chOff x="0" y="0"/>
+          <a:chExt cx="0" cy="0"/>
+        </a:xfrm>
+      </p:grpSpPr>
+      <p:sp>
+        <p:nvSpPr>
+          <p:cNvPr id="2" name="Title 1"/>
+          <p:cNvSpPr>
+            <a:spLocks noGrp="1"/>
+          </p:cNvSpPr>
+          <p:nvPr>
+            <p:ph type="title"/>
+          </p:nvPr>
+        </p:nvSpPr>
+        <p:spPr/>
+        <p:txBody>
+          <a:bodyPr/>
+          <a:lstStyle/>
+          <a:p>
+            <a:r>
+              <a:rPr lang="en-US" dirty="0"/>
+              <a:t>a</a:t>
+            </a:r>
+            <a:r>
+              <a:rPr lang="en-US" dirty="0" smtClean="0"/>
+              <a:t>ndroid</a:t>
+            </a:r>
+            <a:endParaRPr lang="en-US" dirty="0"/>
+          </a:p>
+        </p:txBody>
+      </p:sp>
+      <p:sp>
+        <p:nvSpPr>
+          <p:cNvPr id="4" name="Slide Number Placeholder 3"/>
+          <p:cNvSpPr>
+            <a:spLocks noGrp="1"/>
+          </p:cNvSpPr>
+          <p:nvPr>
+            <p:ph type="sldNum" sz="quarter" idx="12"/>
+          </p:nvPr>
+        </p:nvSpPr>
+        <p:spPr/>
+        <p:txBody>
+          <a:bodyPr/>
+          <a:lstStyle/>
+          <a:p>
+            <a:fld id="{20DB21FD-4A02-4528-9F81-32550AF98AA0}" type="slidenum">
+              <a:rPr lang="en-US" smtClean="0"/>
+              <a:t>5</a:t>
+            </a:fld>
+            <a:endParaRPr lang="en-US"/>
+          </a:p>
+        </p:txBody>
+      </p:sp>
+      <p:pic>
+        <p:nvPicPr>
+          <p:cNvPr id="3075" name="Picture 3" descr="C:\Users\Charmal\Desktop\Firecalc\Screenshots\Screenshot_2018-02-27-10-53-31.png"/>
+          <p:cNvPicPr>
+            <a:picLocks noChangeAspect="1" noChangeArrowheads="1"/>
+          </p:cNvPicPr>
+          <p:nvPr/>
+        </p:nvPicPr>
+        <p:blipFill>
+          <a:blip r:embed="rId2">
+            <a:extLst>
+              <a:ext uri="{28A0092B-C50C-407E-A947-70E740481C1C}">
+                <a14:useLocalDpi xmlns:a14="http://schemas.microsoft.com/office/drawing/2010/main" val="0"/>
+              </a:ext>
+            </a:extLst>
+          </a:blip>
+          <a:srcRect/>
+          <a:stretch>
+            <a:fillRect/>
+          </a:stretch>
+        </p:blipFill>
+        <p:spPr bwMode="auto">
+          <a:xfrm>
+            <a:off x="3733799" y="1600200"/>
+            <a:ext cx="2243353" cy="4069080"/>
+          </a:xfrm>
+          <a:prstGeom prst="rect">
+            <a:avLst/>
+          </a:prstGeom>
+          <a:noFill/>
+          <a:extLst>
+            <a:ext uri="{909E8E84-426E-40DD-AFC4-6F175D3DCCD1}">
+              <a14:hiddenFill xmlns:a14="http://schemas.microsoft.com/office/drawing/2010/main">
+                <a:solidFill>
+                  <a:srgbClr val="FFFFFF"/>
+                </a:solidFill>
+              </a14:hiddenFill>
+            </a:ext>
+          </a:extLst>
+        </p:spPr>
+      </p:pic>
+      <p:pic>
+        <p:nvPicPr>
+          <p:cNvPr id="3076" name="Picture 4" descr="C:\Users\Charmal\Desktop\Firecalc\Screenshots\Screenshot_2018-02-27-10-53-26.png"/>
+          <p:cNvPicPr>
+            <a:picLocks noChangeAspect="1" noChangeArrowheads="1"/>
+          </p:cNvPicPr>
+          <p:nvPr/>
+        </p:nvPicPr>
+        <p:blipFill>
+          <a:blip r:embed="rId3">
+            <a:extLst>
+              <a:ext uri="{28A0092B-C50C-407E-A947-70E740481C1C}">
+                <a14:useLocalDpi xmlns:a14="http://schemas.microsoft.com/office/drawing/2010/main" val="0"/>
+              </a:ext>
+            </a:extLst>
+          </a:blip>
+          <a:srcRect/>
+          <a:stretch>
+            <a:fillRect/>
+          </a:stretch>
+        </p:blipFill>
+        <p:spPr bwMode="auto">
+          <a:xfrm>
+            <a:off x="6375400" y="1600200"/>
+            <a:ext cx="2220977" cy="4069080"/>
+          </a:xfrm>
+          <a:prstGeom prst="rect">
+            <a:avLst/>
+          </a:prstGeom>
+          <a:noFill/>
+          <a:extLst>
+            <a:ext uri="{909E8E84-426E-40DD-AFC4-6F175D3DCCD1}">
+              <a14:hiddenFill xmlns:a14="http://schemas.microsoft.com/office/drawing/2010/main">
+                <a:solidFill>
+                  <a:srgbClr val="FFFFFF"/>
+                </a:solidFill>
+              </a14:hiddenFill>
+            </a:ext>
+          </a:extLst>
+        </p:spPr>
+      </p:pic>
+      <p:pic>
+        <p:nvPicPr>
+          <p:cNvPr id="3078" name="Picture 6"/>
+          <p:cNvPicPr>
+            <a:picLocks noChangeAspect="1" noChangeArrowheads="1"/>
+          </p:cNvPicPr>
+          <p:nvPr/>
+        </p:nvPicPr>
+        <p:blipFill>
+          <a:blip r:embed="rId4">
+            <a:extLst>
+              <a:ext uri="{28A0092B-C50C-407E-A947-70E740481C1C}">
+                <a14:useLocalDpi xmlns:a14="http://schemas.microsoft.com/office/drawing/2010/main" val="0"/>
+              </a:ext>
+            </a:extLst>
+          </a:blip>
+          <a:srcRect/>
+          <a:stretch>
+            <a:fillRect/>
+          </a:stretch>
+        </p:blipFill>
+        <p:spPr bwMode="auto">
+          <a:xfrm>
+            <a:off x="1142999" y="1612901"/>
+            <a:ext cx="2286000" cy="4067175"/>
+          </a:xfrm>
+          <a:prstGeom prst="rect">
+            <a:avLst/>
+          </a:prstGeom>
+          <a:noFill/>
+          <a:ln>
+            <a:noFill/>
+          </a:ln>
+          <a:effectLst/>
+          <a:extLst>
+            <a:ext uri="{909E8E84-426E-40DD-AFC4-6F175D3DCCD1}">
+              <a14:hiddenFill xmlns:a14="http://schemas.microsoft.com/office/drawing/2010/main">
+                <a:solidFill>
+                  <a:schemeClr val="accent1"/>
+                </a:solidFill>
+              </a14:hiddenFill>
+            </a:ext>
+            <a:ext uri="{91240B29-F687-4F45-9708-019B960494DF}">
+              <a14:hiddenLine xmlns:a14="http://schemas.microsoft.com/office/drawing/2010/main" w="9525">
+                <a:solidFill>
+                  <a:schemeClr val="tx1"/>
+                </a:solidFill>
+                <a:miter lim="800000"/>
+                <a:headEnd/>
+                <a:tailEnd/>
+              </a14:hiddenLine>
+            </a:ext>
+            <a:ext uri="{AF507438-7753-43E0-B8FC-AC1667EBCBE1}">
+              <a14:hiddenEffects xmlns:a14="http://schemas.microsoft.com/office/drawing/2010/main">
+                <a:effectLst>
+                  <a:outerShdw dist="35921" dir="2700000" algn="ctr" rotWithShape="0">
+                    <a:schemeClr val="bg2"/>
+                  </a:outerShdw>
+                </a:effectLst>
+              </a14:hiddenEffects>
+            </a:ext>
+          </a:extLst>
+        </p:spPr>
+      </p:pic>
+    </p:spTree>
+    <p:extLst>
+      <p:ext uri="{BB962C8B-B14F-4D97-AF65-F5344CB8AC3E}">
+        <p14:creationId xmlns:p14="http://schemas.microsoft.com/office/powerpoint/2010/main" val="3311042918"/>
+      </p:ext>
+    </p:extLst>
+  </p:cSld>
+  <p:clrMapOvr>
+    <a:masterClrMapping/>
+  </p:clrMapOvr>
+  <p:timing>
+    <p:tnLst>
+      <p:par>
+        <p:cTn id="1" dur="indefinite" restart="never" nodeType="tmRoot"/>
+      </p:par>
+    </p:tnLst>
+  </p:timing>
+</p:sld>
+</file>
+
+<file path=ppt/slides/slide6.xml><?xml version="1.0" encoding="utf-8"?>
+<p:sld xmlns:a="http://schemas.openxmlformats.org/drawingml/2006/main" xmlns:r="http://schemas.openxmlformats.org/officeDocument/2006/relationships" xmlns:p="http://schemas.openxmlformats.org/presentationml/2006/main">
+  <p:cSld>
+    <p:spTree>
+      <p:nvGrpSpPr>
+        <p:cNvPr id="1" name=""/>
+        <p:cNvGrpSpPr/>
+        <p:nvPr/>
+      </p:nvGrpSpPr>
+      <p:grpSpPr>
+        <a:xfrm>
+          <a:off x="0" y="0"/>
+          <a:ext cx="0" cy="0"/>
+          <a:chOff x="0" y="0"/>
+          <a:chExt cx="0" cy="0"/>
+        </a:xfrm>
+      </p:grpSpPr>
+      <p:sp>
+        <p:nvSpPr>
+          <p:cNvPr id="4" name="Slide Number Placeholder 3"/>
+          <p:cNvSpPr>
+            <a:spLocks noGrp="1"/>
+          </p:cNvSpPr>
+          <p:nvPr>
+            <p:ph type="sldNum" sz="quarter" idx="12"/>
+          </p:nvPr>
+        </p:nvSpPr>
+        <p:spPr>
+          <a:xfrm>
+            <a:off x="6553200" y="6248400"/>
+            <a:ext cx="2133600" cy="365125"/>
+          </a:xfrm>
+        </p:spPr>
+        <p:txBody>
+          <a:bodyPr/>
+          <a:lstStyle/>
+          <a:p>
+            <a:fld id="{20DB21FD-4A02-4528-9F81-32550AF98AA0}" type="slidenum">
+              <a:rPr lang="en-US" smtClean="0"/>
+              <a:t>6</a:t>
+            </a:fld>
+            <a:endParaRPr lang="en-US"/>
+          </a:p>
+        </p:txBody>
+      </p:sp>
+      <p:pic>
+        <p:nvPicPr>
+          <p:cNvPr id="4098" name="Picture 2"/>
+          <p:cNvPicPr>
+            <a:picLocks noChangeAspect="1" noChangeArrowheads="1"/>
+          </p:cNvPicPr>
+          <p:nvPr/>
+        </p:nvPicPr>
+        <p:blipFill>
+          <a:blip r:embed="rId2">
+            <a:extLst>
+              <a:ext uri="{28A0092B-C50C-407E-A947-70E740481C1C}">
+                <a14:useLocalDpi xmlns:a14="http://schemas.microsoft.com/office/drawing/2010/main" val="0"/>
+              </a:ext>
+            </a:extLst>
+          </a:blip>
+          <a:srcRect/>
+          <a:stretch>
+            <a:fillRect/>
+          </a:stretch>
+        </p:blipFill>
+        <p:spPr bwMode="auto">
+          <a:xfrm>
+            <a:off x="3352800" y="1143000"/>
+            <a:ext cx="2287070" cy="4069080"/>
+          </a:xfrm>
+          <a:prstGeom prst="rect">
+            <a:avLst/>
+          </a:prstGeom>
+          <a:noFill/>
+          <a:ln>
+            <a:noFill/>
+          </a:ln>
+          <a:effectLst/>
+          <a:extLst>
+            <a:ext uri="{909E8E84-426E-40DD-AFC4-6F175D3DCCD1}">
+              <a14:hiddenFill xmlns:a14="http://schemas.microsoft.com/office/drawing/2010/main">
+                <a:solidFill>
+                  <a:schemeClr val="accent1"/>
+                </a:solidFill>
+              </a14:hiddenFill>
+            </a:ext>
+            <a:ext uri="{91240B29-F687-4F45-9708-019B960494DF}">
+              <a14:hiddenLine xmlns:a14="http://schemas.microsoft.com/office/drawing/2010/main" w="9525">
+                <a:solidFill>
+                  <a:schemeClr val="tx1"/>
+                </a:solidFill>
+                <a:miter lim="800000"/>
+                <a:headEnd/>
+                <a:tailEnd/>
+              </a14:hiddenLine>
+            </a:ext>
+            <a:ext uri="{AF507438-7753-43E0-B8FC-AC1667EBCBE1}">
+              <a14:hiddenEffects xmlns:a14="http://schemas.microsoft.com/office/drawing/2010/main">
+                <a:effectLst>
+                  <a:outerShdw dist="35921" dir="2700000" algn="ctr" rotWithShape="0">
+                    <a:schemeClr val="bg2"/>
+                  </a:outerShdw>
+                </a:effectLst>
+              </a14:hiddenEffects>
+            </a:ext>
+          </a:extLst>
+        </p:spPr>
+      </p:pic>
+      <p:pic>
+        <p:nvPicPr>
+          <p:cNvPr id="4099" name="Picture 3"/>
+          <p:cNvPicPr>
+            <a:picLocks noChangeAspect="1" noChangeArrowheads="1"/>
+          </p:cNvPicPr>
+          <p:nvPr/>
+        </p:nvPicPr>
+        <p:blipFill>
+          <a:blip r:embed="rId3">
+            <a:extLst>
+              <a:ext uri="{28A0092B-C50C-407E-A947-70E740481C1C}">
+                <a14:useLocalDpi xmlns:a14="http://schemas.microsoft.com/office/drawing/2010/main" val="0"/>
+              </a:ext>
+            </a:extLst>
+          </a:blip>
+          <a:srcRect/>
+          <a:stretch>
+            <a:fillRect/>
+          </a:stretch>
+        </p:blipFill>
+        <p:spPr bwMode="auto">
+          <a:xfrm>
+            <a:off x="6096000" y="1143000"/>
+            <a:ext cx="2219194" cy="4069080"/>
+          </a:xfrm>
+          <a:prstGeom prst="rect">
+            <a:avLst/>
+          </a:prstGeom>
+          <a:noFill/>
+          <a:ln>
+            <a:noFill/>
+          </a:ln>
+          <a:effectLst/>
+          <a:extLst>
+            <a:ext uri="{909E8E84-426E-40DD-AFC4-6F175D3DCCD1}">
+              <a14:hiddenFill xmlns:a14="http://schemas.microsoft.com/office/drawing/2010/main">
+                <a:solidFill>
+                  <a:schemeClr val="accent1"/>
+                </a:solidFill>
+              </a14:hiddenFill>
+            </a:ext>
+            <a:ext uri="{91240B29-F687-4F45-9708-019B960494DF}">
+              <a14:hiddenLine xmlns:a14="http://schemas.microsoft.com/office/drawing/2010/main" w="9525">
+                <a:solidFill>
+                  <a:schemeClr val="tx1"/>
+                </a:solidFill>
+                <a:miter lim="800000"/>
+                <a:headEnd/>
+                <a:tailEnd/>
+              </a14:hiddenLine>
+            </a:ext>
+            <a:ext uri="{AF507438-7753-43E0-B8FC-AC1667EBCBE1}">
+              <a14:hiddenEffects xmlns:a14="http://schemas.microsoft.com/office/drawing/2010/main">
+                <a:effectLst>
+                  <a:outerShdw dist="35921" dir="2700000" algn="ctr" rotWithShape="0">
+                    <a:schemeClr val="bg2"/>
+                  </a:outerShdw>
+                </a:effectLst>
+              </a14:hiddenEffects>
+            </a:ext>
+          </a:extLst>
+        </p:spPr>
+      </p:pic>
+      <p:pic>
+        <p:nvPicPr>
+          <p:cNvPr id="4100" name="Picture 4"/>
+          <p:cNvPicPr>
+            <a:picLocks noChangeAspect="1" noChangeArrowheads="1"/>
+          </p:cNvPicPr>
+          <p:nvPr/>
+        </p:nvPicPr>
+        <p:blipFill>
+          <a:blip r:embed="rId4">
+            <a:extLst>
+              <a:ext uri="{28A0092B-C50C-407E-A947-70E740481C1C}">
+                <a14:useLocalDpi xmlns:a14="http://schemas.microsoft.com/office/drawing/2010/main" val="0"/>
+              </a:ext>
+            </a:extLst>
+          </a:blip>
+          <a:srcRect/>
+          <a:stretch>
+            <a:fillRect/>
+          </a:stretch>
+        </p:blipFill>
+        <p:spPr bwMode="auto">
+          <a:xfrm>
+            <a:off x="762000" y="1143000"/>
+            <a:ext cx="2287071" cy="4069080"/>
+          </a:xfrm>
+          <a:prstGeom prst="rect">
+            <a:avLst/>
+          </a:prstGeom>
+          <a:noFill/>
+          <a:ln>
+            <a:noFill/>
+          </a:ln>
+          <a:effectLst/>
+          <a:extLst>
+            <a:ext uri="{909E8E84-426E-40DD-AFC4-6F175D3DCCD1}">
+              <a14:hiddenFill xmlns:a14="http://schemas.microsoft.com/office/drawing/2010/main">
+                <a:solidFill>
+                  <a:schemeClr val="accent1"/>
+                </a:solidFill>
+              </a14:hiddenFill>
+            </a:ext>
+            <a:ext uri="{91240B29-F687-4F45-9708-019B960494DF}">
+              <a14:hiddenLine xmlns:a14="http://schemas.microsoft.com/office/drawing/2010/main" w="9525">
+                <a:solidFill>
+                  <a:schemeClr val="tx1"/>
+                </a:solidFill>
+                <a:miter lim="800000"/>
+                <a:headEnd/>
+                <a:tailEnd/>
+              </a14:hiddenLine>
+            </a:ext>
+            <a:ext uri="{AF507438-7753-43E0-B8FC-AC1667EBCBE1}">
+              <a14:hiddenEffects xmlns:a14="http://schemas.microsoft.com/office/drawing/2010/main">
+                <a:effectLst>
+                  <a:outerShdw dist="35921" dir="2700000" algn="ctr" rotWithShape="0">
+                    <a:schemeClr val="bg2"/>
+                  </a:outerShdw>
+                </a:effectLst>
+              </a14:hiddenEffects>
+            </a:ext>
+          </a:extLst>
+        </p:spPr>
+      </p:pic>
+    </p:spTree>
+    <p:extLst>
+      <p:ext uri="{BB962C8B-B14F-4D97-AF65-F5344CB8AC3E}">
+        <p14:creationId xmlns:p14="http://schemas.microsoft.com/office/powerpoint/2010/main" val="2761860297"/>
+      </p:ext>
+    </p:extLst>
+  </p:cSld>
+  <p:clrMapOvr>
+    <a:masterClrMapping/>
+  </p:clrMapOvr>
+  <p:timing>
+    <p:tnLst>
+      <p:par>
+        <p:cTn id="1" dur="indefinite" restart="never" nodeType="tmRoot"/>
+      </p:par>
+    </p:tnLst>
+  </p:timing>
+</p:sld>
+</file>
+
+<file path=ppt/slides/slide7.xml><?xml version="1.0" encoding="utf-8"?>
+<p:sld xmlns:a="http://schemas.openxmlformats.org/drawingml/2006/main" xmlns:r="http://schemas.openxmlformats.org/officeDocument/2006/relationships" xmlns:p="http://schemas.openxmlformats.org/presentationml/2006/main">
+  <p:cSld>
+    <p:spTree>
+      <p:nvGrpSpPr>
+        <p:cNvPr id="1" name=""/>
+        <p:cNvGrpSpPr/>
+        <p:nvPr/>
+      </p:nvGrpSpPr>
+      <p:grpSpPr>
+        <a:xfrm>
+          <a:off x="0" y="0"/>
+          <a:ext cx="0" cy="0"/>
+          <a:chOff x="0" y="0"/>
+          <a:chExt cx="0" cy="0"/>
+        </a:xfrm>
+      </p:grpSpPr>
+      <p:sp>
+        <p:nvSpPr>
+          <p:cNvPr id="4" name="Slide Number Placeholder 3"/>
+          <p:cNvSpPr>
+            <a:spLocks noGrp="1"/>
+          </p:cNvSpPr>
+          <p:nvPr>
+            <p:ph type="sldNum" sz="quarter" idx="12"/>
+          </p:nvPr>
+        </p:nvSpPr>
+        <p:spPr/>
+        <p:txBody>
+          <a:bodyPr/>
+          <a:lstStyle/>
+          <a:p>
+            <a:fld id="{20DB21FD-4A02-4528-9F81-32550AF98AA0}" type="slidenum">
+              <a:rPr lang="en-US" smtClean="0"/>
+              <a:t>7</a:t>
+            </a:fld>
+            <a:endParaRPr lang="en-US"/>
+          </a:p>
+        </p:txBody>
+      </p:sp>
+      <p:pic>
+        <p:nvPicPr>
+          <p:cNvPr id="5122" name="Picture 2"/>
+          <p:cNvPicPr>
+            <a:picLocks noChangeAspect="1" noChangeArrowheads="1"/>
+          </p:cNvPicPr>
+          <p:nvPr/>
+        </p:nvPicPr>
+        <p:blipFill>
+          <a:blip r:embed="rId2">
+            <a:extLst>
+              <a:ext uri="{28A0092B-C50C-407E-A947-70E740481C1C}">
+                <a14:useLocalDpi xmlns:a14="http://schemas.microsoft.com/office/drawing/2010/main" val="0"/>
+              </a:ext>
+            </a:extLst>
+          </a:blip>
+          <a:srcRect/>
+          <a:stretch>
+            <a:fillRect/>
+          </a:stretch>
+        </p:blipFill>
+        <p:spPr bwMode="auto">
+          <a:xfrm>
+            <a:off x="761464" y="228600"/>
+            <a:ext cx="2287071" cy="4069080"/>
+          </a:xfrm>
+          <a:prstGeom prst="rect">
+            <a:avLst/>
+          </a:prstGeom>
+          <a:noFill/>
+          <a:ln>
+            <a:noFill/>
+          </a:ln>
+          <a:effectLst/>
+          <a:extLst>
+            <a:ext uri="{909E8E84-426E-40DD-AFC4-6F175D3DCCD1}">
+              <a14:hiddenFill xmlns:a14="http://schemas.microsoft.com/office/drawing/2010/main">
+                <a:solidFill>
+                  <a:schemeClr val="accent1"/>
+                </a:solidFill>
+              </a14:hiddenFill>
+            </a:ext>
+            <a:ext uri="{91240B29-F687-4F45-9708-019B960494DF}">
+              <a14:hiddenLine xmlns:a14="http://schemas.microsoft.com/office/drawing/2010/main" w="9525">
+                <a:solidFill>
+                  <a:schemeClr val="tx1"/>
+                </a:solidFill>
+                <a:miter lim="800000"/>
+                <a:headEnd/>
+                <a:tailEnd/>
+              </a14:hiddenLine>
+            </a:ext>
+            <a:ext uri="{AF507438-7753-43E0-B8FC-AC1667EBCBE1}">
+              <a14:hiddenEffects xmlns:a14="http://schemas.microsoft.com/office/drawing/2010/main">
+                <a:effectLst>
+                  <a:outerShdw dist="35921" dir="2700000" algn="ctr" rotWithShape="0">
+                    <a:schemeClr val="bg2"/>
+                  </a:outerShdw>
+                </a:effectLst>
+              </a14:hiddenEffects>
+            </a:ext>
+          </a:extLst>
+        </p:spPr>
+      </p:pic>
+      <p:pic>
+        <p:nvPicPr>
+          <p:cNvPr id="5123" name="Picture 3"/>
+          <p:cNvPicPr>
+            <a:picLocks noChangeAspect="1" noChangeArrowheads="1"/>
+          </p:cNvPicPr>
+          <p:nvPr/>
+        </p:nvPicPr>
+        <p:blipFill>
+          <a:blip r:embed="rId3">
+            <a:extLst>
+              <a:ext uri="{28A0092B-C50C-407E-A947-70E740481C1C}">
+                <a14:useLocalDpi xmlns:a14="http://schemas.microsoft.com/office/drawing/2010/main" val="0"/>
+              </a:ext>
+            </a:extLst>
+          </a:blip>
+          <a:srcRect/>
+          <a:stretch>
+            <a:fillRect/>
+          </a:stretch>
+        </p:blipFill>
+        <p:spPr bwMode="auto">
+          <a:xfrm>
+            <a:off x="3124200" y="228600"/>
+            <a:ext cx="2287071" cy="4069080"/>
+          </a:xfrm>
+          <a:prstGeom prst="rect">
+            <a:avLst/>
+          </a:prstGeom>
+          <a:noFill/>
+          <a:ln>
+            <a:noFill/>
+          </a:ln>
+          <a:effectLst/>
+          <a:extLst>
+            <a:ext uri="{909E8E84-426E-40DD-AFC4-6F175D3DCCD1}">
+              <a14:hiddenFill xmlns:a14="http://schemas.microsoft.com/office/drawing/2010/main">
+                <a:solidFill>
+                  <a:schemeClr val="accent1"/>
+                </a:solidFill>
+              </a14:hiddenFill>
+            </a:ext>
+            <a:ext uri="{91240B29-F687-4F45-9708-019B960494DF}">
+              <a14:hiddenLine xmlns:a14="http://schemas.microsoft.com/office/drawing/2010/main" w="9525">
+                <a:solidFill>
+                  <a:schemeClr val="tx1"/>
+                </a:solidFill>
+                <a:miter lim="800000"/>
+                <a:headEnd/>
+                <a:tailEnd/>
+              </a14:hiddenLine>
+            </a:ext>
+            <a:ext uri="{AF507438-7753-43E0-B8FC-AC1667EBCBE1}">
+              <a14:hiddenEffects xmlns:a14="http://schemas.microsoft.com/office/drawing/2010/main">
+                <a:effectLst>
+                  <a:outerShdw dist="35921" dir="2700000" algn="ctr" rotWithShape="0">
+                    <a:schemeClr val="bg2"/>
+                  </a:outerShdw>
+                </a:effectLst>
+              </a14:hiddenEffects>
+            </a:ext>
+          </a:extLst>
+        </p:spPr>
+      </p:pic>
+      <p:pic>
+        <p:nvPicPr>
+          <p:cNvPr id="5125" name="Picture 5"/>
+          <p:cNvPicPr>
+            <a:picLocks noChangeAspect="1" noChangeArrowheads="1"/>
+          </p:cNvPicPr>
+          <p:nvPr/>
+        </p:nvPicPr>
+        <p:blipFill>
+          <a:blip r:embed="rId4">
+            <a:extLst>
+              <a:ext uri="{28A0092B-C50C-407E-A947-70E740481C1C}">
+                <a14:useLocalDpi xmlns:a14="http://schemas.microsoft.com/office/drawing/2010/main" val="0"/>
+              </a:ext>
+            </a:extLst>
+          </a:blip>
+          <a:srcRect/>
+          <a:stretch>
+            <a:fillRect/>
+          </a:stretch>
+        </p:blipFill>
+        <p:spPr bwMode="auto">
+          <a:xfrm>
+            <a:off x="4991100" y="2341880"/>
+            <a:ext cx="2287071" cy="4069080"/>
+          </a:xfrm>
+          <a:prstGeom prst="rect">
+            <a:avLst/>
+          </a:prstGeom>
+          <a:noFill/>
+          <a:ln>
+            <a:noFill/>
+          </a:ln>
+          <a:effectLst/>
+          <a:extLst>
+            <a:ext uri="{909E8E84-426E-40DD-AFC4-6F175D3DCCD1}">
+              <a14:hiddenFill xmlns:a14="http://schemas.microsoft.com/office/drawing/2010/main">
+                <a:solidFill>
+                  <a:schemeClr val="accent1"/>
+                </a:solidFill>
+              </a14:hiddenFill>
+            </a:ext>
+            <a:ext uri="{91240B29-F687-4F45-9708-019B960494DF}">
+              <a14:hiddenLine xmlns:a14="http://schemas.microsoft.com/office/drawing/2010/main" w="9525">
+                <a:solidFill>
+                  <a:schemeClr val="tx1"/>
+                </a:solidFill>
+                <a:miter lim="800000"/>
+                <a:headEnd/>
+                <a:tailEnd/>
+              </a14:hiddenLine>
+            </a:ext>
+            <a:ext uri="{AF507438-7753-43E0-B8FC-AC1667EBCBE1}">
+              <a14:hiddenEffects xmlns:a14="http://schemas.microsoft.com/office/drawing/2010/main">
+                <a:effectLst>
+                  <a:outerShdw dist="35921" dir="2700000" algn="ctr" rotWithShape="0">
+                    <a:schemeClr val="bg2"/>
+                  </a:outerShdw>
+                </a:effectLst>
+              </a14:hiddenEffects>
+            </a:ext>
+          </a:extLst>
+        </p:spPr>
+      </p:pic>
+      <p:pic>
+        <p:nvPicPr>
+          <p:cNvPr id="5124" name="Picture 4"/>
+          <p:cNvPicPr>
+            <a:picLocks noChangeAspect="1" noChangeArrowheads="1"/>
+          </p:cNvPicPr>
+          <p:nvPr/>
+        </p:nvPicPr>
+        <p:blipFill>
+          <a:blip r:embed="rId5">
+            <a:extLst>
+              <a:ext uri="{28A0092B-C50C-407E-A947-70E740481C1C}">
+                <a14:useLocalDpi xmlns:a14="http://schemas.microsoft.com/office/drawing/2010/main" val="0"/>
+              </a:ext>
+            </a:extLst>
+          </a:blip>
+          <a:srcRect/>
+          <a:stretch>
+            <a:fillRect/>
+          </a:stretch>
+        </p:blipFill>
+        <p:spPr bwMode="auto">
+          <a:xfrm>
+            <a:off x="6934200" y="2341880"/>
+            <a:ext cx="2287071" cy="4069080"/>
+          </a:xfrm>
+          <a:prstGeom prst="rect">
+            <a:avLst/>
+          </a:prstGeom>
+          <a:noFill/>
+          <a:ln>
+            <a:noFill/>
+          </a:ln>
+          <a:effectLst/>
+          <a:extLst>
+            <a:ext uri="{909E8E84-426E-40DD-AFC4-6F175D3DCCD1}">
+              <a14:hiddenFill xmlns:a14="http://schemas.microsoft.com/office/drawing/2010/main">
+                <a:solidFill>
+                  <a:schemeClr val="accent1"/>
+                </a:solidFill>
+              </a14:hiddenFill>
+            </a:ext>
+            <a:ext uri="{91240B29-F687-4F45-9708-019B960494DF}">
+              <a14:hiddenLine xmlns:a14="http://schemas.microsoft.com/office/drawing/2010/main" w="9525">
+                <a:solidFill>
+                  <a:schemeClr val="tx1"/>
+                </a:solidFill>
+                <a:miter lim="800000"/>
+                <a:headEnd/>
+                <a:tailEnd/>
+              </a14:hiddenLine>
+            </a:ext>
+            <a:ext uri="{AF507438-7753-43E0-B8FC-AC1667EBCBE1}">
+              <a14:hiddenEffects xmlns:a14="http://schemas.microsoft.com/office/drawing/2010/main">
+                <a:effectLst>
+                  <a:outerShdw dist="35921" dir="2700000" algn="ctr" rotWithShape="0">
+                    <a:schemeClr val="bg2"/>
+                  </a:outerShdw>
+                </a:effectLst>
+              </a14:hiddenEffects>
+            </a:ext>
+          </a:extLst>
+        </p:spPr>
+      </p:pic>
+    </p:spTree>
+    <p:extLst>
+      <p:ext uri="{BB962C8B-B14F-4D97-AF65-F5344CB8AC3E}">
+        <p14:creationId xmlns:p14="http://schemas.microsoft.com/office/powerpoint/2010/main" val="306479333"/>
+      </p:ext>
+    </p:extLst>
+  </p:cSld>
+  <p:clrMapOvr>
+    <a:masterClrMapping/>
+  </p:clrMapOvr>
+  <p:timing>
+    <p:tnLst>
+      <p:par>
+        <p:cTn id="1" dur="indefinite" restart="never" nodeType="tmRoot"/>
+      </p:par>
+    </p:tnLst>
+  </p:timing>
+</p:sld>
+</file>
+
+<file path=ppt/slides/slide8.xml><?xml version="1.0" encoding="utf-8"?>
+<p:sld xmlns:a="http://schemas.openxmlformats.org/drawingml/2006/main" xmlns:r="http://schemas.openxmlformats.org/officeDocument/2006/relationships" xmlns:p="http://schemas.openxmlformats.org/presentationml/2006/main">
+  <p:cSld>
+    <p:spTree>
+      <p:nvGrpSpPr>
+        <p:cNvPr id="1" name=""/>
+        <p:cNvGrpSpPr/>
+        <p:nvPr/>
+      </p:nvGrpSpPr>
+      <p:grpSpPr>
+        <a:xfrm>
+          <a:off x="0" y="0"/>
+          <a:ext cx="0" cy="0"/>
+          <a:chOff x="0" y="0"/>
+          <a:chExt cx="0" cy="0"/>
+        </a:xfrm>
+      </p:grpSpPr>
+      <p:sp>
+        <p:nvSpPr>
+          <p:cNvPr id="4" name="Slide Number Placeholder 3"/>
+          <p:cNvSpPr>
+            <a:spLocks noGrp="1"/>
+          </p:cNvSpPr>
+          <p:nvPr>
+            <p:ph type="sldNum" sz="quarter" idx="12"/>
+          </p:nvPr>
+        </p:nvSpPr>
+        <p:spPr/>
+        <p:txBody>
+          <a:bodyPr/>
+          <a:lstStyle/>
+          <a:p>
+            <a:fld id="{20DB21FD-4A02-4528-9F81-32550AF98AA0}" type="slidenum">
+              <a:rPr lang="en-US" smtClean="0"/>
+              <a:t>8</a:t>
+            </a:fld>
+            <a:endParaRPr lang="en-US"/>
+          </a:p>
+        </p:txBody>
+      </p:sp>
+      <p:pic>
+        <p:nvPicPr>
+          <p:cNvPr id="6146" name="Picture 2"/>
+          <p:cNvPicPr>
+            <a:picLocks noChangeAspect="1" noChangeArrowheads="1"/>
+          </p:cNvPicPr>
+          <p:nvPr/>
+        </p:nvPicPr>
+        <p:blipFill>
+          <a:blip r:embed="rId2">
+            <a:extLst>
+              <a:ext uri="{28A0092B-C50C-407E-A947-70E740481C1C}">
+                <a14:useLocalDpi xmlns:a14="http://schemas.microsoft.com/office/drawing/2010/main" val="0"/>
+              </a:ext>
+            </a:extLst>
+          </a:blip>
+          <a:srcRect/>
+          <a:stretch>
+            <a:fillRect/>
+          </a:stretch>
+        </p:blipFill>
+        <p:spPr bwMode="auto">
+          <a:xfrm>
+            <a:off x="914400" y="949960"/>
+            <a:ext cx="2287071" cy="4069080"/>
+          </a:xfrm>
+          <a:prstGeom prst="rect">
+            <a:avLst/>
+          </a:prstGeom>
+          <a:noFill/>
+          <a:ln>
+            <a:noFill/>
+          </a:ln>
+          <a:effectLst/>
+          <a:extLst>
+            <a:ext uri="{909E8E84-426E-40DD-AFC4-6F175D3DCCD1}">
+              <a14:hiddenFill xmlns:a14="http://schemas.microsoft.com/office/drawing/2010/main">
+                <a:solidFill>
+                  <a:schemeClr val="accent1"/>
+                </a:solidFill>
+              </a14:hiddenFill>
+            </a:ext>
+            <a:ext uri="{91240B29-F687-4F45-9708-019B960494DF}">
+              <a14:hiddenLine xmlns:a14="http://schemas.microsoft.com/office/drawing/2010/main" w="9525">
+                <a:solidFill>
+                  <a:schemeClr val="tx1"/>
+                </a:solidFill>
+                <a:miter lim="800000"/>
+                <a:headEnd/>
+                <a:tailEnd/>
+              </a14:hiddenLine>
+            </a:ext>
+            <a:ext uri="{AF507438-7753-43E0-B8FC-AC1667EBCBE1}">
+              <a14:hiddenEffects xmlns:a14="http://schemas.microsoft.com/office/drawing/2010/main">
+                <a:effectLst>
+                  <a:outerShdw dist="35921" dir="2700000" algn="ctr" rotWithShape="0">
+                    <a:schemeClr val="bg2"/>
+                  </a:outerShdw>
+                </a:effectLst>
+              </a14:hiddenEffects>
+            </a:ext>
+          </a:extLst>
+        </p:spPr>
+      </p:pic>
+      <p:pic>
+        <p:nvPicPr>
+          <p:cNvPr id="6147" name="Picture 3"/>
+          <p:cNvPicPr>
+            <a:picLocks noChangeAspect="1" noChangeArrowheads="1"/>
+          </p:cNvPicPr>
+          <p:nvPr/>
+        </p:nvPicPr>
+        <p:blipFill>
+          <a:blip r:embed="rId3">
+            <a:extLst>
+              <a:ext uri="{28A0092B-C50C-407E-A947-70E740481C1C}">
+                <a14:useLocalDpi xmlns:a14="http://schemas.microsoft.com/office/drawing/2010/main" val="0"/>
+              </a:ext>
+            </a:extLst>
+          </a:blip>
+          <a:srcRect/>
+          <a:stretch>
+            <a:fillRect/>
+          </a:stretch>
+        </p:blipFill>
+        <p:spPr bwMode="auto">
+          <a:xfrm>
+            <a:off x="3656529" y="949960"/>
+            <a:ext cx="2287071" cy="4069080"/>
+          </a:xfrm>
+          <a:prstGeom prst="rect">
+            <a:avLst/>
+          </a:prstGeom>
+          <a:noFill/>
+          <a:ln>
+            <a:noFill/>
+          </a:ln>
+          <a:effectLst/>
+          <a:extLst>
+            <a:ext uri="{909E8E84-426E-40DD-AFC4-6F175D3DCCD1}">
+              <a14:hiddenFill xmlns:a14="http://schemas.microsoft.com/office/drawing/2010/main">
+                <a:solidFill>
+                  <a:schemeClr val="accent1"/>
+                </a:solidFill>
+              </a14:hiddenFill>
+            </a:ext>
+            <a:ext uri="{91240B29-F687-4F45-9708-019B960494DF}">
+              <a14:hiddenLine xmlns:a14="http://schemas.microsoft.com/office/drawing/2010/main" w="9525">
+                <a:solidFill>
+                  <a:schemeClr val="tx1"/>
+                </a:solidFill>
+                <a:miter lim="800000"/>
+                <a:headEnd/>
+                <a:tailEnd/>
+              </a14:hiddenLine>
+            </a:ext>
+            <a:ext uri="{AF507438-7753-43E0-B8FC-AC1667EBCBE1}">
+              <a14:hiddenEffects xmlns:a14="http://schemas.microsoft.com/office/drawing/2010/main">
+                <a:effectLst>
+                  <a:outerShdw dist="35921" dir="2700000" algn="ctr" rotWithShape="0">
+                    <a:schemeClr val="bg2"/>
+                  </a:outerShdw>
+                </a:effectLst>
+              </a14:hiddenEffects>
+            </a:ext>
+          </a:extLst>
+        </p:spPr>
+      </p:pic>
+      <p:pic>
+        <p:nvPicPr>
+          <p:cNvPr id="6148" name="Picture 4"/>
+          <p:cNvPicPr>
+            <a:picLocks noChangeAspect="1" noChangeArrowheads="1"/>
+          </p:cNvPicPr>
+          <p:nvPr/>
+        </p:nvPicPr>
+        <p:blipFill>
+          <a:blip r:embed="rId4">
+            <a:extLst>
+              <a:ext uri="{28A0092B-C50C-407E-A947-70E740481C1C}">
+                <a14:useLocalDpi xmlns:a14="http://schemas.microsoft.com/office/drawing/2010/main" val="0"/>
+              </a:ext>
+            </a:extLst>
+          </a:blip>
+          <a:srcRect/>
+          <a:stretch>
+            <a:fillRect/>
+          </a:stretch>
+        </p:blipFill>
+        <p:spPr bwMode="auto">
+          <a:xfrm>
+            <a:off x="6324600" y="990600"/>
+            <a:ext cx="2287071" cy="4069080"/>
+          </a:xfrm>
+          <a:prstGeom prst="rect">
+            <a:avLst/>
+          </a:prstGeom>
+          <a:noFill/>
+          <a:ln>
+            <a:noFill/>
+          </a:ln>
+          <a:effectLst/>
+          <a:extLst>
+            <a:ext uri="{909E8E84-426E-40DD-AFC4-6F175D3DCCD1}">
+              <a14:hiddenFill xmlns:a14="http://schemas.microsoft.com/office/drawing/2010/main">
+                <a:solidFill>
+                  <a:schemeClr val="accent1"/>
+                </a:solidFill>
+              </a14:hiddenFill>
+            </a:ext>
+            <a:ext uri="{91240B29-F687-4F45-9708-019B960494DF}">
+              <a14:hiddenLine xmlns:a14="http://schemas.microsoft.com/office/drawing/2010/main" w="9525">
+                <a:solidFill>
+                  <a:schemeClr val="tx1"/>
+                </a:solidFill>
+                <a:miter lim="800000"/>
+                <a:headEnd/>
+                <a:tailEnd/>
+              </a14:hiddenLine>
+            </a:ext>
+            <a:ext uri="{AF507438-7753-43E0-B8FC-AC1667EBCBE1}">
+              <a14:hiddenEffects xmlns:a14="http://schemas.microsoft.com/office/drawing/2010/main">
+                <a:effectLst>
+                  <a:outerShdw dist="35921" dir="2700000" algn="ctr" rotWithShape="0">
+                    <a:schemeClr val="bg2"/>
+                  </a:outerShdw>
+                </a:effectLst>
+              </a14:hiddenEffects>
+            </a:ext>
+          </a:extLst>
+        </p:spPr>
+      </p:pic>
+    </p:spTree>
+    <p:extLst>
+      <p:ext uri="{BB962C8B-B14F-4D97-AF65-F5344CB8AC3E}">
+        <p14:creationId xmlns:p14="http://schemas.microsoft.com/office/powerpoint/2010/main" val="3578790662"/>
+      </p:ext>
+    </p:extLst>
+  </p:cSld>
+  <p:clrMapOvr>
+    <a:masterClrMapping/>
+  </p:clrMapOvr>
+  <p:timing>
+    <p:tnLst>
+      <p:par>
+        <p:cTn id="1" dur="indefinite" restart="never" nodeType="tmRoot"/>
+      </p:par>
+    </p:tnLst>
+  </p:timing>
+</p:sld>
+</file>
+
+<file path=ppt/slides/slide9.xml><?xml version="1.0" encoding="utf-8"?>
+<p:sld xmlns:a="http://schemas.openxmlformats.org/drawingml/2006/main" xmlns:r="http://schemas.openxmlformats.org/officeDocument/2006/relationships" xmlns:p="http://schemas.openxmlformats.org/presentationml/2006/main">
+  <p:cSld>
+    <p:spTree>
+      <p:nvGrpSpPr>
+        <p:cNvPr id="1" name=""/>
+        <p:cNvGrpSpPr/>
+        <p:nvPr/>
+      </p:nvGrpSpPr>
+      <p:grpSpPr>
+        <a:xfrm>
+          <a:off x="0" y="0"/>
+          <a:ext cx="0" cy="0"/>
+          <a:chOff x="0" y="0"/>
+          <a:chExt cx="0" cy="0"/>
+        </a:xfrm>
+      </p:grpSpPr>
+      <p:sp>
+        <p:nvSpPr>
+          <p:cNvPr id="2" name="Title 1"/>
+          <p:cNvSpPr>
+            <a:spLocks noGrp="1"/>
+          </p:cNvSpPr>
+          <p:nvPr>
+            <p:ph type="title"/>
+          </p:nvPr>
+        </p:nvSpPr>
+        <p:spPr/>
+        <p:txBody>
+          <a:bodyPr/>
+          <a:lstStyle/>
+          <a:p>
+            <a:r>
+              <a:rPr lang="en-US" dirty="0" smtClean="0"/>
+              <a:t>iOS (swift)</a:t>
+            </a:r>
+            <a:endParaRPr lang="en-US" dirty="0"/>
+          </a:p>
+        </p:txBody>
+      </p:sp>
+      <p:sp>
+        <p:nvSpPr>
+          <p:cNvPr id="4" name="Slide Number Placeholder 3"/>
+          <p:cNvSpPr>
+            <a:spLocks noGrp="1"/>
+          </p:cNvSpPr>
+          <p:nvPr>
+            <p:ph type="sldNum" sz="quarter" idx="12"/>
+          </p:nvPr>
+        </p:nvSpPr>
+        <p:spPr/>
+        <p:txBody>
+          <a:bodyPr/>
+          <a:lstStyle/>
+          <a:p>
+            <a:fld id="{20DB21FD-4A02-4528-9F81-32550AF98AA0}" type="slidenum">
+              <a:rPr lang="en-US" smtClean="0"/>
+              <a:t>9</a:t>
+            </a:fld>
+            <a:endParaRPr lang="en-US"/>
+          </a:p>
+        </p:txBody>
+      </p:sp>
+      <p:pic>
+        <p:nvPicPr>
+          <p:cNvPr id="1026" name="Picture 2" descr="G:\My Drive\Master\7.Spring 2018\App\Screen Shot 2018-03-23 at 2.52.47 PM.png"/>
+          <p:cNvPicPr>
+            <a:picLocks noChangeAspect="1" noChangeArrowheads="1"/>
+          </p:cNvPicPr>
+          <p:nvPr/>
+        </p:nvPicPr>
+        <p:blipFill>
+          <a:blip r:embed="rId2" cstate="print">
+            <a:extLst>
+              <a:ext uri="{28A0092B-C50C-407E-A947-70E740481C1C}">
+                <a14:useLocalDpi xmlns:a14="http://schemas.microsoft.com/office/drawing/2010/main" val="0"/>
+              </a:ext>
+            </a:extLst>
+          </a:blip>
+          <a:srcRect/>
+          <a:stretch>
+            <a:fillRect/>
+          </a:stretch>
+        </p:blipFill>
+        <p:spPr bwMode="auto">
+          <a:xfrm>
+            <a:off x="1066800" y="1358899"/>
+            <a:ext cx="1998846" cy="4069080"/>
+          </a:xfrm>
+          <a:prstGeom prst="rect">
+            <a:avLst/>
+          </a:prstGeom>
+          <a:noFill/>
+          <a:extLst>
+            <a:ext uri="{909E8E84-426E-40DD-AFC4-6F175D3DCCD1}">
+              <a14:hiddenFill xmlns:a14="http://schemas.microsoft.com/office/drawing/2010/main">
+                <a:solidFill>
+                  <a:srgbClr val="FFFFFF"/>
+                </a:solidFill>
+              </a14:hiddenFill>
+            </a:ext>
+          </a:extLst>
+        </p:spPr>
+      </p:pic>
+      <p:pic>
+        <p:nvPicPr>
+          <p:cNvPr id="1027" name="Picture 3" descr="G:\My Drive\Master\7.Spring 2018\App\Screen Shot 2018-03-23 at 2.53.04 PM.png"/>
+          <p:cNvPicPr>
+            <a:picLocks noChangeAspect="1" noChangeArrowheads="1"/>
+          </p:cNvPicPr>
+          <p:nvPr/>
+        </p:nvPicPr>
+        <p:blipFill>
+          <a:blip r:embed="rId3" cstate="print">
+            <a:extLst>
+              <a:ext uri="{28A0092B-C50C-407E-A947-70E740481C1C}">
+                <a14:useLocalDpi xmlns:a14="http://schemas.microsoft.com/office/drawing/2010/main" val="0"/>
+              </a:ext>
+            </a:extLst>
+          </a:blip>
+          <a:srcRect/>
+          <a:stretch>
+            <a:fillRect/>
+          </a:stretch>
+        </p:blipFill>
+        <p:spPr bwMode="auto">
+          <a:xfrm>
+            <a:off x="3581399" y="1396999"/>
+            <a:ext cx="2030059" cy="4069080"/>
+          </a:xfrm>
+          <a:prstGeom prst="rect">
+            <a:avLst/>
+          </a:prstGeom>
+          <a:noFill/>
+          <a:extLst>
+            <a:ext uri="{909E8E84-426E-40DD-AFC4-6F175D3DCCD1}">
+              <a14:hiddenFill xmlns:a14="http://schemas.microsoft.com/office/drawing/2010/main">
+                <a:solidFill>
+                  <a:srgbClr val="FFFFFF"/>
+                </a:solidFill>
+              </a14:hiddenFill>
+            </a:ext>
+          </a:extLst>
+        </p:spPr>
+      </p:pic>
+      <p:pic>
+        <p:nvPicPr>
+          <p:cNvPr id="1028" name="Picture 4" descr="G:\My Drive\Master\7.Spring 2018\App\Screen Shot 2018-03-23 at 2.55.59 PM.png"/>
+          <p:cNvPicPr>
+            <a:picLocks noChangeAspect="1" noChangeArrowheads="1"/>
+          </p:cNvPicPr>
+          <p:nvPr/>
+        </p:nvPicPr>
+        <p:blipFill>
+          <a:blip r:embed="rId4" cstate="print">
+            <a:extLst>
+              <a:ext uri="{28A0092B-C50C-407E-A947-70E740481C1C}">
+                <a14:useLocalDpi xmlns:a14="http://schemas.microsoft.com/office/drawing/2010/main" val="0"/>
+              </a:ext>
+            </a:extLst>
+          </a:blip>
+          <a:srcRect/>
+          <a:stretch>
+            <a:fillRect/>
+          </a:stretch>
+        </p:blipFill>
+        <p:spPr bwMode="auto">
+          <a:xfrm>
+            <a:off x="6096000" y="1396999"/>
+            <a:ext cx="2047955" cy="4069080"/>
+          </a:xfrm>
+          <a:prstGeom prst="rect">
+            <a:avLst/>
+          </a:prstGeom>
+          <a:noFill/>
+          <a:extLst>
+            <a:ext uri="{909E8E84-426E-40DD-AFC4-6F175D3DCCD1}">
+              <a14:hiddenFill xmlns:a14="http://schemas.microsoft.com/office/drawing/2010/main">
+                <a:solidFill>
+                  <a:srgbClr val="FFFFFF"/>
+                </a:solidFill>
+              </a14:hiddenFill>
+            </a:ext>
+          </a:extLst>
+        </p:spPr>
+      </p:pic>
+    </p:spTree>
+    <p:extLst>
+      <p:ext uri="{BB962C8B-B14F-4D97-AF65-F5344CB8AC3E}">
+        <p14:creationId xmlns:p14="http://schemas.microsoft.com/office/powerpoint/2010/main" val="1024614846"/>
+      </p:ext>
+    </p:extLst>
+  </p:cSld>
+  <p:clrMapOvr>
+    <a:masterClrMapping/>
+  </p:clrMapOvr>
+  <p:timing>
+    <p:tnLst>
+      <p:par>
+        <p:cTn id="1" dur="indefinite" restart="never" nodeType="tmRoot"/>
+      </p:par>
+    </p:tnLst>
+  </p:timing>
 </p:sld>
 </file>
 
@@ -3670,4 +8482,289 @@
   <a:objectDefaults/>
   <a:extraClrSchemeLst/>
 </a:theme>
+</file>
+
+<file path=ppt/theme/theme2.xml><?xml version="1.0" encoding="utf-8"?>
+<a:theme xmlns:a="http://schemas.openxmlformats.org/drawingml/2006/main" name="Office Theme">
+  <a:themeElements>
+    <a:clrScheme name="Office">
+      <a:dk1>
+        <a:sysClr val="windowText" lastClr="000000"/>
+      </a:dk1>
+      <a:lt1>
+        <a:sysClr val="window" lastClr="FFFFFF"/>
+      </a:lt1>
+      <a:dk2>
+        <a:srgbClr val="1F497D"/>
+      </a:dk2>
+      <a:lt2>
+        <a:srgbClr val="EEECE1"/>
+      </a:lt2>
+      <a:accent1>
+        <a:srgbClr val="4F81BD"/>
+      </a:accent1>
+      <a:accent2>
+        <a:srgbClr val="C0504D"/>
+      </a:accent2>
+      <a:accent3>
+        <a:srgbClr val="9BBB59"/>
+      </a:accent3>
+      <a:accent4>
+        <a:srgbClr val="8064A2"/>
+      </a:accent4>
+      <a:accent5>
+        <a:srgbClr val="4BACC6"/>
+      </a:accent5>
+      <a:accent6>
+        <a:srgbClr val="F79646"/>
+      </a:accent6>
+      <a:hlink>
+        <a:srgbClr val="0000FF"/>
+      </a:hlink>
+      <a:folHlink>
+        <a:srgbClr val="800080"/>
+      </a:folHlink>
+    </a:clrScheme>
+    <a:fontScheme name="Office">
+      <a:majorFont>
+        <a:latin typeface="Calibri"/>
+        <a:ea typeface=""/>
+        <a:cs typeface=""/>
+        <a:font script="Jpan" typeface="ＭＳ Ｐゴシック"/>
+        <a:font script="Hang" typeface="맑은 고딕"/>
+        <a:font script="Hans" typeface="宋体"/>
+        <a:font script="Hant" typeface="新細明體"/>
+        <a:font script="Arab" typeface="Times New Roman"/>
+        <a:font script="Hebr" typeface="Times New Roman"/>
+        <a:font script="Thai" typeface="Angsana New"/>
+        <a:font script="Ethi" typeface="Nyala"/>
+        <a:font script="Beng" typeface="Vrinda"/>
+        <a:font script="Gujr" typeface="Shruti"/>
+        <a:font script="Khmr" typeface="MoolBoran"/>
+        <a:font script="Knda" typeface="Tunga"/>
+        <a:font script="Guru" typeface="Raavi"/>
+        <a:font script="Cans" typeface="Euphemia"/>
+        <a:font script="Cher" typeface="Plantagenet Cherokee"/>
+        <a:font script="Yiii" typeface="Microsoft Yi Baiti"/>
+        <a:font script="Tibt" typeface="Microsoft Himalaya"/>
+        <a:font script="Thaa" typeface="MV Boli"/>
+        <a:font script="Deva" typeface="Mangal"/>
+        <a:font script="Telu" typeface="Gautami"/>
+        <a:font script="Taml" typeface="Latha"/>
+        <a:font script="Syrc" typeface="Estrangelo Edessa"/>
+        <a:font script="Orya" typeface="Kalinga"/>
+        <a:font script="Mlym" typeface="Kartika"/>
+        <a:font script="Laoo" typeface="DokChampa"/>
+        <a:font script="Sinh" typeface="Iskoola Pota"/>
+        <a:font script="Mong" typeface="Mongolian Baiti"/>
+        <a:font script="Viet" typeface="Times New Roman"/>
+        <a:font script="Uigh" typeface="Microsoft Uighur"/>
+        <a:font script="Geor" typeface="Sylfaen"/>
+      </a:majorFont>
+      <a:minorFont>
+        <a:latin typeface="Calibri"/>
+        <a:ea typeface=""/>
+        <a:cs typeface=""/>
+        <a:font script="Jpan" typeface="ＭＳ Ｐゴシック"/>
+        <a:font script="Hang" typeface="맑은 고딕"/>
+        <a:font script="Hans" typeface="宋体"/>
+        <a:font script="Hant" typeface="新細明體"/>
+        <a:font script="Arab" typeface="Arial"/>
+        <a:font script="Hebr" typeface="Arial"/>
+        <a:font script="Thai" typeface="Cordia New"/>
+        <a:font script="Ethi" typeface="Nyala"/>
+        <a:font script="Beng" typeface="Vrinda"/>
+        <a:font script="Gujr" typeface="Shruti"/>
+        <a:font script="Khmr" typeface="DaunPenh"/>
+        <a:font script="Knda" typeface="Tunga"/>
+        <a:font script="Guru" typeface="Raavi"/>
+        <a:font script="Cans" typeface="Euphemia"/>
+        <a:font script="Cher" typeface="Plantagenet Cherokee"/>
+        <a:font script="Yiii" typeface="Microsoft Yi Baiti"/>
+        <a:font script="Tibt" typeface="Microsoft Himalaya"/>
+        <a:font script="Thaa" typeface="MV Boli"/>
+        <a:font script="Deva" typeface="Mangal"/>
+        <a:font script="Telu" typeface="Gautami"/>
+        <a:font script="Taml" typeface="Latha"/>
+        <a:font script="Syrc" typeface="Estrangelo Edessa"/>
+        <a:font script="Orya" typeface="Kalinga"/>
+        <a:font script="Mlym" typeface="Kartika"/>
+        <a:font script="Laoo" typeface="DokChampa"/>
+        <a:font script="Sinh" typeface="Iskoola Pota"/>
+        <a:font script="Mong" typeface="Mongolian Baiti"/>
+        <a:font script="Viet" typeface="Arial"/>
+        <a:font script="Uigh" typeface="Microsoft Uighur"/>
+        <a:font script="Geor" typeface="Sylfaen"/>
+      </a:minorFont>
+    </a:fontScheme>
+    <a:fmtScheme name="Office">
+      <a:fillStyleLst>
+        <a:solidFill>
+          <a:schemeClr val="phClr"/>
+        </a:solidFill>
+        <a:gradFill rotWithShape="1">
+          <a:gsLst>
+            <a:gs pos="0">
+              <a:schemeClr val="phClr">
+                <a:tint val="50000"/>
+                <a:satMod val="300000"/>
+              </a:schemeClr>
+            </a:gs>
+            <a:gs pos="35000">
+              <a:schemeClr val="phClr">
+                <a:tint val="37000"/>
+                <a:satMod val="300000"/>
+              </a:schemeClr>
+            </a:gs>
+            <a:gs pos="100000">
+              <a:schemeClr val="phClr">
+                <a:tint val="15000"/>
+                <a:satMod val="350000"/>
+              </a:schemeClr>
+            </a:gs>
+          </a:gsLst>
+          <a:lin ang="16200000" scaled="1"/>
+        </a:gradFill>
+        <a:gradFill rotWithShape="1">
+          <a:gsLst>
+            <a:gs pos="0">
+              <a:schemeClr val="phClr">
+                <a:shade val="51000"/>
+                <a:satMod val="130000"/>
+              </a:schemeClr>
+            </a:gs>
+            <a:gs pos="80000">
+              <a:schemeClr val="phClr">
+                <a:shade val="93000"/>
+                <a:satMod val="130000"/>
+              </a:schemeClr>
+            </a:gs>
+            <a:gs pos="100000">
+              <a:schemeClr val="phClr">
+                <a:shade val="94000"/>
+                <a:satMod val="135000"/>
+              </a:schemeClr>
+            </a:gs>
+          </a:gsLst>
+          <a:lin ang="16200000" scaled="0"/>
+        </a:gradFill>
+      </a:fillStyleLst>
+      <a:lnStyleLst>
+        <a:ln w="9525" cap="flat" cmpd="sng" algn="ctr">
+          <a:solidFill>
+            <a:schemeClr val="phClr">
+              <a:shade val="95000"/>
+              <a:satMod val="105000"/>
+            </a:schemeClr>
+          </a:solidFill>
+          <a:prstDash val="solid"/>
+        </a:ln>
+        <a:ln w="25400" cap="flat" cmpd="sng" algn="ctr">
+          <a:solidFill>
+            <a:schemeClr val="phClr"/>
+          </a:solidFill>
+          <a:prstDash val="solid"/>
+        </a:ln>
+        <a:ln w="38100" cap="flat" cmpd="sng" algn="ctr">
+          <a:solidFill>
+            <a:schemeClr val="phClr"/>
+          </a:solidFill>
+          <a:prstDash val="solid"/>
+        </a:ln>
+      </a:lnStyleLst>
+      <a:effectStyleLst>
+        <a:effectStyle>
+          <a:effectLst>
+            <a:outerShdw blurRad="40000" dist="20000" dir="5400000" rotWithShape="0">
+              <a:srgbClr val="000000">
+                <a:alpha val="38000"/>
+              </a:srgbClr>
+            </a:outerShdw>
+          </a:effectLst>
+        </a:effectStyle>
+        <a:effectStyle>
+          <a:effectLst>
+            <a:outerShdw blurRad="40000" dist="23000" dir="5400000" rotWithShape="0">
+              <a:srgbClr val="000000">
+                <a:alpha val="35000"/>
+              </a:srgbClr>
+            </a:outerShdw>
+          </a:effectLst>
+        </a:effectStyle>
+        <a:effectStyle>
+          <a:effectLst>
+            <a:outerShdw blurRad="40000" dist="23000" dir="5400000" rotWithShape="0">
+              <a:srgbClr val="000000">
+                <a:alpha val="35000"/>
+              </a:srgbClr>
+            </a:outerShdw>
+          </a:effectLst>
+          <a:scene3d>
+            <a:camera prst="orthographicFront">
+              <a:rot lat="0" lon="0" rev="0"/>
+            </a:camera>
+            <a:lightRig rig="threePt" dir="t">
+              <a:rot lat="0" lon="0" rev="1200000"/>
+            </a:lightRig>
+          </a:scene3d>
+          <a:sp3d>
+            <a:bevelT w="63500" h="25400"/>
+          </a:sp3d>
+        </a:effectStyle>
+      </a:effectStyleLst>
+      <a:bgFillStyleLst>
+        <a:solidFill>
+          <a:schemeClr val="phClr"/>
+        </a:solidFill>
+        <a:gradFill rotWithShape="1">
+          <a:gsLst>
+            <a:gs pos="0">
+              <a:schemeClr val="phClr">
+                <a:tint val="40000"/>
+                <a:satMod val="350000"/>
+              </a:schemeClr>
+            </a:gs>
+            <a:gs pos="40000">
+              <a:schemeClr val="phClr">
+                <a:tint val="45000"/>
+                <a:shade val="99000"/>
+                <a:satMod val="350000"/>
+              </a:schemeClr>
+            </a:gs>
+            <a:gs pos="100000">
+              <a:schemeClr val="phClr">
+                <a:shade val="20000"/>
+                <a:satMod val="255000"/>
+              </a:schemeClr>
+            </a:gs>
+          </a:gsLst>
+          <a:path path="circle">
+            <a:fillToRect l="50000" t="-80000" r="50000" b="180000"/>
+          </a:path>
+        </a:gradFill>
+        <a:gradFill rotWithShape="1">
+          <a:gsLst>
+            <a:gs pos="0">
+              <a:schemeClr val="phClr">
+                <a:tint val="80000"/>
+                <a:satMod val="300000"/>
+              </a:schemeClr>
+            </a:gs>
+            <a:gs pos="100000">
+              <a:schemeClr val="phClr">
+                <a:shade val="30000"/>
+                <a:satMod val="200000"/>
+              </a:schemeClr>
+            </a:gs>
+          </a:gsLst>
+          <a:path path="circle">
+            <a:fillToRect l="50000" t="50000" r="50000" b="50000"/>
+          </a:path>
+        </a:gradFill>
+      </a:bgFillStyleLst>
+    </a:fmtScheme>
+  </a:themeElements>
+  <a:objectDefaults/>
+  <a:extraClrSchemeLst/>
+</a:theme>
 </file>